--- a/ppt.pptx
+++ b/ppt.pptx
@@ -2,7 +2,7 @@
 <file path=ppt/presentation.xml><?xml version="1.0" encoding="utf-8"?>
 <p:presentation xmlns:a="http://schemas.openxmlformats.org/drawingml/2006/main" xmlns:r="http://schemas.openxmlformats.org/officeDocument/2006/relationships" xmlns:p="http://schemas.openxmlformats.org/presentationml/2006/main" saveSubsetFonts="1">
   <p:sldMasterIdLst>
-    <p:sldMasterId id="2147483648" r:id="rId1"/>
+    <p:sldMasterId id="2147483660" r:id="rId1"/>
   </p:sldMasterIdLst>
   <p:notesMasterIdLst>
     <p:notesMasterId r:id="rId12"/>
@@ -25,7 +25,7 @@
     <a:defPPr>
       <a:defRPr lang="en-US"/>
     </a:defPPr>
-    <a:lvl1pPr marL="0" algn="l" defTabSz="914400" rtl="0" eaLnBrk="1" latinLnBrk="0" hangingPunct="1">
+    <a:lvl1pPr marL="0" algn="l" defTabSz="457200" rtl="0" eaLnBrk="1" latinLnBrk="0" hangingPunct="1">
       <a:defRPr sz="1800" kern="1200">
         <a:solidFill>
           <a:schemeClr val="tx1"/>
@@ -35,7 +35,7 @@
         <a:cs typeface="+mn-cs"/>
       </a:defRPr>
     </a:lvl1pPr>
-    <a:lvl2pPr marL="457200" algn="l" defTabSz="914400" rtl="0" eaLnBrk="1" latinLnBrk="0" hangingPunct="1">
+    <a:lvl2pPr marL="457200" algn="l" defTabSz="457200" rtl="0" eaLnBrk="1" latinLnBrk="0" hangingPunct="1">
       <a:defRPr sz="1800" kern="1200">
         <a:solidFill>
           <a:schemeClr val="tx1"/>
@@ -45,7 +45,7 @@
         <a:cs typeface="+mn-cs"/>
       </a:defRPr>
     </a:lvl2pPr>
-    <a:lvl3pPr marL="914400" algn="l" defTabSz="914400" rtl="0" eaLnBrk="1" latinLnBrk="0" hangingPunct="1">
+    <a:lvl3pPr marL="914400" algn="l" defTabSz="457200" rtl="0" eaLnBrk="1" latinLnBrk="0" hangingPunct="1">
       <a:defRPr sz="1800" kern="1200">
         <a:solidFill>
           <a:schemeClr val="tx1"/>
@@ -55,7 +55,7 @@
         <a:cs typeface="+mn-cs"/>
       </a:defRPr>
     </a:lvl3pPr>
-    <a:lvl4pPr marL="1371600" algn="l" defTabSz="914400" rtl="0" eaLnBrk="1" latinLnBrk="0" hangingPunct="1">
+    <a:lvl4pPr marL="1371600" algn="l" defTabSz="457200" rtl="0" eaLnBrk="1" latinLnBrk="0" hangingPunct="1">
       <a:defRPr sz="1800" kern="1200">
         <a:solidFill>
           <a:schemeClr val="tx1"/>
@@ -65,7 +65,7 @@
         <a:cs typeface="+mn-cs"/>
       </a:defRPr>
     </a:lvl4pPr>
-    <a:lvl5pPr marL="1828800" algn="l" defTabSz="914400" rtl="0" eaLnBrk="1" latinLnBrk="0" hangingPunct="1">
+    <a:lvl5pPr marL="1828800" algn="l" defTabSz="457200" rtl="0" eaLnBrk="1" latinLnBrk="0" hangingPunct="1">
       <a:defRPr sz="1800" kern="1200">
         <a:solidFill>
           <a:schemeClr val="tx1"/>
@@ -75,7 +75,7 @@
         <a:cs typeface="+mn-cs"/>
       </a:defRPr>
     </a:lvl5pPr>
-    <a:lvl6pPr marL="2286000" algn="l" defTabSz="914400" rtl="0" eaLnBrk="1" latinLnBrk="0" hangingPunct="1">
+    <a:lvl6pPr marL="2286000" algn="l" defTabSz="457200" rtl="0" eaLnBrk="1" latinLnBrk="0" hangingPunct="1">
       <a:defRPr sz="1800" kern="1200">
         <a:solidFill>
           <a:schemeClr val="tx1"/>
@@ -85,7 +85,7 @@
         <a:cs typeface="+mn-cs"/>
       </a:defRPr>
     </a:lvl6pPr>
-    <a:lvl7pPr marL="2743200" algn="l" defTabSz="914400" rtl="0" eaLnBrk="1" latinLnBrk="0" hangingPunct="1">
+    <a:lvl7pPr marL="2743200" algn="l" defTabSz="457200" rtl="0" eaLnBrk="1" latinLnBrk="0" hangingPunct="1">
       <a:defRPr sz="1800" kern="1200">
         <a:solidFill>
           <a:schemeClr val="tx1"/>
@@ -95,7 +95,7 @@
         <a:cs typeface="+mn-cs"/>
       </a:defRPr>
     </a:lvl7pPr>
-    <a:lvl8pPr marL="3200400" algn="l" defTabSz="914400" rtl="0" eaLnBrk="1" latinLnBrk="0" hangingPunct="1">
+    <a:lvl8pPr marL="3200400" algn="l" defTabSz="457200" rtl="0" eaLnBrk="1" latinLnBrk="0" hangingPunct="1">
       <a:defRPr sz="1800" kern="1200">
         <a:solidFill>
           <a:schemeClr val="tx1"/>
@@ -105,7 +105,7 @@
         <a:cs typeface="+mn-cs"/>
       </a:defRPr>
     </a:lvl8pPr>
-    <a:lvl9pPr marL="3657600" algn="l" defTabSz="914400" rtl="0" eaLnBrk="1" latinLnBrk="0" hangingPunct="1">
+    <a:lvl9pPr marL="3657600" algn="l" defTabSz="457200" rtl="0" eaLnBrk="1" latinLnBrk="0" hangingPunct="1">
       <a:defRPr sz="1800" kern="1200">
         <a:solidFill>
           <a:schemeClr val="tx1"/>
@@ -116,6 +116,14 @@
       </a:defRPr>
     </a:lvl9pPr>
   </p:defaultTextStyle>
+  <p:extLst>
+    <p:ext uri="{EFAFB233-063F-42B5-8137-9DF3F51BA10A}">
+      <p15:sldGuideLst xmlns:p15="http://schemas.microsoft.com/office/powerpoint/2012/main"/>
+    </p:ext>
+    <p:ext uri="{2D200454-40CA-4A62-9FC3-DE9A4176ACB9}">
+      <p15:notesGuideLst xmlns:p15="http://schemas.microsoft.com/office/powerpoint/2012/main"/>
+    </p:ext>
+  </p:extLst>
 </p:presentation>
 </file>
 
@@ -201,7 +209,7 @@
           <a:p>
             <a:fld id="{FD8E86A0-1019-4C26-B681-F0B34216D187}" type="datetimeFigureOut">
               <a:rPr lang="en-GB" smtClean="0"/>
-              <a:t>07/01/2026</a:t>
+              <a:t>15/01/2026</a:t>
             </a:fld>
             <a:endParaRPr lang="en-GB"/>
           </a:p>
@@ -763,13 +771,7 @@
       </p:grpSpPr>
       <p:sp>
         <p:nvSpPr>
-          <p:cNvPr id="2" name="Title 1">
-            <a:extLst>
-              <a:ext uri="{FF2B5EF4-FFF2-40B4-BE49-F238E27FC236}">
-                <a16:creationId xmlns:a16="http://schemas.microsoft.com/office/drawing/2014/main" id="{5ADC6AF6-FACB-1C43-3697-335B5CD46E41}"/>
-              </a:ext>
-            </a:extLst>
-          </p:cNvPr>
+          <p:cNvPr id="2" name="Title 1"/>
           <p:cNvSpPr>
             <a:spLocks noGrp="1"/>
           </p:cNvSpPr>
@@ -795,18 +797,13 @@
               <a:rPr lang="en-GB"/>
               <a:t>Click to edit Master title style</a:t>
             </a:r>
-          </a:p>
-        </p:txBody>
-      </p:sp>
-      <p:sp>
-        <p:nvSpPr>
-          <p:cNvPr id="3" name="Subtitle 2">
-            <a:extLst>
-              <a:ext uri="{FF2B5EF4-FFF2-40B4-BE49-F238E27FC236}">
-                <a16:creationId xmlns:a16="http://schemas.microsoft.com/office/drawing/2014/main" id="{BC1B1EB7-ABF9-8413-1E56-C653E8F8AD7D}"/>
-              </a:ext>
-            </a:extLst>
-          </p:cNvPr>
+            <a:endParaRPr lang="en-US" dirty="0"/>
+          </a:p>
+        </p:txBody>
+      </p:sp>
+      <p:sp>
+        <p:nvSpPr>
+          <p:cNvPr id="3" name="Subtitle 2"/>
           <p:cNvSpPr>
             <a:spLocks noGrp="1"/>
           </p:cNvSpPr>
@@ -865,18 +862,13 @@
               <a:rPr lang="en-GB"/>
               <a:t>Click to edit Master subtitle style</a:t>
             </a:r>
-          </a:p>
-        </p:txBody>
-      </p:sp>
-      <p:sp>
-        <p:nvSpPr>
-          <p:cNvPr id="4" name="Date Placeholder 3">
-            <a:extLst>
-              <a:ext uri="{FF2B5EF4-FFF2-40B4-BE49-F238E27FC236}">
-                <a16:creationId xmlns:a16="http://schemas.microsoft.com/office/drawing/2014/main" id="{4D859823-A2E7-0024-3C8D-51B640253371}"/>
-              </a:ext>
-            </a:extLst>
-          </p:cNvPr>
+            <a:endParaRPr lang="en-US" dirty="0"/>
+          </a:p>
+        </p:txBody>
+      </p:sp>
+      <p:sp>
+        <p:nvSpPr>
+          <p:cNvPr id="4" name="Date Placeholder 3"/>
           <p:cNvSpPr>
             <a:spLocks noGrp="1"/>
           </p:cNvSpPr>
@@ -891,7 +883,7 @@
           <a:p>
             <a:fld id="{EE6EA10A-9417-43D9-A9C3-B057EA8B1B48}" type="datetimeFigureOut">
               <a:rPr lang="en-GB" smtClean="0"/>
-              <a:t>07/01/2026</a:t>
+              <a:t>15/01/2026</a:t>
             </a:fld>
             <a:endParaRPr lang="en-GB"/>
           </a:p>
@@ -899,13 +891,7 @@
       </p:sp>
       <p:sp>
         <p:nvSpPr>
-          <p:cNvPr id="5" name="Footer Placeholder 4">
-            <a:extLst>
-              <a:ext uri="{FF2B5EF4-FFF2-40B4-BE49-F238E27FC236}">
-                <a16:creationId xmlns:a16="http://schemas.microsoft.com/office/drawing/2014/main" id="{4BC9E198-8B46-FF0F-A86B-012CF7EAA5F7}"/>
-              </a:ext>
-            </a:extLst>
-          </p:cNvPr>
+          <p:cNvPr id="5" name="Footer Placeholder 4"/>
           <p:cNvSpPr>
             <a:spLocks noGrp="1"/>
           </p:cNvSpPr>
@@ -924,13 +910,7 @@
       </p:sp>
       <p:sp>
         <p:nvSpPr>
-          <p:cNvPr id="6" name="Slide Number Placeholder 5">
-            <a:extLst>
-              <a:ext uri="{FF2B5EF4-FFF2-40B4-BE49-F238E27FC236}">
-                <a16:creationId xmlns:a16="http://schemas.microsoft.com/office/drawing/2014/main" id="{0985273F-348E-A3CE-8610-A63BEE987A1F}"/>
-              </a:ext>
-            </a:extLst>
-          </p:cNvPr>
+          <p:cNvPr id="6" name="Slide Number Placeholder 5"/>
           <p:cNvSpPr>
             <a:spLocks noGrp="1"/>
           </p:cNvSpPr>
@@ -954,7 +934,7 @@
     </p:spTree>
     <p:extLst>
       <p:ext uri="{BB962C8B-B14F-4D97-AF65-F5344CB8AC3E}">
-        <p14:creationId xmlns:p14="http://schemas.microsoft.com/office/powerpoint/2010/main" val="921656031"/>
+        <p14:creationId xmlns:p14="http://schemas.microsoft.com/office/powerpoint/2010/main" val="2170101353"/>
       </p:ext>
     </p:extLst>
   </p:cSld>
@@ -983,13 +963,7 @@
       </p:grpSpPr>
       <p:sp>
         <p:nvSpPr>
-          <p:cNvPr id="2" name="Title 1">
-            <a:extLst>
-              <a:ext uri="{FF2B5EF4-FFF2-40B4-BE49-F238E27FC236}">
-                <a16:creationId xmlns:a16="http://schemas.microsoft.com/office/drawing/2014/main" id="{B8DD886E-2BB9-5D50-7C2E-8B792C8F25F5}"/>
-              </a:ext>
-            </a:extLst>
-          </p:cNvPr>
+          <p:cNvPr id="2" name="Title 1"/>
           <p:cNvSpPr>
             <a:spLocks noGrp="1"/>
           </p:cNvSpPr>
@@ -1006,18 +980,13 @@
               <a:rPr lang="en-GB"/>
               <a:t>Click to edit Master title style</a:t>
             </a:r>
-          </a:p>
-        </p:txBody>
-      </p:sp>
-      <p:sp>
-        <p:nvSpPr>
-          <p:cNvPr id="3" name="Vertical Text Placeholder 2">
-            <a:extLst>
-              <a:ext uri="{FF2B5EF4-FFF2-40B4-BE49-F238E27FC236}">
-                <a16:creationId xmlns:a16="http://schemas.microsoft.com/office/drawing/2014/main" id="{68C87CDA-B206-A199-C2F0-E5E754B4A6A1}"/>
-              </a:ext>
-            </a:extLst>
-          </p:cNvPr>
+            <a:endParaRPr lang="en-US" dirty="0"/>
+          </a:p>
+        </p:txBody>
+      </p:sp>
+      <p:sp>
+        <p:nvSpPr>
+          <p:cNvPr id="3" name="Vertical Text Placeholder 2"/>
           <p:cNvSpPr>
             <a:spLocks noGrp="1"/>
           </p:cNvSpPr>
@@ -1063,18 +1032,13 @@
               <a:rPr lang="en-GB"/>
               <a:t>Fifth level</a:t>
             </a:r>
-          </a:p>
-        </p:txBody>
-      </p:sp>
-      <p:sp>
-        <p:nvSpPr>
-          <p:cNvPr id="4" name="Date Placeholder 3">
-            <a:extLst>
-              <a:ext uri="{FF2B5EF4-FFF2-40B4-BE49-F238E27FC236}">
-                <a16:creationId xmlns:a16="http://schemas.microsoft.com/office/drawing/2014/main" id="{E799B8F1-0043-2A18-3952-E16A0B75AE0A}"/>
-              </a:ext>
-            </a:extLst>
-          </p:cNvPr>
+            <a:endParaRPr lang="en-US" dirty="0"/>
+          </a:p>
+        </p:txBody>
+      </p:sp>
+      <p:sp>
+        <p:nvSpPr>
+          <p:cNvPr id="4" name="Date Placeholder 3"/>
           <p:cNvSpPr>
             <a:spLocks noGrp="1"/>
           </p:cNvSpPr>
@@ -1089,7 +1053,7 @@
           <a:p>
             <a:fld id="{EE6EA10A-9417-43D9-A9C3-B057EA8B1B48}" type="datetimeFigureOut">
               <a:rPr lang="en-GB" smtClean="0"/>
-              <a:t>07/01/2026</a:t>
+              <a:t>15/01/2026</a:t>
             </a:fld>
             <a:endParaRPr lang="en-GB"/>
           </a:p>
@@ -1097,13 +1061,7 @@
       </p:sp>
       <p:sp>
         <p:nvSpPr>
-          <p:cNvPr id="5" name="Footer Placeholder 4">
-            <a:extLst>
-              <a:ext uri="{FF2B5EF4-FFF2-40B4-BE49-F238E27FC236}">
-                <a16:creationId xmlns:a16="http://schemas.microsoft.com/office/drawing/2014/main" id="{7A1CA57A-2A26-F8D4-239C-BF6F8E1A95F4}"/>
-              </a:ext>
-            </a:extLst>
-          </p:cNvPr>
+          <p:cNvPr id="5" name="Footer Placeholder 4"/>
           <p:cNvSpPr>
             <a:spLocks noGrp="1"/>
           </p:cNvSpPr>
@@ -1122,13 +1080,7 @@
       </p:sp>
       <p:sp>
         <p:nvSpPr>
-          <p:cNvPr id="6" name="Slide Number Placeholder 5">
-            <a:extLst>
-              <a:ext uri="{FF2B5EF4-FFF2-40B4-BE49-F238E27FC236}">
-                <a16:creationId xmlns:a16="http://schemas.microsoft.com/office/drawing/2014/main" id="{3909F1F4-5E66-8AF1-77CD-F3977B37EAEB}"/>
-              </a:ext>
-            </a:extLst>
-          </p:cNvPr>
+          <p:cNvPr id="6" name="Slide Number Placeholder 5"/>
           <p:cNvSpPr>
             <a:spLocks noGrp="1"/>
           </p:cNvSpPr>
@@ -1152,7 +1104,7 @@
     </p:spTree>
     <p:extLst>
       <p:ext uri="{BB962C8B-B14F-4D97-AF65-F5344CB8AC3E}">
-        <p14:creationId xmlns:p14="http://schemas.microsoft.com/office/powerpoint/2010/main" val="2824126370"/>
+        <p14:creationId xmlns:p14="http://schemas.microsoft.com/office/powerpoint/2010/main" val="1042903277"/>
       </p:ext>
     </p:extLst>
   </p:cSld>
@@ -1181,13 +1133,7 @@
       </p:grpSpPr>
       <p:sp>
         <p:nvSpPr>
-          <p:cNvPr id="2" name="Vertical Title 1">
-            <a:extLst>
-              <a:ext uri="{FF2B5EF4-FFF2-40B4-BE49-F238E27FC236}">
-                <a16:creationId xmlns:a16="http://schemas.microsoft.com/office/drawing/2014/main" id="{51D32FCE-5ED4-37E7-02A4-031F44C1F227}"/>
-              </a:ext>
-            </a:extLst>
-          </p:cNvPr>
+          <p:cNvPr id="2" name="Vertical Title 1"/>
           <p:cNvSpPr>
             <a:spLocks noGrp="1"/>
           </p:cNvSpPr>
@@ -1209,18 +1155,13 @@
               <a:rPr lang="en-GB"/>
               <a:t>Click to edit Master title style</a:t>
             </a:r>
-          </a:p>
-        </p:txBody>
-      </p:sp>
-      <p:sp>
-        <p:nvSpPr>
-          <p:cNvPr id="3" name="Vertical Text Placeholder 2">
-            <a:extLst>
-              <a:ext uri="{FF2B5EF4-FFF2-40B4-BE49-F238E27FC236}">
-                <a16:creationId xmlns:a16="http://schemas.microsoft.com/office/drawing/2014/main" id="{52CAAE82-C4C9-D972-A008-3B1C85EED020}"/>
-              </a:ext>
-            </a:extLst>
-          </p:cNvPr>
+            <a:endParaRPr lang="en-US" dirty="0"/>
+          </a:p>
+        </p:txBody>
+      </p:sp>
+      <p:sp>
+        <p:nvSpPr>
+          <p:cNvPr id="3" name="Vertical Text Placeholder 2"/>
           <p:cNvSpPr>
             <a:spLocks noGrp="1"/>
           </p:cNvSpPr>
@@ -1271,18 +1212,13 @@
               <a:rPr lang="en-GB"/>
               <a:t>Fifth level</a:t>
             </a:r>
-          </a:p>
-        </p:txBody>
-      </p:sp>
-      <p:sp>
-        <p:nvSpPr>
-          <p:cNvPr id="4" name="Date Placeholder 3">
-            <a:extLst>
-              <a:ext uri="{FF2B5EF4-FFF2-40B4-BE49-F238E27FC236}">
-                <a16:creationId xmlns:a16="http://schemas.microsoft.com/office/drawing/2014/main" id="{E047684E-22F5-BDC0-7D4F-A8E53BD66393}"/>
-              </a:ext>
-            </a:extLst>
-          </p:cNvPr>
+            <a:endParaRPr lang="en-US" dirty="0"/>
+          </a:p>
+        </p:txBody>
+      </p:sp>
+      <p:sp>
+        <p:nvSpPr>
+          <p:cNvPr id="4" name="Date Placeholder 3"/>
           <p:cNvSpPr>
             <a:spLocks noGrp="1"/>
           </p:cNvSpPr>
@@ -1297,7 +1233,7 @@
           <a:p>
             <a:fld id="{EE6EA10A-9417-43D9-A9C3-B057EA8B1B48}" type="datetimeFigureOut">
               <a:rPr lang="en-GB" smtClean="0"/>
-              <a:t>07/01/2026</a:t>
+              <a:t>15/01/2026</a:t>
             </a:fld>
             <a:endParaRPr lang="en-GB"/>
           </a:p>
@@ -1305,13 +1241,7 @@
       </p:sp>
       <p:sp>
         <p:nvSpPr>
-          <p:cNvPr id="5" name="Footer Placeholder 4">
-            <a:extLst>
-              <a:ext uri="{FF2B5EF4-FFF2-40B4-BE49-F238E27FC236}">
-                <a16:creationId xmlns:a16="http://schemas.microsoft.com/office/drawing/2014/main" id="{F4CBE914-7057-FECE-8B8E-144D5480448F}"/>
-              </a:ext>
-            </a:extLst>
-          </p:cNvPr>
+          <p:cNvPr id="5" name="Footer Placeholder 4"/>
           <p:cNvSpPr>
             <a:spLocks noGrp="1"/>
           </p:cNvSpPr>
@@ -1330,13 +1260,7 @@
       </p:sp>
       <p:sp>
         <p:nvSpPr>
-          <p:cNvPr id="6" name="Slide Number Placeholder 5">
-            <a:extLst>
-              <a:ext uri="{FF2B5EF4-FFF2-40B4-BE49-F238E27FC236}">
-                <a16:creationId xmlns:a16="http://schemas.microsoft.com/office/drawing/2014/main" id="{A7911BAC-B4C8-0305-360D-F04E45C20127}"/>
-              </a:ext>
-            </a:extLst>
-          </p:cNvPr>
+          <p:cNvPr id="6" name="Slide Number Placeholder 5"/>
           <p:cNvSpPr>
             <a:spLocks noGrp="1"/>
           </p:cNvSpPr>
@@ -1360,7 +1284,7 @@
     </p:spTree>
     <p:extLst>
       <p:ext uri="{BB962C8B-B14F-4D97-AF65-F5344CB8AC3E}">
-        <p14:creationId xmlns:p14="http://schemas.microsoft.com/office/powerpoint/2010/main" val="3210944900"/>
+        <p14:creationId xmlns:p14="http://schemas.microsoft.com/office/powerpoint/2010/main" val="1084092276"/>
       </p:ext>
     </p:extLst>
   </p:cSld>
@@ -1389,13 +1313,7 @@
       </p:grpSpPr>
       <p:sp>
         <p:nvSpPr>
-          <p:cNvPr id="2" name="Title 1">
-            <a:extLst>
-              <a:ext uri="{FF2B5EF4-FFF2-40B4-BE49-F238E27FC236}">
-                <a16:creationId xmlns:a16="http://schemas.microsoft.com/office/drawing/2014/main" id="{874F210C-CC6E-41B1-89F3-E206DA6E85AE}"/>
-              </a:ext>
-            </a:extLst>
-          </p:cNvPr>
+          <p:cNvPr id="2" name="Title 1"/>
           <p:cNvSpPr>
             <a:spLocks noGrp="1"/>
           </p:cNvSpPr>
@@ -1412,18 +1330,13 @@
               <a:rPr lang="en-GB"/>
               <a:t>Click to edit Master title style</a:t>
             </a:r>
-          </a:p>
-        </p:txBody>
-      </p:sp>
-      <p:sp>
-        <p:nvSpPr>
-          <p:cNvPr id="3" name="Content Placeholder 2">
-            <a:extLst>
-              <a:ext uri="{FF2B5EF4-FFF2-40B4-BE49-F238E27FC236}">
-                <a16:creationId xmlns:a16="http://schemas.microsoft.com/office/drawing/2014/main" id="{DECF3D77-4B2A-A891-7573-99A4FA6DCB3E}"/>
-              </a:ext>
-            </a:extLst>
-          </p:cNvPr>
+            <a:endParaRPr lang="en-US" dirty="0"/>
+          </a:p>
+        </p:txBody>
+      </p:sp>
+      <p:sp>
+        <p:nvSpPr>
+          <p:cNvPr id="3" name="Content Placeholder 2"/>
           <p:cNvSpPr>
             <a:spLocks noGrp="1"/>
           </p:cNvSpPr>
@@ -1469,18 +1382,13 @@
               <a:rPr lang="en-GB"/>
               <a:t>Fifth level</a:t>
             </a:r>
-          </a:p>
-        </p:txBody>
-      </p:sp>
-      <p:sp>
-        <p:nvSpPr>
-          <p:cNvPr id="4" name="Date Placeholder 3">
-            <a:extLst>
-              <a:ext uri="{FF2B5EF4-FFF2-40B4-BE49-F238E27FC236}">
-                <a16:creationId xmlns:a16="http://schemas.microsoft.com/office/drawing/2014/main" id="{197E9E2C-F57E-2A0C-19DF-6BE8EB4E6E1E}"/>
-              </a:ext>
-            </a:extLst>
-          </p:cNvPr>
+            <a:endParaRPr lang="en-US" dirty="0"/>
+          </a:p>
+        </p:txBody>
+      </p:sp>
+      <p:sp>
+        <p:nvSpPr>
+          <p:cNvPr id="4" name="Date Placeholder 3"/>
           <p:cNvSpPr>
             <a:spLocks noGrp="1"/>
           </p:cNvSpPr>
@@ -1495,7 +1403,7 @@
           <a:p>
             <a:fld id="{EE6EA10A-9417-43D9-A9C3-B057EA8B1B48}" type="datetimeFigureOut">
               <a:rPr lang="en-GB" smtClean="0"/>
-              <a:t>07/01/2026</a:t>
+              <a:t>15/01/2026</a:t>
             </a:fld>
             <a:endParaRPr lang="en-GB"/>
           </a:p>
@@ -1503,13 +1411,7 @@
       </p:sp>
       <p:sp>
         <p:nvSpPr>
-          <p:cNvPr id="5" name="Footer Placeholder 4">
-            <a:extLst>
-              <a:ext uri="{FF2B5EF4-FFF2-40B4-BE49-F238E27FC236}">
-                <a16:creationId xmlns:a16="http://schemas.microsoft.com/office/drawing/2014/main" id="{793A191F-2330-568E-6E57-ABF3EC0EA859}"/>
-              </a:ext>
-            </a:extLst>
-          </p:cNvPr>
+          <p:cNvPr id="5" name="Footer Placeholder 4"/>
           <p:cNvSpPr>
             <a:spLocks noGrp="1"/>
           </p:cNvSpPr>
@@ -1528,13 +1430,7 @@
       </p:sp>
       <p:sp>
         <p:nvSpPr>
-          <p:cNvPr id="6" name="Slide Number Placeholder 5">
-            <a:extLst>
-              <a:ext uri="{FF2B5EF4-FFF2-40B4-BE49-F238E27FC236}">
-                <a16:creationId xmlns:a16="http://schemas.microsoft.com/office/drawing/2014/main" id="{0348E3BE-0033-7269-AB32-931E962E861F}"/>
-              </a:ext>
-            </a:extLst>
-          </p:cNvPr>
+          <p:cNvPr id="6" name="Slide Number Placeholder 5"/>
           <p:cNvSpPr>
             <a:spLocks noGrp="1"/>
           </p:cNvSpPr>
@@ -1558,7 +1454,7 @@
     </p:spTree>
     <p:extLst>
       <p:ext uri="{BB962C8B-B14F-4D97-AF65-F5344CB8AC3E}">
-        <p14:creationId xmlns:p14="http://schemas.microsoft.com/office/powerpoint/2010/main" val="830634103"/>
+        <p14:creationId xmlns:p14="http://schemas.microsoft.com/office/powerpoint/2010/main" val="3186501093"/>
       </p:ext>
     </p:extLst>
   </p:cSld>
@@ -1587,13 +1483,7 @@
       </p:grpSpPr>
       <p:sp>
         <p:nvSpPr>
-          <p:cNvPr id="2" name="Title 1">
-            <a:extLst>
-              <a:ext uri="{FF2B5EF4-FFF2-40B4-BE49-F238E27FC236}">
-                <a16:creationId xmlns:a16="http://schemas.microsoft.com/office/drawing/2014/main" id="{711423F5-DBF7-91B2-1B2E-A60608F2D2B8}"/>
-              </a:ext>
-            </a:extLst>
-          </p:cNvPr>
+          <p:cNvPr id="2" name="Title 1"/>
           <p:cNvSpPr>
             <a:spLocks noGrp="1"/>
           </p:cNvSpPr>
@@ -1619,18 +1509,13 @@
               <a:rPr lang="en-GB"/>
               <a:t>Click to edit Master title style</a:t>
             </a:r>
-          </a:p>
-        </p:txBody>
-      </p:sp>
-      <p:sp>
-        <p:nvSpPr>
-          <p:cNvPr id="3" name="Text Placeholder 2">
-            <a:extLst>
-              <a:ext uri="{FF2B5EF4-FFF2-40B4-BE49-F238E27FC236}">
-                <a16:creationId xmlns:a16="http://schemas.microsoft.com/office/drawing/2014/main" id="{A5164C74-E9F5-555B-E280-B4E4FCCF052C}"/>
-              </a:ext>
-            </a:extLst>
-          </p:cNvPr>
+            <a:endParaRPr lang="en-US" dirty="0"/>
+          </a:p>
+        </p:txBody>
+      </p:sp>
+      <p:sp>
+        <p:nvSpPr>
+          <p:cNvPr id="3" name="Text Placeholder 2"/>
           <p:cNvSpPr>
             <a:spLocks noGrp="1"/>
           </p:cNvSpPr>
@@ -1652,7 +1537,7 @@
               <a:defRPr sz="2400">
                 <a:solidFill>
                   <a:schemeClr val="tx1">
-                    <a:tint val="82000"/>
+                    <a:shade val="82000"/>
                   </a:schemeClr>
                 </a:solidFill>
               </a:defRPr>
@@ -1662,7 +1547,7 @@
               <a:defRPr sz="2000">
                 <a:solidFill>
                   <a:schemeClr val="tx1">
-                    <a:tint val="82000"/>
+                    <a:shade val="82000"/>
                   </a:schemeClr>
                 </a:solidFill>
               </a:defRPr>
@@ -1672,7 +1557,7 @@
               <a:defRPr sz="1800">
                 <a:solidFill>
                   <a:schemeClr val="tx1">
-                    <a:tint val="82000"/>
+                    <a:shade val="82000"/>
                   </a:schemeClr>
                 </a:solidFill>
               </a:defRPr>
@@ -1682,7 +1567,7 @@
               <a:defRPr sz="1600">
                 <a:solidFill>
                   <a:schemeClr val="tx1">
-                    <a:tint val="82000"/>
+                    <a:shade val="82000"/>
                   </a:schemeClr>
                 </a:solidFill>
               </a:defRPr>
@@ -1692,7 +1577,7 @@
               <a:defRPr sz="1600">
                 <a:solidFill>
                   <a:schemeClr val="tx1">
-                    <a:tint val="82000"/>
+                    <a:shade val="82000"/>
                   </a:schemeClr>
                 </a:solidFill>
               </a:defRPr>
@@ -1702,7 +1587,7 @@
               <a:defRPr sz="1600">
                 <a:solidFill>
                   <a:schemeClr val="tx1">
-                    <a:tint val="82000"/>
+                    <a:shade val="82000"/>
                   </a:schemeClr>
                 </a:solidFill>
               </a:defRPr>
@@ -1712,7 +1597,7 @@
               <a:defRPr sz="1600">
                 <a:solidFill>
                   <a:schemeClr val="tx1">
-                    <a:tint val="82000"/>
+                    <a:shade val="82000"/>
                   </a:schemeClr>
                 </a:solidFill>
               </a:defRPr>
@@ -1722,7 +1607,7 @@
               <a:defRPr sz="1600">
                 <a:solidFill>
                   <a:schemeClr val="tx1">
-                    <a:tint val="82000"/>
+                    <a:shade val="82000"/>
                   </a:schemeClr>
                 </a:solidFill>
               </a:defRPr>
@@ -1732,7 +1617,7 @@
               <a:defRPr sz="1600">
                 <a:solidFill>
                   <a:schemeClr val="tx1">
-                    <a:tint val="82000"/>
+                    <a:shade val="82000"/>
                   </a:schemeClr>
                 </a:solidFill>
               </a:defRPr>
@@ -1749,13 +1634,7 @@
       </p:sp>
       <p:sp>
         <p:nvSpPr>
-          <p:cNvPr id="4" name="Date Placeholder 3">
-            <a:extLst>
-              <a:ext uri="{FF2B5EF4-FFF2-40B4-BE49-F238E27FC236}">
-                <a16:creationId xmlns:a16="http://schemas.microsoft.com/office/drawing/2014/main" id="{9B919543-410C-0236-BB31-4FA2B4B2A3D9}"/>
-              </a:ext>
-            </a:extLst>
-          </p:cNvPr>
+          <p:cNvPr id="4" name="Date Placeholder 3"/>
           <p:cNvSpPr>
             <a:spLocks noGrp="1"/>
           </p:cNvSpPr>
@@ -1770,7 +1649,7 @@
           <a:p>
             <a:fld id="{EE6EA10A-9417-43D9-A9C3-B057EA8B1B48}" type="datetimeFigureOut">
               <a:rPr lang="en-GB" smtClean="0"/>
-              <a:t>07/01/2026</a:t>
+              <a:t>15/01/2026</a:t>
             </a:fld>
             <a:endParaRPr lang="en-GB"/>
           </a:p>
@@ -1778,13 +1657,7 @@
       </p:sp>
       <p:sp>
         <p:nvSpPr>
-          <p:cNvPr id="5" name="Footer Placeholder 4">
-            <a:extLst>
-              <a:ext uri="{FF2B5EF4-FFF2-40B4-BE49-F238E27FC236}">
-                <a16:creationId xmlns:a16="http://schemas.microsoft.com/office/drawing/2014/main" id="{675F5B64-4614-002E-3102-488A32DB0BDB}"/>
-              </a:ext>
-            </a:extLst>
-          </p:cNvPr>
+          <p:cNvPr id="5" name="Footer Placeholder 4"/>
           <p:cNvSpPr>
             <a:spLocks noGrp="1"/>
           </p:cNvSpPr>
@@ -1803,13 +1676,7 @@
       </p:sp>
       <p:sp>
         <p:nvSpPr>
-          <p:cNvPr id="6" name="Slide Number Placeholder 5">
-            <a:extLst>
-              <a:ext uri="{FF2B5EF4-FFF2-40B4-BE49-F238E27FC236}">
-                <a16:creationId xmlns:a16="http://schemas.microsoft.com/office/drawing/2014/main" id="{10908B04-36BF-18DA-2FFA-1345E87D22DA}"/>
-              </a:ext>
-            </a:extLst>
-          </p:cNvPr>
+          <p:cNvPr id="6" name="Slide Number Placeholder 5"/>
           <p:cNvSpPr>
             <a:spLocks noGrp="1"/>
           </p:cNvSpPr>
@@ -1833,7 +1700,7 @@
     </p:spTree>
     <p:extLst>
       <p:ext uri="{BB962C8B-B14F-4D97-AF65-F5344CB8AC3E}">
-        <p14:creationId xmlns:p14="http://schemas.microsoft.com/office/powerpoint/2010/main" val="2727943741"/>
+        <p14:creationId xmlns:p14="http://schemas.microsoft.com/office/powerpoint/2010/main" val="3014599065"/>
       </p:ext>
     </p:extLst>
   </p:cSld>
@@ -1862,13 +1729,7 @@
       </p:grpSpPr>
       <p:sp>
         <p:nvSpPr>
-          <p:cNvPr id="2" name="Title 1">
-            <a:extLst>
-              <a:ext uri="{FF2B5EF4-FFF2-40B4-BE49-F238E27FC236}">
-                <a16:creationId xmlns:a16="http://schemas.microsoft.com/office/drawing/2014/main" id="{08BB6349-51A7-A85B-BEA5-2BA786BD4F44}"/>
-              </a:ext>
-            </a:extLst>
-          </p:cNvPr>
+          <p:cNvPr id="2" name="Title 1"/>
           <p:cNvSpPr>
             <a:spLocks noGrp="1"/>
           </p:cNvSpPr>
@@ -1885,18 +1746,13 @@
               <a:rPr lang="en-GB"/>
               <a:t>Click to edit Master title style</a:t>
             </a:r>
-          </a:p>
-        </p:txBody>
-      </p:sp>
-      <p:sp>
-        <p:nvSpPr>
-          <p:cNvPr id="3" name="Content Placeholder 2">
-            <a:extLst>
-              <a:ext uri="{FF2B5EF4-FFF2-40B4-BE49-F238E27FC236}">
-                <a16:creationId xmlns:a16="http://schemas.microsoft.com/office/drawing/2014/main" id="{E257C456-BC0B-DA09-4B77-F8FC3DBB797F}"/>
-              </a:ext>
-            </a:extLst>
-          </p:cNvPr>
+            <a:endParaRPr lang="en-US" dirty="0"/>
+          </a:p>
+        </p:txBody>
+      </p:sp>
+      <p:sp>
+        <p:nvSpPr>
+          <p:cNvPr id="3" name="Content Placeholder 2"/>
           <p:cNvSpPr>
             <a:spLocks noGrp="1"/>
           </p:cNvSpPr>
@@ -1947,18 +1803,13 @@
               <a:rPr lang="en-GB"/>
               <a:t>Fifth level</a:t>
             </a:r>
-          </a:p>
-        </p:txBody>
-      </p:sp>
-      <p:sp>
-        <p:nvSpPr>
-          <p:cNvPr id="4" name="Content Placeholder 3">
-            <a:extLst>
-              <a:ext uri="{FF2B5EF4-FFF2-40B4-BE49-F238E27FC236}">
-                <a16:creationId xmlns:a16="http://schemas.microsoft.com/office/drawing/2014/main" id="{6A014CAD-D263-9417-77C1-5A7EFBB66B6B}"/>
-              </a:ext>
-            </a:extLst>
-          </p:cNvPr>
+            <a:endParaRPr lang="en-US" dirty="0"/>
+          </a:p>
+        </p:txBody>
+      </p:sp>
+      <p:sp>
+        <p:nvSpPr>
+          <p:cNvPr id="4" name="Content Placeholder 3"/>
           <p:cNvSpPr>
             <a:spLocks noGrp="1"/>
           </p:cNvSpPr>
@@ -2009,18 +1860,13 @@
               <a:rPr lang="en-GB"/>
               <a:t>Fifth level</a:t>
             </a:r>
-          </a:p>
-        </p:txBody>
-      </p:sp>
-      <p:sp>
-        <p:nvSpPr>
-          <p:cNvPr id="5" name="Date Placeholder 4">
-            <a:extLst>
-              <a:ext uri="{FF2B5EF4-FFF2-40B4-BE49-F238E27FC236}">
-                <a16:creationId xmlns:a16="http://schemas.microsoft.com/office/drawing/2014/main" id="{5ABA77AD-2D83-F8F7-82F7-E767070D3724}"/>
-              </a:ext>
-            </a:extLst>
-          </p:cNvPr>
+            <a:endParaRPr lang="en-US" dirty="0"/>
+          </a:p>
+        </p:txBody>
+      </p:sp>
+      <p:sp>
+        <p:nvSpPr>
+          <p:cNvPr id="5" name="Date Placeholder 4"/>
           <p:cNvSpPr>
             <a:spLocks noGrp="1"/>
           </p:cNvSpPr>
@@ -2035,7 +1881,7 @@
           <a:p>
             <a:fld id="{EE6EA10A-9417-43D9-A9C3-B057EA8B1B48}" type="datetimeFigureOut">
               <a:rPr lang="en-GB" smtClean="0"/>
-              <a:t>07/01/2026</a:t>
+              <a:t>15/01/2026</a:t>
             </a:fld>
             <a:endParaRPr lang="en-GB"/>
           </a:p>
@@ -2043,13 +1889,7 @@
       </p:sp>
       <p:sp>
         <p:nvSpPr>
-          <p:cNvPr id="6" name="Footer Placeholder 5">
-            <a:extLst>
-              <a:ext uri="{FF2B5EF4-FFF2-40B4-BE49-F238E27FC236}">
-                <a16:creationId xmlns:a16="http://schemas.microsoft.com/office/drawing/2014/main" id="{D90B2CF6-9D17-B0D3-443D-3B80D4C06B8F}"/>
-              </a:ext>
-            </a:extLst>
-          </p:cNvPr>
+          <p:cNvPr id="6" name="Footer Placeholder 5"/>
           <p:cNvSpPr>
             <a:spLocks noGrp="1"/>
           </p:cNvSpPr>
@@ -2068,13 +1908,7 @@
       </p:sp>
       <p:sp>
         <p:nvSpPr>
-          <p:cNvPr id="7" name="Slide Number Placeholder 6">
-            <a:extLst>
-              <a:ext uri="{FF2B5EF4-FFF2-40B4-BE49-F238E27FC236}">
-                <a16:creationId xmlns:a16="http://schemas.microsoft.com/office/drawing/2014/main" id="{0DD55C6F-28B7-0A9D-EC22-BC54C74E7231}"/>
-              </a:ext>
-            </a:extLst>
-          </p:cNvPr>
+          <p:cNvPr id="7" name="Slide Number Placeholder 6"/>
           <p:cNvSpPr>
             <a:spLocks noGrp="1"/>
           </p:cNvSpPr>
@@ -2098,7 +1932,7 @@
     </p:spTree>
     <p:extLst>
       <p:ext uri="{BB962C8B-B14F-4D97-AF65-F5344CB8AC3E}">
-        <p14:creationId xmlns:p14="http://schemas.microsoft.com/office/powerpoint/2010/main" val="2099623623"/>
+        <p14:creationId xmlns:p14="http://schemas.microsoft.com/office/powerpoint/2010/main" val="3900920441"/>
       </p:ext>
     </p:extLst>
   </p:cSld>
@@ -2127,13 +1961,7 @@
       </p:grpSpPr>
       <p:sp>
         <p:nvSpPr>
-          <p:cNvPr id="2" name="Title 1">
-            <a:extLst>
-              <a:ext uri="{FF2B5EF4-FFF2-40B4-BE49-F238E27FC236}">
-                <a16:creationId xmlns:a16="http://schemas.microsoft.com/office/drawing/2014/main" id="{333A8C3D-83DD-8943-969E-912CD15042BA}"/>
-              </a:ext>
-            </a:extLst>
-          </p:cNvPr>
+          <p:cNvPr id="2" name="Title 1"/>
           <p:cNvSpPr>
             <a:spLocks noGrp="1"/>
           </p:cNvSpPr>
@@ -2155,18 +1983,13 @@
               <a:rPr lang="en-GB"/>
               <a:t>Click to edit Master title style</a:t>
             </a:r>
-          </a:p>
-        </p:txBody>
-      </p:sp>
-      <p:sp>
-        <p:nvSpPr>
-          <p:cNvPr id="3" name="Text Placeholder 2">
-            <a:extLst>
-              <a:ext uri="{FF2B5EF4-FFF2-40B4-BE49-F238E27FC236}">
-                <a16:creationId xmlns:a16="http://schemas.microsoft.com/office/drawing/2014/main" id="{58EAE4E0-0739-1890-65C2-E255B4EFAF7C}"/>
-              </a:ext>
-            </a:extLst>
-          </p:cNvPr>
+            <a:endParaRPr lang="en-US" dirty="0"/>
+          </a:p>
+        </p:txBody>
+      </p:sp>
+      <p:sp>
+        <p:nvSpPr>
+          <p:cNvPr id="3" name="Text Placeholder 2"/>
           <p:cNvSpPr>
             <a:spLocks noGrp="1"/>
           </p:cNvSpPr>
@@ -2231,13 +2054,7 @@
       </p:sp>
       <p:sp>
         <p:nvSpPr>
-          <p:cNvPr id="4" name="Content Placeholder 3">
-            <a:extLst>
-              <a:ext uri="{FF2B5EF4-FFF2-40B4-BE49-F238E27FC236}">
-                <a16:creationId xmlns:a16="http://schemas.microsoft.com/office/drawing/2014/main" id="{4BBCFAC4-C146-8FAA-0426-087385D44428}"/>
-              </a:ext>
-            </a:extLst>
-          </p:cNvPr>
+          <p:cNvPr id="4" name="Content Placeholder 3"/>
           <p:cNvSpPr>
             <a:spLocks noGrp="1"/>
           </p:cNvSpPr>
@@ -2288,18 +2105,13 @@
               <a:rPr lang="en-GB"/>
               <a:t>Fifth level</a:t>
             </a:r>
-          </a:p>
-        </p:txBody>
-      </p:sp>
-      <p:sp>
-        <p:nvSpPr>
-          <p:cNvPr id="5" name="Text Placeholder 4">
-            <a:extLst>
-              <a:ext uri="{FF2B5EF4-FFF2-40B4-BE49-F238E27FC236}">
-                <a16:creationId xmlns:a16="http://schemas.microsoft.com/office/drawing/2014/main" id="{9DB8A710-017D-CD6E-23C4-EF21AC3FB7BF}"/>
-              </a:ext>
-            </a:extLst>
-          </p:cNvPr>
+            <a:endParaRPr lang="en-US" dirty="0"/>
+          </a:p>
+        </p:txBody>
+      </p:sp>
+      <p:sp>
+        <p:nvSpPr>
+          <p:cNvPr id="5" name="Text Placeholder 4"/>
           <p:cNvSpPr>
             <a:spLocks noGrp="1"/>
           </p:cNvSpPr>
@@ -2364,13 +2176,7 @@
       </p:sp>
       <p:sp>
         <p:nvSpPr>
-          <p:cNvPr id="6" name="Content Placeholder 5">
-            <a:extLst>
-              <a:ext uri="{FF2B5EF4-FFF2-40B4-BE49-F238E27FC236}">
-                <a16:creationId xmlns:a16="http://schemas.microsoft.com/office/drawing/2014/main" id="{175206F5-7080-6DC2-1701-284B39199F75}"/>
-              </a:ext>
-            </a:extLst>
-          </p:cNvPr>
+          <p:cNvPr id="6" name="Content Placeholder 5"/>
           <p:cNvSpPr>
             <a:spLocks noGrp="1"/>
           </p:cNvSpPr>
@@ -2421,18 +2227,13 @@
               <a:rPr lang="en-GB"/>
               <a:t>Fifth level</a:t>
             </a:r>
-          </a:p>
-        </p:txBody>
-      </p:sp>
-      <p:sp>
-        <p:nvSpPr>
-          <p:cNvPr id="7" name="Date Placeholder 6">
-            <a:extLst>
-              <a:ext uri="{FF2B5EF4-FFF2-40B4-BE49-F238E27FC236}">
-                <a16:creationId xmlns:a16="http://schemas.microsoft.com/office/drawing/2014/main" id="{B9F1805B-A4D7-57FE-7AE2-13090C937C5E}"/>
-              </a:ext>
-            </a:extLst>
-          </p:cNvPr>
+            <a:endParaRPr lang="en-US" dirty="0"/>
+          </a:p>
+        </p:txBody>
+      </p:sp>
+      <p:sp>
+        <p:nvSpPr>
+          <p:cNvPr id="7" name="Date Placeholder 6"/>
           <p:cNvSpPr>
             <a:spLocks noGrp="1"/>
           </p:cNvSpPr>
@@ -2447,7 +2248,7 @@
           <a:p>
             <a:fld id="{EE6EA10A-9417-43D9-A9C3-B057EA8B1B48}" type="datetimeFigureOut">
               <a:rPr lang="en-GB" smtClean="0"/>
-              <a:t>07/01/2026</a:t>
+              <a:t>15/01/2026</a:t>
             </a:fld>
             <a:endParaRPr lang="en-GB"/>
           </a:p>
@@ -2455,13 +2256,7 @@
       </p:sp>
       <p:sp>
         <p:nvSpPr>
-          <p:cNvPr id="8" name="Footer Placeholder 7">
-            <a:extLst>
-              <a:ext uri="{FF2B5EF4-FFF2-40B4-BE49-F238E27FC236}">
-                <a16:creationId xmlns:a16="http://schemas.microsoft.com/office/drawing/2014/main" id="{85704C74-63FF-B094-1701-6AFA40053368}"/>
-              </a:ext>
-            </a:extLst>
-          </p:cNvPr>
+          <p:cNvPr id="8" name="Footer Placeholder 7"/>
           <p:cNvSpPr>
             <a:spLocks noGrp="1"/>
           </p:cNvSpPr>
@@ -2480,13 +2275,7 @@
       </p:sp>
       <p:sp>
         <p:nvSpPr>
-          <p:cNvPr id="9" name="Slide Number Placeholder 8">
-            <a:extLst>
-              <a:ext uri="{FF2B5EF4-FFF2-40B4-BE49-F238E27FC236}">
-                <a16:creationId xmlns:a16="http://schemas.microsoft.com/office/drawing/2014/main" id="{DD14FA7E-8E78-9267-ECE2-024A6F4143C2}"/>
-              </a:ext>
-            </a:extLst>
-          </p:cNvPr>
+          <p:cNvPr id="9" name="Slide Number Placeholder 8"/>
           <p:cNvSpPr>
             <a:spLocks noGrp="1"/>
           </p:cNvSpPr>
@@ -2510,7 +2299,7 @@
     </p:spTree>
     <p:extLst>
       <p:ext uri="{BB962C8B-B14F-4D97-AF65-F5344CB8AC3E}">
-        <p14:creationId xmlns:p14="http://schemas.microsoft.com/office/powerpoint/2010/main" val="530938379"/>
+        <p14:creationId xmlns:p14="http://schemas.microsoft.com/office/powerpoint/2010/main" val="2431941672"/>
       </p:ext>
     </p:extLst>
   </p:cSld>
@@ -2539,13 +2328,7 @@
       </p:grpSpPr>
       <p:sp>
         <p:nvSpPr>
-          <p:cNvPr id="2" name="Title 1">
-            <a:extLst>
-              <a:ext uri="{FF2B5EF4-FFF2-40B4-BE49-F238E27FC236}">
-                <a16:creationId xmlns:a16="http://schemas.microsoft.com/office/drawing/2014/main" id="{2E860B7B-7F97-67AC-DE51-FA1345757F86}"/>
-              </a:ext>
-            </a:extLst>
-          </p:cNvPr>
+          <p:cNvPr id="2" name="Title 1"/>
           <p:cNvSpPr>
             <a:spLocks noGrp="1"/>
           </p:cNvSpPr>
@@ -2562,18 +2345,13 @@
               <a:rPr lang="en-GB"/>
               <a:t>Click to edit Master title style</a:t>
             </a:r>
-          </a:p>
-        </p:txBody>
-      </p:sp>
-      <p:sp>
-        <p:nvSpPr>
-          <p:cNvPr id="3" name="Date Placeholder 2">
-            <a:extLst>
-              <a:ext uri="{FF2B5EF4-FFF2-40B4-BE49-F238E27FC236}">
-                <a16:creationId xmlns:a16="http://schemas.microsoft.com/office/drawing/2014/main" id="{F772BE9A-8B13-6A4B-EDB4-9F684E18FF24}"/>
-              </a:ext>
-            </a:extLst>
-          </p:cNvPr>
+            <a:endParaRPr lang="en-US" dirty="0"/>
+          </a:p>
+        </p:txBody>
+      </p:sp>
+      <p:sp>
+        <p:nvSpPr>
+          <p:cNvPr id="3" name="Date Placeholder 2"/>
           <p:cNvSpPr>
             <a:spLocks noGrp="1"/>
           </p:cNvSpPr>
@@ -2588,7 +2366,7 @@
           <a:p>
             <a:fld id="{EE6EA10A-9417-43D9-A9C3-B057EA8B1B48}" type="datetimeFigureOut">
               <a:rPr lang="en-GB" smtClean="0"/>
-              <a:t>07/01/2026</a:t>
+              <a:t>15/01/2026</a:t>
             </a:fld>
             <a:endParaRPr lang="en-GB"/>
           </a:p>
@@ -2596,13 +2374,7 @@
       </p:sp>
       <p:sp>
         <p:nvSpPr>
-          <p:cNvPr id="4" name="Footer Placeholder 3">
-            <a:extLst>
-              <a:ext uri="{FF2B5EF4-FFF2-40B4-BE49-F238E27FC236}">
-                <a16:creationId xmlns:a16="http://schemas.microsoft.com/office/drawing/2014/main" id="{1568F5A0-14A7-34ED-5438-E20592A8B3C7}"/>
-              </a:ext>
-            </a:extLst>
-          </p:cNvPr>
+          <p:cNvPr id="4" name="Footer Placeholder 3"/>
           <p:cNvSpPr>
             <a:spLocks noGrp="1"/>
           </p:cNvSpPr>
@@ -2621,13 +2393,7 @@
       </p:sp>
       <p:sp>
         <p:nvSpPr>
-          <p:cNvPr id="5" name="Slide Number Placeholder 4">
-            <a:extLst>
-              <a:ext uri="{FF2B5EF4-FFF2-40B4-BE49-F238E27FC236}">
-                <a16:creationId xmlns:a16="http://schemas.microsoft.com/office/drawing/2014/main" id="{FEEEDAE3-A5AB-7240-CF55-FA6F1941008D}"/>
-              </a:ext>
-            </a:extLst>
-          </p:cNvPr>
+          <p:cNvPr id="5" name="Slide Number Placeholder 4"/>
           <p:cNvSpPr>
             <a:spLocks noGrp="1"/>
           </p:cNvSpPr>
@@ -2651,7 +2417,7 @@
     </p:spTree>
     <p:extLst>
       <p:ext uri="{BB962C8B-B14F-4D97-AF65-F5344CB8AC3E}">
-        <p14:creationId xmlns:p14="http://schemas.microsoft.com/office/powerpoint/2010/main" val="3105554838"/>
+        <p14:creationId xmlns:p14="http://schemas.microsoft.com/office/powerpoint/2010/main" val="3181176656"/>
       </p:ext>
     </p:extLst>
   </p:cSld>
@@ -2680,13 +2446,7 @@
       </p:grpSpPr>
       <p:sp>
         <p:nvSpPr>
-          <p:cNvPr id="2" name="Date Placeholder 1">
-            <a:extLst>
-              <a:ext uri="{FF2B5EF4-FFF2-40B4-BE49-F238E27FC236}">
-                <a16:creationId xmlns:a16="http://schemas.microsoft.com/office/drawing/2014/main" id="{DB38B8B5-19CE-A7F9-ABB0-C381B9F698C1}"/>
-              </a:ext>
-            </a:extLst>
-          </p:cNvPr>
+          <p:cNvPr id="2" name="Date Placeholder 1"/>
           <p:cNvSpPr>
             <a:spLocks noGrp="1"/>
           </p:cNvSpPr>
@@ -2701,7 +2461,7 @@
           <a:p>
             <a:fld id="{EE6EA10A-9417-43D9-A9C3-B057EA8B1B48}" type="datetimeFigureOut">
               <a:rPr lang="en-GB" smtClean="0"/>
-              <a:t>07/01/2026</a:t>
+              <a:t>15/01/2026</a:t>
             </a:fld>
             <a:endParaRPr lang="en-GB"/>
           </a:p>
@@ -2709,13 +2469,7 @@
       </p:sp>
       <p:sp>
         <p:nvSpPr>
-          <p:cNvPr id="3" name="Footer Placeholder 2">
-            <a:extLst>
-              <a:ext uri="{FF2B5EF4-FFF2-40B4-BE49-F238E27FC236}">
-                <a16:creationId xmlns:a16="http://schemas.microsoft.com/office/drawing/2014/main" id="{204D60A7-EAD9-88C6-10FB-C4DC0032A32D}"/>
-              </a:ext>
-            </a:extLst>
-          </p:cNvPr>
+          <p:cNvPr id="3" name="Footer Placeholder 2"/>
           <p:cNvSpPr>
             <a:spLocks noGrp="1"/>
           </p:cNvSpPr>
@@ -2734,13 +2488,7 @@
       </p:sp>
       <p:sp>
         <p:nvSpPr>
-          <p:cNvPr id="4" name="Slide Number Placeholder 3">
-            <a:extLst>
-              <a:ext uri="{FF2B5EF4-FFF2-40B4-BE49-F238E27FC236}">
-                <a16:creationId xmlns:a16="http://schemas.microsoft.com/office/drawing/2014/main" id="{87C6DF7C-216D-D3ED-33F0-E246F2C8C14E}"/>
-              </a:ext>
-            </a:extLst>
-          </p:cNvPr>
+          <p:cNvPr id="4" name="Slide Number Placeholder 3"/>
           <p:cNvSpPr>
             <a:spLocks noGrp="1"/>
           </p:cNvSpPr>
@@ -2764,7 +2512,7 @@
     </p:spTree>
     <p:extLst>
       <p:ext uri="{BB962C8B-B14F-4D97-AF65-F5344CB8AC3E}">
-        <p14:creationId xmlns:p14="http://schemas.microsoft.com/office/powerpoint/2010/main" val="3248376730"/>
+        <p14:creationId xmlns:p14="http://schemas.microsoft.com/office/powerpoint/2010/main" val="314933489"/>
       </p:ext>
     </p:extLst>
   </p:cSld>
@@ -2793,13 +2541,7 @@
       </p:grpSpPr>
       <p:sp>
         <p:nvSpPr>
-          <p:cNvPr id="2" name="Title 1">
-            <a:extLst>
-              <a:ext uri="{FF2B5EF4-FFF2-40B4-BE49-F238E27FC236}">
-                <a16:creationId xmlns:a16="http://schemas.microsoft.com/office/drawing/2014/main" id="{8D5C1C93-87C9-264A-7437-141CF0413B6B}"/>
-              </a:ext>
-            </a:extLst>
-          </p:cNvPr>
+          <p:cNvPr id="2" name="Title 1"/>
           <p:cNvSpPr>
             <a:spLocks noGrp="1"/>
           </p:cNvSpPr>
@@ -2825,18 +2567,13 @@
               <a:rPr lang="en-GB"/>
               <a:t>Click to edit Master title style</a:t>
             </a:r>
-          </a:p>
-        </p:txBody>
-      </p:sp>
-      <p:sp>
-        <p:nvSpPr>
-          <p:cNvPr id="3" name="Content Placeholder 2">
-            <a:extLst>
-              <a:ext uri="{FF2B5EF4-FFF2-40B4-BE49-F238E27FC236}">
-                <a16:creationId xmlns:a16="http://schemas.microsoft.com/office/drawing/2014/main" id="{12778817-2169-1A0B-181A-CE601BE2F682}"/>
-              </a:ext>
-            </a:extLst>
-          </p:cNvPr>
+            <a:endParaRPr lang="en-US" dirty="0"/>
+          </a:p>
+        </p:txBody>
+      </p:sp>
+      <p:sp>
+        <p:nvSpPr>
+          <p:cNvPr id="3" name="Content Placeholder 2"/>
           <p:cNvSpPr>
             <a:spLocks noGrp="1"/>
           </p:cNvSpPr>
@@ -2915,18 +2652,13 @@
               <a:rPr lang="en-GB"/>
               <a:t>Fifth level</a:t>
             </a:r>
-          </a:p>
-        </p:txBody>
-      </p:sp>
-      <p:sp>
-        <p:nvSpPr>
-          <p:cNvPr id="4" name="Text Placeholder 3">
-            <a:extLst>
-              <a:ext uri="{FF2B5EF4-FFF2-40B4-BE49-F238E27FC236}">
-                <a16:creationId xmlns:a16="http://schemas.microsoft.com/office/drawing/2014/main" id="{D346B10C-FBC1-4724-E719-EDFB747C4E09}"/>
-              </a:ext>
-            </a:extLst>
-          </p:cNvPr>
+            <a:endParaRPr lang="en-US" dirty="0"/>
+          </a:p>
+        </p:txBody>
+      </p:sp>
+      <p:sp>
+        <p:nvSpPr>
+          <p:cNvPr id="4" name="Text Placeholder 3"/>
           <p:cNvSpPr>
             <a:spLocks noGrp="1"/>
           </p:cNvSpPr>
@@ -2991,13 +2723,7 @@
       </p:sp>
       <p:sp>
         <p:nvSpPr>
-          <p:cNvPr id="5" name="Date Placeholder 4">
-            <a:extLst>
-              <a:ext uri="{FF2B5EF4-FFF2-40B4-BE49-F238E27FC236}">
-                <a16:creationId xmlns:a16="http://schemas.microsoft.com/office/drawing/2014/main" id="{FFF1CAA5-9B2F-4DA1-33C1-19CFA00C6A76}"/>
-              </a:ext>
-            </a:extLst>
-          </p:cNvPr>
+          <p:cNvPr id="5" name="Date Placeholder 4"/>
           <p:cNvSpPr>
             <a:spLocks noGrp="1"/>
           </p:cNvSpPr>
@@ -3012,7 +2738,7 @@
           <a:p>
             <a:fld id="{EE6EA10A-9417-43D9-A9C3-B057EA8B1B48}" type="datetimeFigureOut">
               <a:rPr lang="en-GB" smtClean="0"/>
-              <a:t>07/01/2026</a:t>
+              <a:t>15/01/2026</a:t>
             </a:fld>
             <a:endParaRPr lang="en-GB"/>
           </a:p>
@@ -3020,13 +2746,7 @@
       </p:sp>
       <p:sp>
         <p:nvSpPr>
-          <p:cNvPr id="6" name="Footer Placeholder 5">
-            <a:extLst>
-              <a:ext uri="{FF2B5EF4-FFF2-40B4-BE49-F238E27FC236}">
-                <a16:creationId xmlns:a16="http://schemas.microsoft.com/office/drawing/2014/main" id="{F0E44D82-BDF3-936A-6B12-EA4290725921}"/>
-              </a:ext>
-            </a:extLst>
-          </p:cNvPr>
+          <p:cNvPr id="6" name="Footer Placeholder 5"/>
           <p:cNvSpPr>
             <a:spLocks noGrp="1"/>
           </p:cNvSpPr>
@@ -3045,13 +2765,7 @@
       </p:sp>
       <p:sp>
         <p:nvSpPr>
-          <p:cNvPr id="7" name="Slide Number Placeholder 6">
-            <a:extLst>
-              <a:ext uri="{FF2B5EF4-FFF2-40B4-BE49-F238E27FC236}">
-                <a16:creationId xmlns:a16="http://schemas.microsoft.com/office/drawing/2014/main" id="{BFB8858F-0EAB-A973-47B1-2838FDE338EE}"/>
-              </a:ext>
-            </a:extLst>
-          </p:cNvPr>
+          <p:cNvPr id="7" name="Slide Number Placeholder 6"/>
           <p:cNvSpPr>
             <a:spLocks noGrp="1"/>
           </p:cNvSpPr>
@@ -3075,7 +2789,7 @@
     </p:spTree>
     <p:extLst>
       <p:ext uri="{BB962C8B-B14F-4D97-AF65-F5344CB8AC3E}">
-        <p14:creationId xmlns:p14="http://schemas.microsoft.com/office/powerpoint/2010/main" val="3404771111"/>
+        <p14:creationId xmlns:p14="http://schemas.microsoft.com/office/powerpoint/2010/main" val="3357540043"/>
       </p:ext>
     </p:extLst>
   </p:cSld>
@@ -3104,13 +2818,7 @@
       </p:grpSpPr>
       <p:sp>
         <p:nvSpPr>
-          <p:cNvPr id="2" name="Title 1">
-            <a:extLst>
-              <a:ext uri="{FF2B5EF4-FFF2-40B4-BE49-F238E27FC236}">
-                <a16:creationId xmlns:a16="http://schemas.microsoft.com/office/drawing/2014/main" id="{B924D687-428D-3E56-9D92-3C886D155BEF}"/>
-              </a:ext>
-            </a:extLst>
-          </p:cNvPr>
+          <p:cNvPr id="2" name="Title 1"/>
           <p:cNvSpPr>
             <a:spLocks noGrp="1"/>
           </p:cNvSpPr>
@@ -3136,20 +2844,15 @@
               <a:rPr lang="en-GB"/>
               <a:t>Click to edit Master title style</a:t>
             </a:r>
-          </a:p>
-        </p:txBody>
-      </p:sp>
-      <p:sp>
-        <p:nvSpPr>
-          <p:cNvPr id="3" name="Picture Placeholder 2">
-            <a:extLst>
-              <a:ext uri="{FF2B5EF4-FFF2-40B4-BE49-F238E27FC236}">
-                <a16:creationId xmlns:a16="http://schemas.microsoft.com/office/drawing/2014/main" id="{B3F0FDB2-3E52-25EA-65F1-AC967F197E41}"/>
-              </a:ext>
-            </a:extLst>
-          </p:cNvPr>
-          <p:cNvSpPr>
-            <a:spLocks noGrp="1"/>
+            <a:endParaRPr lang="en-US" dirty="0"/>
+          </a:p>
+        </p:txBody>
+      </p:sp>
+      <p:sp>
+        <p:nvSpPr>
+          <p:cNvPr id="3" name="Picture Placeholder 2"/>
+          <p:cNvSpPr>
+            <a:spLocks noGrp="1" noChangeAspect="1"/>
           </p:cNvSpPr>
           <p:nvPr>
             <p:ph type="pic" idx="1"/>
@@ -3162,7 +2865,7 @@
           </a:xfrm>
         </p:spPr>
         <p:txBody>
-          <a:bodyPr/>
+          <a:bodyPr anchor="t"/>
           <a:lstStyle>
             <a:lvl1pPr marL="0" indent="0">
               <a:buNone/>
@@ -3202,19 +2905,17 @@
             </a:lvl9pPr>
           </a:lstStyle>
           <a:p>
-            <a:endParaRPr lang="en-GB"/>
-          </a:p>
-        </p:txBody>
-      </p:sp>
-      <p:sp>
-        <p:nvSpPr>
-          <p:cNvPr id="4" name="Text Placeholder 3">
-            <a:extLst>
-              <a:ext uri="{FF2B5EF4-FFF2-40B4-BE49-F238E27FC236}">
-                <a16:creationId xmlns:a16="http://schemas.microsoft.com/office/drawing/2014/main" id="{C7989DEF-5E09-CD1E-69BF-891FB7EEB385}"/>
-              </a:ext>
-            </a:extLst>
-          </p:cNvPr>
+            <a:r>
+              <a:rPr lang="en-GB"/>
+              <a:t>Click icon to add picture</a:t>
+            </a:r>
+            <a:endParaRPr lang="en-US" dirty="0"/>
+          </a:p>
+        </p:txBody>
+      </p:sp>
+      <p:sp>
+        <p:nvSpPr>
+          <p:cNvPr id="4" name="Text Placeholder 3"/>
           <p:cNvSpPr>
             <a:spLocks noGrp="1"/>
           </p:cNvSpPr>
@@ -3279,13 +2980,7 @@
       </p:sp>
       <p:sp>
         <p:nvSpPr>
-          <p:cNvPr id="5" name="Date Placeholder 4">
-            <a:extLst>
-              <a:ext uri="{FF2B5EF4-FFF2-40B4-BE49-F238E27FC236}">
-                <a16:creationId xmlns:a16="http://schemas.microsoft.com/office/drawing/2014/main" id="{5C3E6D59-CAEB-6BFA-D6DD-3262C15B3ACD}"/>
-              </a:ext>
-            </a:extLst>
-          </p:cNvPr>
+          <p:cNvPr id="5" name="Date Placeholder 4"/>
           <p:cNvSpPr>
             <a:spLocks noGrp="1"/>
           </p:cNvSpPr>
@@ -3300,7 +2995,7 @@
           <a:p>
             <a:fld id="{EE6EA10A-9417-43D9-A9C3-B057EA8B1B48}" type="datetimeFigureOut">
               <a:rPr lang="en-GB" smtClean="0"/>
-              <a:t>07/01/2026</a:t>
+              <a:t>15/01/2026</a:t>
             </a:fld>
             <a:endParaRPr lang="en-GB"/>
           </a:p>
@@ -3308,13 +3003,7 @@
       </p:sp>
       <p:sp>
         <p:nvSpPr>
-          <p:cNvPr id="6" name="Footer Placeholder 5">
-            <a:extLst>
-              <a:ext uri="{FF2B5EF4-FFF2-40B4-BE49-F238E27FC236}">
-                <a16:creationId xmlns:a16="http://schemas.microsoft.com/office/drawing/2014/main" id="{9C8F3EE6-FDE8-983B-DD27-2A8CF4B67028}"/>
-              </a:ext>
-            </a:extLst>
-          </p:cNvPr>
+          <p:cNvPr id="6" name="Footer Placeholder 5"/>
           <p:cNvSpPr>
             <a:spLocks noGrp="1"/>
           </p:cNvSpPr>
@@ -3333,13 +3022,7 @@
       </p:sp>
       <p:sp>
         <p:nvSpPr>
-          <p:cNvPr id="7" name="Slide Number Placeholder 6">
-            <a:extLst>
-              <a:ext uri="{FF2B5EF4-FFF2-40B4-BE49-F238E27FC236}">
-                <a16:creationId xmlns:a16="http://schemas.microsoft.com/office/drawing/2014/main" id="{11396999-1E20-296E-9DF9-24BE49F052FF}"/>
-              </a:ext>
-            </a:extLst>
-          </p:cNvPr>
+          <p:cNvPr id="7" name="Slide Number Placeholder 6"/>
           <p:cNvSpPr>
             <a:spLocks noGrp="1"/>
           </p:cNvSpPr>
@@ -3363,7 +3046,7 @@
     </p:spTree>
     <p:extLst>
       <p:ext uri="{BB962C8B-B14F-4D97-AF65-F5344CB8AC3E}">
-        <p14:creationId xmlns:p14="http://schemas.microsoft.com/office/powerpoint/2010/main" val="301320626"/>
+        <p14:creationId xmlns:p14="http://schemas.microsoft.com/office/powerpoint/2010/main" val="418163722"/>
       </p:ext>
     </p:extLst>
   </p:cSld>
@@ -3397,13 +3080,7 @@
       </p:grpSpPr>
       <p:sp>
         <p:nvSpPr>
-          <p:cNvPr id="2" name="Title Placeholder 1">
-            <a:extLst>
-              <a:ext uri="{FF2B5EF4-FFF2-40B4-BE49-F238E27FC236}">
-                <a16:creationId xmlns:a16="http://schemas.microsoft.com/office/drawing/2014/main" id="{679B5353-C298-CE71-D80B-DA3A3B7F67CF}"/>
-              </a:ext>
-            </a:extLst>
-          </p:cNvPr>
+          <p:cNvPr id="2" name="Title Placeholder 1"/>
           <p:cNvSpPr>
             <a:spLocks noGrp="1"/>
           </p:cNvSpPr>
@@ -3430,18 +3107,13 @@
               <a:rPr lang="en-GB"/>
               <a:t>Click to edit Master title style</a:t>
             </a:r>
-          </a:p>
-        </p:txBody>
-      </p:sp>
-      <p:sp>
-        <p:nvSpPr>
-          <p:cNvPr id="3" name="Text Placeholder 2">
-            <a:extLst>
-              <a:ext uri="{FF2B5EF4-FFF2-40B4-BE49-F238E27FC236}">
-                <a16:creationId xmlns:a16="http://schemas.microsoft.com/office/drawing/2014/main" id="{BA383658-066D-903D-F254-6DE97F7B06F1}"/>
-              </a:ext>
-            </a:extLst>
-          </p:cNvPr>
+            <a:endParaRPr lang="en-US" dirty="0"/>
+          </a:p>
+        </p:txBody>
+      </p:sp>
+      <p:sp>
+        <p:nvSpPr>
+          <p:cNvPr id="3" name="Text Placeholder 2"/>
           <p:cNvSpPr>
             <a:spLocks noGrp="1"/>
           </p:cNvSpPr>
@@ -3497,18 +3169,13 @@
               <a:rPr lang="en-GB"/>
               <a:t>Fifth level</a:t>
             </a:r>
-          </a:p>
-        </p:txBody>
-      </p:sp>
-      <p:sp>
-        <p:nvSpPr>
-          <p:cNvPr id="4" name="Date Placeholder 3">
-            <a:extLst>
-              <a:ext uri="{FF2B5EF4-FFF2-40B4-BE49-F238E27FC236}">
-                <a16:creationId xmlns:a16="http://schemas.microsoft.com/office/drawing/2014/main" id="{2E8D7766-E2DD-1E17-B92B-E3F941172BD6}"/>
-              </a:ext>
-            </a:extLst>
-          </p:cNvPr>
+            <a:endParaRPr lang="en-US" dirty="0"/>
+          </a:p>
+        </p:txBody>
+      </p:sp>
+      <p:sp>
+        <p:nvSpPr>
+          <p:cNvPr id="4" name="Date Placeholder 3"/>
           <p:cNvSpPr>
             <a:spLocks noGrp="1"/>
           </p:cNvSpPr>
@@ -3532,7 +3199,7 @@
               <a:defRPr sz="1200">
                 <a:solidFill>
                   <a:schemeClr val="tx1">
-                    <a:tint val="82000"/>
+                    <a:shade val="82000"/>
                   </a:schemeClr>
                 </a:solidFill>
               </a:defRPr>
@@ -3541,7 +3208,7 @@
           <a:p>
             <a:fld id="{EE6EA10A-9417-43D9-A9C3-B057EA8B1B48}" type="datetimeFigureOut">
               <a:rPr lang="en-GB" smtClean="0"/>
-              <a:t>07/01/2026</a:t>
+              <a:t>15/01/2026</a:t>
             </a:fld>
             <a:endParaRPr lang="en-GB"/>
           </a:p>
@@ -3549,13 +3216,7 @@
       </p:sp>
       <p:sp>
         <p:nvSpPr>
-          <p:cNvPr id="5" name="Footer Placeholder 4">
-            <a:extLst>
-              <a:ext uri="{FF2B5EF4-FFF2-40B4-BE49-F238E27FC236}">
-                <a16:creationId xmlns:a16="http://schemas.microsoft.com/office/drawing/2014/main" id="{24888799-3974-89E8-91D0-252FB062C335}"/>
-              </a:ext>
-            </a:extLst>
-          </p:cNvPr>
+          <p:cNvPr id="5" name="Footer Placeholder 4"/>
           <p:cNvSpPr>
             <a:spLocks noGrp="1"/>
           </p:cNvSpPr>
@@ -3579,7 +3240,7 @@
               <a:defRPr sz="1200">
                 <a:solidFill>
                   <a:schemeClr val="tx1">
-                    <a:tint val="82000"/>
+                    <a:shade val="82000"/>
                   </a:schemeClr>
                 </a:solidFill>
               </a:defRPr>
@@ -3592,13 +3253,7 @@
       </p:sp>
       <p:sp>
         <p:nvSpPr>
-          <p:cNvPr id="6" name="Slide Number Placeholder 5">
-            <a:extLst>
-              <a:ext uri="{FF2B5EF4-FFF2-40B4-BE49-F238E27FC236}">
-                <a16:creationId xmlns:a16="http://schemas.microsoft.com/office/drawing/2014/main" id="{83E7658E-A37E-13F3-F60E-B4411BD71FD2}"/>
-              </a:ext>
-            </a:extLst>
-          </p:cNvPr>
+          <p:cNvPr id="6" name="Slide Number Placeholder 5"/>
           <p:cNvSpPr>
             <a:spLocks noGrp="1"/>
           </p:cNvSpPr>
@@ -3622,7 +3277,7 @@
               <a:defRPr sz="1200">
                 <a:solidFill>
                   <a:schemeClr val="tx1">
-                    <a:tint val="82000"/>
+                    <a:shade val="82000"/>
                   </a:schemeClr>
                 </a:solidFill>
               </a:defRPr>
@@ -3640,23 +3295,23 @@
     </p:spTree>
     <p:extLst>
       <p:ext uri="{BB962C8B-B14F-4D97-AF65-F5344CB8AC3E}">
-        <p14:creationId xmlns:p14="http://schemas.microsoft.com/office/powerpoint/2010/main" val="2071153287"/>
+        <p14:creationId xmlns:p14="http://schemas.microsoft.com/office/powerpoint/2010/main" val="1284759746"/>
       </p:ext>
     </p:extLst>
   </p:cSld>
-  <p:clrMap bg1="lt1" tx1="dk1" bg2="lt2" tx2="dk2" accent1="accent1" accent2="accent2" accent3="accent3" accent4="accent4" accent5="accent5" accent6="accent6" hlink="hlink" folHlink="folHlink"/>
+  <p:clrMap bg1="dk1" tx1="lt1" bg2="dk2" tx2="lt2" accent1="accent1" accent2="accent2" accent3="accent3" accent4="accent4" accent5="accent5" accent6="accent6" hlink="hlink" folHlink="folHlink"/>
   <p:sldLayoutIdLst>
-    <p:sldLayoutId id="2147483649" r:id="rId1"/>
-    <p:sldLayoutId id="2147483650" r:id="rId2"/>
-    <p:sldLayoutId id="2147483651" r:id="rId3"/>
-    <p:sldLayoutId id="2147483652" r:id="rId4"/>
-    <p:sldLayoutId id="2147483653" r:id="rId5"/>
-    <p:sldLayoutId id="2147483654" r:id="rId6"/>
-    <p:sldLayoutId id="2147483655" r:id="rId7"/>
-    <p:sldLayoutId id="2147483656" r:id="rId8"/>
-    <p:sldLayoutId id="2147483657" r:id="rId9"/>
-    <p:sldLayoutId id="2147483658" r:id="rId10"/>
-    <p:sldLayoutId id="2147483659" r:id="rId11"/>
+    <p:sldLayoutId id="2147483661" r:id="rId1"/>
+    <p:sldLayoutId id="2147483662" r:id="rId2"/>
+    <p:sldLayoutId id="2147483663" r:id="rId3"/>
+    <p:sldLayoutId id="2147483664" r:id="rId4"/>
+    <p:sldLayoutId id="2147483665" r:id="rId5"/>
+    <p:sldLayoutId id="2147483666" r:id="rId6"/>
+    <p:sldLayoutId id="2147483667" r:id="rId7"/>
+    <p:sldLayoutId id="2147483668" r:id="rId8"/>
+    <p:sldLayoutId id="2147483669" r:id="rId9"/>
+    <p:sldLayoutId id="2147483670" r:id="rId10"/>
+    <p:sldLayoutId id="2147483671" r:id="rId11"/>
   </p:sldLayoutIdLst>
   <p:txStyles>
     <p:titleStyle>
@@ -4107,7 +3762,9 @@
         </p:nvSpPr>
         <p:spPr/>
         <p:txBody>
-          <a:bodyPr/>
+          <a:bodyPr>
+            <a:normAutofit fontScale="92500" lnSpcReduction="10000"/>
+          </a:bodyPr>
           <a:lstStyle/>
           <a:p>
             <a:r>
@@ -4120,6 +3777,34 @@
             <a:r>
               <a:rPr lang="ro-RO" noProof="1"/>
               <a:t>Universitatea de Știinte Exacte “Aurel Vlaicu” Arad</a:t>
+            </a:r>
+            <a:endParaRPr lang="en-GB" noProof="1"/>
+          </a:p>
+          <a:p>
+            <a:endParaRPr lang="en-GB" noProof="1"/>
+          </a:p>
+          <a:p>
+            <a:r>
+              <a:rPr lang="en-GB" sz="1500" noProof="1">
+                <a:solidFill>
+                  <a:schemeClr val="bg1">
+                    <a:lumMod val="75000"/>
+                    <a:lumOff val="25000"/>
+                  </a:schemeClr>
+                </a:solidFill>
+              </a:rPr>
+              <a:t>Cod surs</a:t>
+            </a:r>
+            <a:r>
+              <a:rPr lang="ro-RO" sz="1500" noProof="1">
+                <a:solidFill>
+                  <a:schemeClr val="bg1">
+                    <a:lumMod val="75000"/>
+                    <a:lumOff val="25000"/>
+                  </a:schemeClr>
+                </a:solidFill>
+              </a:rPr>
+              <a:t>ă: https://github.com/averageMelons/javaPrezentUI</a:t>
             </a:r>
           </a:p>
         </p:txBody>
@@ -4134,13 +3819,13 @@
   <p:clrMapOvr>
     <a:masterClrMapping/>
   </p:clrMapOvr>
-  <mc:AlternateContent xmlns:mc="http://schemas.openxmlformats.org/markup-compatibility/2006">
-    <mc:Choice xmlns:p159="http://schemas.microsoft.com/office/powerpoint/2015/09/main" Requires="p159">
+  <mc:AlternateContent xmlns:mc="http://schemas.openxmlformats.org/markup-compatibility/2006" xmlns:p159="http://schemas.microsoft.com/office/powerpoint/2015/09/main">
+    <mc:Choice Requires="p159">
       <p:transition xmlns:p14="http://schemas.microsoft.com/office/powerpoint/2010/main" spd="slow" p14:dur="2000">
         <p159:morph option="byObject"/>
       </p:transition>
     </mc:Choice>
-    <mc:Fallback>
+    <mc:Fallback xmlns="">
       <p:transition spd="slow">
         <p:fade/>
       </p:transition>
@@ -4190,7 +3875,7 @@
         </p:nvSpPr>
         <p:spPr>
           <a:xfrm>
-            <a:off x="6096000" y="239713"/>
+            <a:off x="6424613" y="239713"/>
             <a:ext cx="5767387" cy="349250"/>
           </a:xfrm>
         </p:spPr>
@@ -4205,7 +3890,8 @@
               <a:rPr lang="ro-RO" sz="1600" noProof="1">
                 <a:solidFill>
                   <a:schemeClr val="bg1">
-                    <a:lumMod val="75000"/>
+                    <a:lumMod val="50000"/>
+                    <a:lumOff val="50000"/>
                   </a:schemeClr>
                 </a:solidFill>
               </a:rPr>
@@ -4232,7 +3918,7 @@
         </p:nvSpPr>
         <p:spPr>
           <a:xfrm>
-            <a:off x="6096000" y="588963"/>
+            <a:off x="6424613" y="588963"/>
             <a:ext cx="5767387" cy="347662"/>
           </a:xfrm>
         </p:spPr>
@@ -4249,7 +3935,8 @@
               <a:rPr lang="ro-RO" sz="1000" noProof="1">
                 <a:solidFill>
                   <a:schemeClr val="bg1">
-                    <a:lumMod val="75000"/>
+                    <a:lumMod val="50000"/>
+                    <a:lumOff val="50000"/>
                   </a:schemeClr>
                 </a:solidFill>
               </a:rPr>
@@ -4259,7 +3946,8 @@
               <a:rPr lang="ro-RO" sz="1000" noProof="1">
                 <a:solidFill>
                   <a:schemeClr val="bg1">
-                    <a:lumMod val="75000"/>
+                    <a:lumMod val="50000"/>
+                    <a:lumOff val="50000"/>
                   </a:schemeClr>
                 </a:solidFill>
               </a:rPr>
@@ -4268,7 +3956,8 @@
               <a:rPr lang="ro-RO" sz="1000" noProof="1">
                 <a:solidFill>
                   <a:schemeClr val="bg1">
-                    <a:lumMod val="75000"/>
+                    <a:lumMod val="50000"/>
+                    <a:lumOff val="50000"/>
                   </a:schemeClr>
                 </a:solidFill>
               </a:rPr>
@@ -4499,13 +4188,13 @@
   <p:clrMapOvr>
     <a:masterClrMapping/>
   </p:clrMapOvr>
-  <mc:AlternateContent xmlns:mc="http://schemas.openxmlformats.org/markup-compatibility/2006">
-    <mc:Choice xmlns:p159="http://schemas.microsoft.com/office/powerpoint/2015/09/main" Requires="p159">
+  <mc:AlternateContent xmlns:mc="http://schemas.openxmlformats.org/markup-compatibility/2006" xmlns:p159="http://schemas.microsoft.com/office/powerpoint/2015/09/main">
+    <mc:Choice Requires="p159">
       <p:transition xmlns:p14="http://schemas.microsoft.com/office/powerpoint/2010/main" spd="slow" p14:dur="2000">
         <p159:morph option="byObject"/>
       </p:transition>
     </mc:Choice>
-    <mc:Fallback>
+    <mc:Fallback xmlns="">
       <p:transition spd="slow">
         <p:fade/>
       </p:transition>
@@ -4555,7 +4244,7 @@
         </p:nvSpPr>
         <p:spPr>
           <a:xfrm>
-            <a:off x="6096000" y="239713"/>
+            <a:off x="6424613" y="239713"/>
             <a:ext cx="5767387" cy="349250"/>
           </a:xfrm>
         </p:spPr>
@@ -4570,7 +4259,8 @@
               <a:rPr lang="ro-RO" sz="1600" noProof="1">
                 <a:solidFill>
                   <a:schemeClr val="bg1">
-                    <a:lumMod val="75000"/>
+                    <a:lumMod val="50000"/>
+                    <a:lumOff val="50000"/>
                   </a:schemeClr>
                 </a:solidFill>
               </a:rPr>
@@ -4597,7 +4287,7 @@
         </p:nvSpPr>
         <p:spPr>
           <a:xfrm>
-            <a:off x="6096000" y="588963"/>
+            <a:off x="6424613" y="588963"/>
             <a:ext cx="5767387" cy="347662"/>
           </a:xfrm>
         </p:spPr>
@@ -4614,7 +4304,8 @@
               <a:rPr lang="ro-RO" sz="1000" noProof="1">
                 <a:solidFill>
                   <a:schemeClr val="bg1">
-                    <a:lumMod val="75000"/>
+                    <a:lumMod val="50000"/>
+                    <a:lumOff val="50000"/>
                   </a:schemeClr>
                 </a:solidFill>
               </a:rPr>
@@ -4624,7 +4315,8 @@
               <a:rPr lang="ro-RO" sz="1000" noProof="1">
                 <a:solidFill>
                   <a:schemeClr val="bg1">
-                    <a:lumMod val="75000"/>
+                    <a:lumMod val="50000"/>
+                    <a:lumOff val="50000"/>
                   </a:schemeClr>
                 </a:solidFill>
               </a:rPr>
@@ -4633,7 +4325,8 @@
               <a:rPr lang="ro-RO" sz="1000" noProof="1">
                 <a:solidFill>
                   <a:schemeClr val="bg1">
-                    <a:lumMod val="75000"/>
+                    <a:lumMod val="50000"/>
+                    <a:lumOff val="50000"/>
                   </a:schemeClr>
                 </a:solidFill>
               </a:rPr>
@@ -4910,13 +4603,13 @@
   <p:clrMapOvr>
     <a:masterClrMapping/>
   </p:clrMapOvr>
-  <mc:AlternateContent xmlns:mc="http://schemas.openxmlformats.org/markup-compatibility/2006">
-    <mc:Choice xmlns:p159="http://schemas.microsoft.com/office/powerpoint/2015/09/main" Requires="p159">
+  <mc:AlternateContent xmlns:mc="http://schemas.openxmlformats.org/markup-compatibility/2006" xmlns:p159="http://schemas.microsoft.com/office/powerpoint/2015/09/main">
+    <mc:Choice Requires="p159">
       <p:transition xmlns:p14="http://schemas.microsoft.com/office/powerpoint/2010/main" spd="slow" p14:dur="2000">
         <p159:morph option="byObject"/>
       </p:transition>
     </mc:Choice>
-    <mc:Fallback>
+    <mc:Fallback xmlns="">
       <p:transition spd="slow">
         <p:fade/>
       </p:transition>
@@ -4966,7 +4659,7 @@
         </p:nvSpPr>
         <p:spPr>
           <a:xfrm>
-            <a:off x="6096000" y="239713"/>
+            <a:off x="6424613" y="239713"/>
             <a:ext cx="5767387" cy="349250"/>
           </a:xfrm>
         </p:spPr>
@@ -4981,7 +4674,8 @@
               <a:rPr lang="ro-RO" sz="1600" noProof="1">
                 <a:solidFill>
                   <a:schemeClr val="bg1">
-                    <a:lumMod val="75000"/>
+                    <a:lumMod val="50000"/>
+                    <a:lumOff val="50000"/>
                   </a:schemeClr>
                 </a:solidFill>
               </a:rPr>
@@ -5008,7 +4702,7 @@
         </p:nvSpPr>
         <p:spPr>
           <a:xfrm>
-            <a:off x="6096000" y="588963"/>
+            <a:off x="6424613" y="588963"/>
             <a:ext cx="5767387" cy="347662"/>
           </a:xfrm>
         </p:spPr>
@@ -5025,7 +4719,8 @@
               <a:rPr lang="ro-RO" sz="1000" noProof="1">
                 <a:solidFill>
                   <a:schemeClr val="bg1">
-                    <a:lumMod val="75000"/>
+                    <a:lumMod val="50000"/>
+                    <a:lumOff val="50000"/>
                   </a:schemeClr>
                 </a:solidFill>
               </a:rPr>
@@ -5035,7 +4730,8 @@
               <a:rPr lang="ro-RO" sz="1000" noProof="1">
                 <a:solidFill>
                   <a:schemeClr val="bg1">
-                    <a:lumMod val="75000"/>
+                    <a:lumMod val="50000"/>
+                    <a:lumOff val="50000"/>
                   </a:schemeClr>
                 </a:solidFill>
               </a:rPr>
@@ -5044,7 +4740,8 @@
               <a:rPr lang="ro-RO" sz="1000" noProof="1">
                 <a:solidFill>
                   <a:schemeClr val="bg1">
-                    <a:lumMod val="75000"/>
+                    <a:lumMod val="50000"/>
+                    <a:lumOff val="50000"/>
                   </a:schemeClr>
                 </a:solidFill>
               </a:rPr>
@@ -5167,6 +4864,7 @@
           <a:prstGeom prst="rect">
             <a:avLst/>
           </a:prstGeom>
+          <a:noFill/>
           <a:ln cap="flat" cmpd="sng">
             <a:noFill/>
             <a:prstDash val="sysDot"/>
@@ -5204,6 +4902,9 @@
             </a:pPr>
             <a:r>
               <a:rPr lang="en-US" sz="1800">
+                <a:solidFill>
+                  <a:schemeClr val="tx1"/>
+                </a:solidFill>
                 <a:effectLst/>
                 <a:latin typeface="Consolas" panose="020B0609020204030204" pitchFamily="49" charset="0"/>
                 <a:ea typeface="Calibri" panose="020F0502020204030204" pitchFamily="34" charset="0"/>
@@ -5213,6 +4914,9 @@
             </a:r>
             <a:br>
               <a:rPr lang="en-US" sz="1800">
+                <a:solidFill>
+                  <a:schemeClr val="tx1"/>
+                </a:solidFill>
                 <a:effectLst/>
                 <a:latin typeface="Consolas" panose="020B0609020204030204" pitchFamily="49" charset="0"/>
                 <a:ea typeface="Calibri" panose="020F0502020204030204" pitchFamily="34" charset="0"/>
@@ -5222,9 +4926,7 @@
             <a:r>
               <a:rPr lang="en-US" sz="1800">
                 <a:solidFill>
-                  <a:schemeClr val="bg1">
-                    <a:lumMod val="50000"/>
-                  </a:schemeClr>
+                  <a:schemeClr val="tx1"/>
                 </a:solidFill>
                 <a:effectLst/>
                 <a:latin typeface="Consolas" panose="020B0609020204030204" pitchFamily="49" charset="0"/>
@@ -5236,9 +4938,7 @@
             <a:br>
               <a:rPr lang="en-US" sz="1800">
                 <a:solidFill>
-                  <a:schemeClr val="bg1">
-                    <a:lumMod val="50000"/>
-                  </a:schemeClr>
+                  <a:schemeClr val="tx1"/>
                 </a:solidFill>
                 <a:effectLst/>
                 <a:latin typeface="Consolas" panose="020B0609020204030204" pitchFamily="49" charset="0"/>
@@ -5249,9 +4949,7 @@
             <a:r>
               <a:rPr lang="en-US" sz="1800">
                 <a:solidFill>
-                  <a:schemeClr val="bg1">
-                    <a:lumMod val="50000"/>
-                  </a:schemeClr>
+                  <a:schemeClr val="tx1"/>
                 </a:solidFill>
                 <a:effectLst/>
                 <a:latin typeface="Consolas" panose="020B0609020204030204" pitchFamily="49" charset="0"/>
@@ -5262,6 +4960,9 @@
             </a:r>
             <a:br>
               <a:rPr lang="en-US" sz="1800">
+                <a:solidFill>
+                  <a:schemeClr val="tx1"/>
+                </a:solidFill>
                 <a:effectLst/>
                 <a:latin typeface="Consolas" panose="020B0609020204030204" pitchFamily="49" charset="0"/>
                 <a:ea typeface="Calibri" panose="020F0502020204030204" pitchFamily="34" charset="0"/>
@@ -5270,6 +4971,9 @@
             </a:br>
             <a:br>
               <a:rPr lang="en-US" sz="1800">
+                <a:solidFill>
+                  <a:schemeClr val="tx1"/>
+                </a:solidFill>
                 <a:effectLst/>
                 <a:latin typeface="Consolas" panose="020B0609020204030204" pitchFamily="49" charset="0"/>
                 <a:ea typeface="Calibri" panose="020F0502020204030204" pitchFamily="34" charset="0"/>
@@ -5278,6 +4982,9 @@
             </a:br>
             <a:r>
               <a:rPr lang="en-US" sz="1800">
+                <a:solidFill>
+                  <a:schemeClr val="tx1"/>
+                </a:solidFill>
                 <a:effectLst/>
                 <a:latin typeface="Consolas" panose="020B0609020204030204" pitchFamily="49" charset="0"/>
                 <a:ea typeface="Calibri" panose="020F0502020204030204" pitchFamily="34" charset="0"/>
@@ -5287,9 +4994,12 @@
             </a:r>
             <a:r>
               <a:rPr lang="en-US" sz="1800" b="1">
+                <a:solidFill>
+                  <a:schemeClr val="tx1"/>
+                </a:solidFill>
                 <a:effectLst/>
                 <a:highlight>
-                  <a:srgbClr val="FFFF00"/>
+                  <a:srgbClr val="808000"/>
                 </a:highlight>
                 <a:latin typeface="Consolas" panose="020B0609020204030204" pitchFamily="49" charset="0"/>
                 <a:ea typeface="Calibri" panose="020F0502020204030204" pitchFamily="34" charset="0"/>
@@ -5299,6 +5009,9 @@
             </a:r>
             <a:r>
               <a:rPr lang="en-US" sz="1800">
+                <a:solidFill>
+                  <a:schemeClr val="tx1"/>
+                </a:solidFill>
                 <a:effectLst/>
                 <a:latin typeface="Consolas" panose="020B0609020204030204" pitchFamily="49" charset="0"/>
                 <a:ea typeface="Calibri" panose="020F0502020204030204" pitchFamily="34" charset="0"/>
@@ -5308,6 +5021,9 @@
             </a:r>
             <a:br>
               <a:rPr lang="en-US" sz="1800">
+                <a:solidFill>
+                  <a:schemeClr val="tx1"/>
+                </a:solidFill>
                 <a:effectLst/>
                 <a:latin typeface="Consolas" panose="020B0609020204030204" pitchFamily="49" charset="0"/>
                 <a:ea typeface="Calibri" panose="020F0502020204030204" pitchFamily="34" charset="0"/>
@@ -5316,6 +5032,9 @@
             </a:br>
             <a:r>
               <a:rPr lang="en-US" sz="1800">
+                <a:solidFill>
+                  <a:schemeClr val="tx1"/>
+                </a:solidFill>
                 <a:effectLst/>
                 <a:latin typeface="Consolas" panose="020B0609020204030204" pitchFamily="49" charset="0"/>
                 <a:ea typeface="Calibri" panose="020F0502020204030204" pitchFamily="34" charset="0"/>
@@ -5325,9 +5044,12 @@
             </a:r>
             <a:r>
               <a:rPr lang="en-US" sz="1800" b="1">
+                <a:solidFill>
+                  <a:schemeClr val="tx1"/>
+                </a:solidFill>
                 <a:effectLst/>
                 <a:highlight>
-                  <a:srgbClr val="FFFF00"/>
+                  <a:srgbClr val="808000"/>
                 </a:highlight>
                 <a:latin typeface="Consolas" panose="020B0609020204030204" pitchFamily="49" charset="0"/>
                 <a:ea typeface="Calibri" panose="020F0502020204030204" pitchFamily="34" charset="0"/>
@@ -5337,9 +5059,12 @@
             </a:r>
             <a:r>
               <a:rPr lang="en-US" sz="1800">
+                <a:solidFill>
+                  <a:schemeClr val="tx1"/>
+                </a:solidFill>
                 <a:effectLst/>
                 <a:highlight>
-                  <a:srgbClr val="FFFF00"/>
+                  <a:srgbClr val="808000"/>
                 </a:highlight>
                 <a:latin typeface="Consolas" panose="020B0609020204030204" pitchFamily="49" charset="0"/>
                 <a:ea typeface="Calibri" panose="020F0502020204030204" pitchFamily="34" charset="0"/>
@@ -5349,6 +5074,9 @@
             </a:r>
             <a:r>
               <a:rPr lang="en-US" sz="1800">
+                <a:solidFill>
+                  <a:schemeClr val="tx1"/>
+                </a:solidFill>
                 <a:effectLst/>
                 <a:latin typeface="Consolas" panose="020B0609020204030204" pitchFamily="49" charset="0"/>
                 <a:ea typeface="Calibri" panose="020F0502020204030204" pitchFamily="34" charset="0"/>
@@ -5358,6 +5086,9 @@
             </a:r>
             <a:br>
               <a:rPr lang="en-US" sz="1800">
+                <a:solidFill>
+                  <a:schemeClr val="tx1"/>
+                </a:solidFill>
                 <a:effectLst/>
                 <a:latin typeface="Consolas" panose="020B0609020204030204" pitchFamily="49" charset="0"/>
                 <a:ea typeface="Calibri" panose="020F0502020204030204" pitchFamily="34" charset="0"/>
@@ -5366,6 +5097,9 @@
             </a:br>
             <a:r>
               <a:rPr lang="en-US" sz="1800">
+                <a:solidFill>
+                  <a:schemeClr val="tx1"/>
+                </a:solidFill>
                 <a:effectLst/>
                 <a:latin typeface="Consolas" panose="020B0609020204030204" pitchFamily="49" charset="0"/>
                 <a:ea typeface="Calibri" panose="020F0502020204030204" pitchFamily="34" charset="0"/>
@@ -5374,6 +5108,9 @@
               <a:t>}</a:t>
             </a:r>
             <a:endParaRPr lang="en-GB" sz="2800">
+              <a:solidFill>
+                <a:schemeClr val="tx1"/>
+              </a:solidFill>
               <a:effectLst/>
               <a:latin typeface="Calibri" panose="020F0502020204030204" pitchFamily="34" charset="0"/>
               <a:ea typeface="Calibri" panose="020F0502020204030204" pitchFamily="34" charset="0"/>
@@ -5392,13 +5129,13 @@
   <p:clrMapOvr>
     <a:masterClrMapping/>
   </p:clrMapOvr>
-  <mc:AlternateContent xmlns:mc="http://schemas.openxmlformats.org/markup-compatibility/2006">
-    <mc:Choice xmlns:p159="http://schemas.microsoft.com/office/powerpoint/2015/09/main" Requires="p159">
+  <mc:AlternateContent xmlns:mc="http://schemas.openxmlformats.org/markup-compatibility/2006" xmlns:p159="http://schemas.microsoft.com/office/powerpoint/2015/09/main">
+    <mc:Choice Requires="p159">
       <p:transition xmlns:p14="http://schemas.microsoft.com/office/powerpoint/2010/main" spd="slow" p14:dur="2000">
         <p159:morph option="byObject"/>
       </p:transition>
     </mc:Choice>
-    <mc:Fallback>
+    <mc:Fallback xmlns="">
       <p:transition spd="slow">
         <p:fade/>
       </p:transition>
@@ -5448,7 +5185,7 @@
         </p:nvSpPr>
         <p:spPr>
           <a:xfrm>
-            <a:off x="6096000" y="239713"/>
+            <a:off x="6424613" y="239713"/>
             <a:ext cx="5767387" cy="349250"/>
           </a:xfrm>
         </p:spPr>
@@ -5463,7 +5200,8 @@
               <a:rPr lang="ro-RO" sz="1600" noProof="1">
                 <a:solidFill>
                   <a:schemeClr val="bg1">
-                    <a:lumMod val="75000"/>
+                    <a:lumMod val="50000"/>
+                    <a:lumOff val="50000"/>
                   </a:schemeClr>
                 </a:solidFill>
               </a:rPr>
@@ -5490,7 +5228,7 @@
         </p:nvSpPr>
         <p:spPr>
           <a:xfrm>
-            <a:off x="6096000" y="588963"/>
+            <a:off x="6424613" y="588963"/>
             <a:ext cx="5767387" cy="347662"/>
           </a:xfrm>
         </p:spPr>
@@ -5507,7 +5245,8 @@
               <a:rPr lang="ro-RO" sz="1000" noProof="1">
                 <a:solidFill>
                   <a:schemeClr val="bg1">
-                    <a:lumMod val="75000"/>
+                    <a:lumMod val="50000"/>
+                    <a:lumOff val="50000"/>
                   </a:schemeClr>
                 </a:solidFill>
               </a:rPr>
@@ -5517,7 +5256,8 @@
               <a:rPr lang="ro-RO" sz="1000" noProof="1">
                 <a:solidFill>
                   <a:schemeClr val="bg1">
-                    <a:lumMod val="75000"/>
+                    <a:lumMod val="50000"/>
+                    <a:lumOff val="50000"/>
                   </a:schemeClr>
                 </a:solidFill>
               </a:rPr>
@@ -5526,7 +5266,8 @@
               <a:rPr lang="ro-RO" sz="1000" noProof="1">
                 <a:solidFill>
                   <a:schemeClr val="bg1">
-                    <a:lumMod val="75000"/>
+                    <a:lumMod val="50000"/>
+                    <a:lumOff val="50000"/>
                   </a:schemeClr>
                 </a:solidFill>
               </a:rPr>
@@ -5693,6 +5434,7 @@
           <a:prstGeom prst="rect">
             <a:avLst/>
           </a:prstGeom>
+          <a:noFill/>
           <a:ln cap="flat" cmpd="sng">
             <a:noFill/>
             <a:prstDash val="sysDot"/>
@@ -5730,6 +5472,9 @@
             </a:pPr>
             <a:r>
               <a:rPr lang="en-GB">
+                <a:solidFill>
+                  <a:schemeClr val="tx1"/>
+                </a:solidFill>
                 <a:effectLst/>
                 <a:latin typeface="Consolas" panose="020B0609020204030204" pitchFamily="49" charset="0"/>
                 <a:ea typeface="Calibri" panose="020F0502020204030204" pitchFamily="34" charset="0"/>
@@ -5739,9 +5484,12 @@
             </a:r>
             <a:r>
               <a:rPr lang="en-GB" b="1">
+                <a:solidFill>
+                  <a:schemeClr val="tx1"/>
+                </a:solidFill>
                 <a:effectLst/>
                 <a:highlight>
-                  <a:srgbClr val="FFFF00"/>
+                  <a:srgbClr val="808000"/>
                 </a:highlight>
                 <a:latin typeface="Consolas" panose="020B0609020204030204" pitchFamily="49" charset="0"/>
                 <a:ea typeface="Calibri" panose="020F0502020204030204" pitchFamily="34" charset="0"/>
@@ -5751,6 +5499,9 @@
             </a:r>
             <a:r>
               <a:rPr lang="en-GB">
+                <a:solidFill>
+                  <a:schemeClr val="tx1"/>
+                </a:solidFill>
                 <a:effectLst/>
                 <a:latin typeface="Consolas" panose="020B0609020204030204" pitchFamily="49" charset="0"/>
                 <a:ea typeface="Calibri" panose="020F0502020204030204" pitchFamily="34" charset="0"/>
@@ -5771,6 +5522,9 @@
             </a:pPr>
             <a:r>
               <a:rPr lang="en-GB">
+                <a:solidFill>
+                  <a:schemeClr val="tx1"/>
+                </a:solidFill>
                 <a:effectLst/>
                 <a:latin typeface="Consolas" panose="020B0609020204030204" pitchFamily="49" charset="0"/>
                 <a:ea typeface="Calibri" panose="020F0502020204030204" pitchFamily="34" charset="0"/>
@@ -5780,9 +5534,12 @@
             </a:r>
             <a:r>
               <a:rPr lang="en-GB" b="1">
+                <a:solidFill>
+                  <a:schemeClr val="tx1"/>
+                </a:solidFill>
                 <a:effectLst/>
                 <a:highlight>
-                  <a:srgbClr val="FFFF00"/>
+                  <a:srgbClr val="808000"/>
                 </a:highlight>
                 <a:latin typeface="Consolas" panose="020B0609020204030204" pitchFamily="49" charset="0"/>
                 <a:ea typeface="Calibri" panose="020F0502020204030204" pitchFamily="34" charset="0"/>
@@ -5803,6 +5560,9 @@
             </a:pPr>
             <a:r>
               <a:rPr lang="en-GB">
+                <a:solidFill>
+                  <a:schemeClr val="tx1"/>
+                </a:solidFill>
                 <a:effectLst/>
                 <a:latin typeface="Consolas" panose="020B0609020204030204" pitchFamily="49" charset="0"/>
                 <a:ea typeface="Calibri" panose="020F0502020204030204" pitchFamily="34" charset="0"/>
@@ -5824,9 +5584,7 @@
             <a:r>
               <a:rPr lang="en-GB">
                 <a:solidFill>
-                  <a:schemeClr val="bg1">
-                    <a:lumMod val="65000"/>
-                  </a:schemeClr>
+                  <a:schemeClr val="tx1"/>
                 </a:solidFill>
                 <a:effectLst/>
                 <a:latin typeface="Consolas" panose="020B0609020204030204" pitchFamily="49" charset="0"/>
@@ -5838,9 +5596,7 @@
             <a:r>
               <a:rPr lang="en-GB" b="1">
                 <a:solidFill>
-                  <a:schemeClr val="bg1">
-                    <a:lumMod val="50000"/>
-                  </a:schemeClr>
+                  <a:schemeClr val="tx1"/>
                 </a:solidFill>
                 <a:effectLst/>
                 <a:latin typeface="Consolas" panose="020B0609020204030204" pitchFamily="49" charset="0"/>
@@ -5863,9 +5619,7 @@
             <a:r>
               <a:rPr lang="en-GB">
                 <a:solidFill>
-                  <a:schemeClr val="bg1">
-                    <a:lumMod val="65000"/>
-                  </a:schemeClr>
+                  <a:schemeClr val="tx1"/>
                 </a:solidFill>
                 <a:effectLst/>
                 <a:latin typeface="Consolas" panose="020B0609020204030204" pitchFamily="49" charset="0"/>
@@ -5877,9 +5631,7 @@
             <a:r>
               <a:rPr lang="en-GB" b="1">
                 <a:solidFill>
-                  <a:schemeClr val="bg1">
-                    <a:lumMod val="50000"/>
-                  </a:schemeClr>
+                  <a:schemeClr val="tx1"/>
                 </a:solidFill>
                 <a:effectLst/>
                 <a:latin typeface="Consolas" panose="020B0609020204030204" pitchFamily="49" charset="0"/>
@@ -5891,9 +5643,7 @@
             <a:r>
               <a:rPr lang="en-GB">
                 <a:solidFill>
-                  <a:schemeClr val="bg1">
-                    <a:lumMod val="65000"/>
-                  </a:schemeClr>
+                  <a:schemeClr val="tx1"/>
                 </a:solidFill>
                 <a:effectLst/>
                 <a:latin typeface="Consolas" panose="020B0609020204030204" pitchFamily="49" charset="0"/>
@@ -5916,9 +5666,7 @@
             <a:r>
               <a:rPr lang="en-GB">
                 <a:solidFill>
-                  <a:schemeClr val="bg1">
-                    <a:lumMod val="65000"/>
-                  </a:schemeClr>
+                  <a:schemeClr val="tx1"/>
                 </a:solidFill>
                 <a:effectLst/>
                 <a:latin typeface="Consolas" panose="020B0609020204030204" pitchFamily="49" charset="0"/>
@@ -5941,9 +5689,7 @@
             <a:r>
               <a:rPr lang="en-GB">
                 <a:solidFill>
-                  <a:schemeClr val="bg1">
-                    <a:lumMod val="65000"/>
-                  </a:schemeClr>
+                  <a:schemeClr val="tx1"/>
                 </a:solidFill>
                 <a:effectLst/>
                 <a:latin typeface="Consolas" panose="020B0609020204030204" pitchFamily="49" charset="0"/>
@@ -5965,6 +5711,9 @@
             </a:pPr>
             <a:r>
               <a:rPr lang="en-GB">
+                <a:solidFill>
+                  <a:schemeClr val="tx1"/>
+                </a:solidFill>
                 <a:effectLst/>
                 <a:latin typeface="Consolas" panose="020B0609020204030204" pitchFamily="49" charset="0"/>
                 <a:ea typeface="Calibri" panose="020F0502020204030204" pitchFamily="34" charset="0"/>
@@ -5985,6 +5734,9 @@
             </a:pPr>
             <a:r>
               <a:rPr lang="en-GB">
+                <a:solidFill>
+                  <a:schemeClr val="tx1"/>
+                </a:solidFill>
                 <a:effectLst/>
                 <a:latin typeface="Consolas" panose="020B0609020204030204" pitchFamily="49" charset="0"/>
                 <a:ea typeface="Calibri" panose="020F0502020204030204" pitchFamily="34" charset="0"/>
@@ -6005,13 +5757,13 @@
   <p:clrMapOvr>
     <a:masterClrMapping/>
   </p:clrMapOvr>
-  <mc:AlternateContent xmlns:mc="http://schemas.openxmlformats.org/markup-compatibility/2006">
-    <mc:Choice xmlns:p159="http://schemas.microsoft.com/office/powerpoint/2015/09/main" Requires="p159">
+  <mc:AlternateContent xmlns:mc="http://schemas.openxmlformats.org/markup-compatibility/2006" xmlns:p159="http://schemas.microsoft.com/office/powerpoint/2015/09/main">
+    <mc:Choice Requires="p159">
       <p:transition xmlns:p14="http://schemas.microsoft.com/office/powerpoint/2010/main" spd="slow" p14:dur="2000">
         <p159:morph option="byObject"/>
       </p:transition>
     </mc:Choice>
-    <mc:Fallback>
+    <mc:Fallback xmlns="">
       <p:transition spd="slow">
         <p:fade/>
       </p:transition>
@@ -6061,7 +5813,7 @@
         </p:nvSpPr>
         <p:spPr>
           <a:xfrm>
-            <a:off x="6096000" y="239713"/>
+            <a:off x="6424613" y="239713"/>
             <a:ext cx="5767387" cy="349250"/>
           </a:xfrm>
         </p:spPr>
@@ -6076,7 +5828,8 @@
               <a:rPr lang="ro-RO" sz="1600" noProof="1">
                 <a:solidFill>
                   <a:schemeClr val="bg1">
-                    <a:lumMod val="75000"/>
+                    <a:lumMod val="50000"/>
+                    <a:lumOff val="50000"/>
                   </a:schemeClr>
                 </a:solidFill>
               </a:rPr>
@@ -6103,7 +5856,7 @@
         </p:nvSpPr>
         <p:spPr>
           <a:xfrm>
-            <a:off x="6096000" y="588963"/>
+            <a:off x="6424613" y="588963"/>
             <a:ext cx="5767387" cy="347662"/>
           </a:xfrm>
         </p:spPr>
@@ -6120,7 +5873,8 @@
               <a:rPr lang="ro-RO" sz="1000" noProof="1">
                 <a:solidFill>
                   <a:schemeClr val="bg1">
-                    <a:lumMod val="75000"/>
+                    <a:lumMod val="50000"/>
+                    <a:lumOff val="50000"/>
                   </a:schemeClr>
                 </a:solidFill>
               </a:rPr>
@@ -6130,7 +5884,8 @@
               <a:rPr lang="ro-RO" sz="1000" noProof="1">
                 <a:solidFill>
                   <a:schemeClr val="bg1">
-                    <a:lumMod val="75000"/>
+                    <a:lumMod val="50000"/>
+                    <a:lumOff val="50000"/>
                   </a:schemeClr>
                 </a:solidFill>
               </a:rPr>
@@ -6139,7 +5894,8 @@
               <a:rPr lang="ro-RO" sz="1000" noProof="1">
                 <a:solidFill>
                   <a:schemeClr val="bg1">
-                    <a:lumMod val="75000"/>
+                    <a:lumMod val="50000"/>
+                    <a:lumOff val="50000"/>
                   </a:schemeClr>
                 </a:solidFill>
               </a:rPr>
@@ -6272,6 +6028,7 @@
           <a:prstGeom prst="rect">
             <a:avLst/>
           </a:prstGeom>
+          <a:noFill/>
           <a:ln cap="flat" cmpd="sng">
             <a:noFill/>
             <a:prstDash val="lgDash"/>
@@ -6309,6 +6066,9 @@
             </a:pPr>
             <a:r>
               <a:rPr lang="en-GB">
+                <a:solidFill>
+                  <a:schemeClr val="tx1"/>
+                </a:solidFill>
                 <a:effectLst/>
                 <a:latin typeface="Consolas" panose="020B0609020204030204" pitchFamily="49" charset="0"/>
                 <a:ea typeface="Calibri" panose="020F0502020204030204" pitchFamily="34" charset="0"/>
@@ -6318,9 +6078,12 @@
             </a:r>
             <a:r>
               <a:rPr lang="en-GB" b="1">
+                <a:solidFill>
+                  <a:schemeClr val="tx1"/>
+                </a:solidFill>
                 <a:effectLst/>
                 <a:highlight>
-                  <a:srgbClr val="FFFF00"/>
+                  <a:srgbClr val="808000"/>
                 </a:highlight>
                 <a:latin typeface="Consolas" panose="020B0609020204030204" pitchFamily="49" charset="0"/>
                 <a:ea typeface="Calibri" panose="020F0502020204030204" pitchFamily="34" charset="0"/>
@@ -6330,6 +6093,9 @@
             </a:r>
             <a:r>
               <a:rPr lang="en-GB">
+                <a:solidFill>
+                  <a:schemeClr val="tx1"/>
+                </a:solidFill>
                 <a:effectLst/>
                 <a:latin typeface="Consolas" panose="020B0609020204030204" pitchFamily="49" charset="0"/>
                 <a:ea typeface="Calibri" panose="020F0502020204030204" pitchFamily="34" charset="0"/>
@@ -6350,6 +6116,9 @@
             </a:pPr>
             <a:r>
               <a:rPr lang="en-GB">
+                <a:solidFill>
+                  <a:schemeClr val="tx1"/>
+                </a:solidFill>
                 <a:effectLst/>
                 <a:latin typeface="Consolas" panose="020B0609020204030204" pitchFamily="49" charset="0"/>
                 <a:ea typeface="Calibri" panose="020F0502020204030204" pitchFamily="34" charset="0"/>
@@ -6370,26 +6139,15 @@
             </a:pPr>
             <a:r>
               <a:rPr lang="en-GB">
+                <a:solidFill>
+                  <a:schemeClr val="tx1"/>
+                </a:solidFill>
                 <a:effectLst/>
                 <a:latin typeface="Consolas" panose="020B0609020204030204" pitchFamily="49" charset="0"/>
                 <a:ea typeface="Calibri" panose="020F0502020204030204" pitchFamily="34" charset="0"/>
                 <a:cs typeface="Times New Roman" panose="02020603050405020304" pitchFamily="18" charset="0"/>
               </a:rPr>
-              <a:t>    </a:t>
-            </a:r>
-            <a:r>
-              <a:rPr lang="en-GB">
-                <a:solidFill>
-                  <a:schemeClr val="bg1">
-                    <a:lumMod val="65000"/>
-                  </a:schemeClr>
-                </a:solidFill>
-                <a:effectLst/>
-                <a:latin typeface="Consolas" panose="020B0609020204030204" pitchFamily="49" charset="0"/>
-                <a:ea typeface="Calibri" panose="020F0502020204030204" pitchFamily="34" charset="0"/>
-                <a:cs typeface="Times New Roman" panose="02020603050405020304" pitchFamily="18" charset="0"/>
-              </a:rPr>
-              <a:t>...</a:t>
+              <a:t>    ...</a:t>
             </a:r>
           </a:p>
           <a:p>
@@ -6404,6 +6162,9 @@
             </a:pPr>
             <a:r>
               <a:rPr lang="en-GB">
+                <a:solidFill>
+                  <a:schemeClr val="tx1"/>
+                </a:solidFill>
                 <a:effectLst/>
                 <a:latin typeface="Consolas" panose="020B0609020204030204" pitchFamily="49" charset="0"/>
                 <a:ea typeface="Calibri" panose="020F0502020204030204" pitchFamily="34" charset="0"/>
@@ -6425,9 +6186,7 @@
             <a:r>
               <a:rPr lang="en-GB">
                 <a:solidFill>
-                  <a:schemeClr val="bg1">
-                    <a:lumMod val="65000"/>
-                  </a:schemeClr>
+                  <a:schemeClr val="tx1"/>
                 </a:solidFill>
                 <a:effectLst/>
                 <a:latin typeface="Consolas" panose="020B0609020204030204" pitchFamily="49" charset="0"/>
@@ -6449,6 +6208,9 @@
             </a:pPr>
             <a:r>
               <a:rPr lang="en-GB">
+                <a:solidFill>
+                  <a:schemeClr val="tx1"/>
+                </a:solidFill>
                 <a:effectLst/>
                 <a:latin typeface="Consolas" panose="020B0609020204030204" pitchFamily="49" charset="0"/>
                 <a:ea typeface="Calibri" panose="020F0502020204030204" pitchFamily="34" charset="0"/>
@@ -6458,9 +6220,12 @@
             </a:r>
             <a:r>
               <a:rPr lang="en-GB" b="1">
+                <a:solidFill>
+                  <a:schemeClr val="tx1"/>
+                </a:solidFill>
                 <a:effectLst/>
                 <a:highlight>
-                  <a:srgbClr val="FFFF00"/>
+                  <a:srgbClr val="808000"/>
                 </a:highlight>
                 <a:latin typeface="Consolas" panose="020B0609020204030204" pitchFamily="49" charset="0"/>
                 <a:ea typeface="Calibri" panose="020F0502020204030204" pitchFamily="34" charset="0"/>
@@ -6481,13 +6246,13 @@
   <p:clrMapOvr>
     <a:masterClrMapping/>
   </p:clrMapOvr>
-  <mc:AlternateContent xmlns:mc="http://schemas.openxmlformats.org/markup-compatibility/2006">
-    <mc:Choice xmlns:p159="http://schemas.microsoft.com/office/powerpoint/2015/09/main" Requires="p159">
+  <mc:AlternateContent xmlns:mc="http://schemas.openxmlformats.org/markup-compatibility/2006" xmlns:p159="http://schemas.microsoft.com/office/powerpoint/2015/09/main">
+    <mc:Choice Requires="p159">
       <p:transition xmlns:p14="http://schemas.microsoft.com/office/powerpoint/2010/main" spd="slow" p14:dur="2000">
         <p159:morph option="byObject"/>
       </p:transition>
     </mc:Choice>
-    <mc:Fallback>
+    <mc:Fallback xmlns="">
       <p:transition spd="slow">
         <p:fade/>
       </p:transition>
@@ -6537,7 +6302,7 @@
         </p:nvSpPr>
         <p:spPr>
           <a:xfrm>
-            <a:off x="6096000" y="239713"/>
+            <a:off x="6424613" y="239713"/>
             <a:ext cx="5767387" cy="349250"/>
           </a:xfrm>
         </p:spPr>
@@ -6552,7 +6317,8 @@
               <a:rPr lang="ro-RO" sz="1600" noProof="1">
                 <a:solidFill>
                   <a:schemeClr val="bg1">
-                    <a:lumMod val="75000"/>
+                    <a:lumMod val="50000"/>
+                    <a:lumOff val="50000"/>
                   </a:schemeClr>
                 </a:solidFill>
               </a:rPr>
@@ -6579,7 +6345,7 @@
         </p:nvSpPr>
         <p:spPr>
           <a:xfrm>
-            <a:off x="6096000" y="588963"/>
+            <a:off x="6424613" y="588963"/>
             <a:ext cx="5767387" cy="347662"/>
           </a:xfrm>
         </p:spPr>
@@ -6596,7 +6362,8 @@
               <a:rPr lang="ro-RO" sz="1000" noProof="1">
                 <a:solidFill>
                   <a:schemeClr val="bg1">
-                    <a:lumMod val="75000"/>
+                    <a:lumMod val="50000"/>
+                    <a:lumOff val="50000"/>
                   </a:schemeClr>
                 </a:solidFill>
               </a:rPr>
@@ -6606,7 +6373,8 @@
               <a:rPr lang="ro-RO" sz="1000" noProof="1">
                 <a:solidFill>
                   <a:schemeClr val="bg1">
-                    <a:lumMod val="75000"/>
+                    <a:lumMod val="50000"/>
+                    <a:lumOff val="50000"/>
                   </a:schemeClr>
                 </a:solidFill>
               </a:rPr>
@@ -6615,7 +6383,8 @@
               <a:rPr lang="ro-RO" sz="1000" noProof="1">
                 <a:solidFill>
                   <a:schemeClr val="bg1">
-                    <a:lumMod val="75000"/>
+                    <a:lumMod val="50000"/>
+                    <a:lumOff val="50000"/>
                   </a:schemeClr>
                 </a:solidFill>
               </a:rPr>
@@ -6762,6 +6531,7 @@
           <a:prstGeom prst="rect">
             <a:avLst/>
           </a:prstGeom>
+          <a:noFill/>
           <a:ln cap="flat" cmpd="sng">
             <a:noFill/>
             <a:prstDash val="lgDash"/>
@@ -6799,9 +6569,12 @@
             </a:pPr>
             <a:r>
               <a:rPr lang="en-GB" b="1">
+                <a:solidFill>
+                  <a:schemeClr val="tx1"/>
+                </a:solidFill>
                 <a:effectLst/>
                 <a:highlight>
-                  <a:srgbClr val="FFFF00"/>
+                  <a:srgbClr val="808000"/>
                 </a:highlight>
                 <a:latin typeface="Consolas" panose="020B0609020204030204" pitchFamily="49" charset="0"/>
                 <a:ea typeface="Calibri" panose="020F0502020204030204" pitchFamily="34" charset="0"/>
@@ -6811,6 +6584,9 @@
             </a:r>
             <a:r>
               <a:rPr lang="en-GB">
+                <a:solidFill>
+                  <a:schemeClr val="tx1"/>
+                </a:solidFill>
                 <a:effectLst/>
                 <a:latin typeface="Consolas" panose="020B0609020204030204" pitchFamily="49" charset="0"/>
                 <a:ea typeface="Calibri" panose="020F0502020204030204" pitchFamily="34" charset="0"/>
@@ -6831,6 +6607,9 @@
             </a:pPr>
             <a:r>
               <a:rPr lang="en-GB">
+                <a:solidFill>
+                  <a:schemeClr val="tx1"/>
+                </a:solidFill>
                 <a:effectLst/>
                 <a:latin typeface="Consolas" panose="020B0609020204030204" pitchFamily="49" charset="0"/>
                 <a:ea typeface="Calibri" panose="020F0502020204030204" pitchFamily="34" charset="0"/>
@@ -6851,6 +6630,9 @@
             </a:pPr>
             <a:r>
               <a:rPr lang="en-GB">
+                <a:solidFill>
+                  <a:schemeClr val="tx1"/>
+                </a:solidFill>
                 <a:effectLst/>
                 <a:latin typeface="Consolas" panose="020B0609020204030204" pitchFamily="49" charset="0"/>
                 <a:ea typeface="Calibri" panose="020F0502020204030204" pitchFamily="34" charset="0"/>
@@ -6871,6 +6653,9 @@
             </a:pPr>
             <a:r>
               <a:rPr lang="en-GB">
+                <a:solidFill>
+                  <a:schemeClr val="tx1"/>
+                </a:solidFill>
                 <a:effectLst/>
                 <a:latin typeface="Consolas" panose="020B0609020204030204" pitchFamily="49" charset="0"/>
                 <a:ea typeface="Calibri" panose="020F0502020204030204" pitchFamily="34" charset="0"/>
@@ -6891,6 +6676,9 @@
             </a:pPr>
             <a:r>
               <a:rPr lang="en-GB">
+                <a:solidFill>
+                  <a:schemeClr val="tx1"/>
+                </a:solidFill>
                 <a:effectLst/>
                 <a:latin typeface="Consolas" panose="020B0609020204030204" pitchFamily="49" charset="0"/>
                 <a:ea typeface="Calibri" panose="020F0502020204030204" pitchFamily="34" charset="0"/>
@@ -6911,6 +6699,9 @@
             </a:pPr>
             <a:r>
               <a:rPr lang="en-GB">
+                <a:solidFill>
+                  <a:schemeClr val="tx1"/>
+                </a:solidFill>
                 <a:effectLst/>
                 <a:latin typeface="Consolas" panose="020B0609020204030204" pitchFamily="49" charset="0"/>
                 <a:ea typeface="Calibri" panose="020F0502020204030204" pitchFamily="34" charset="0"/>
@@ -6920,9 +6711,12 @@
             </a:r>
             <a:r>
               <a:rPr lang="en-GB" b="1">
+                <a:solidFill>
+                  <a:schemeClr val="tx1"/>
+                </a:solidFill>
                 <a:effectLst/>
                 <a:highlight>
-                  <a:srgbClr val="FFFF00"/>
+                  <a:srgbClr val="808000"/>
                 </a:highlight>
                 <a:latin typeface="Consolas" panose="020B0609020204030204" pitchFamily="49" charset="0"/>
                 <a:ea typeface="Calibri" panose="020F0502020204030204" pitchFamily="34" charset="0"/>
@@ -6932,6 +6726,9 @@
             </a:r>
             <a:r>
               <a:rPr lang="en-GB">
+                <a:solidFill>
+                  <a:schemeClr val="tx1"/>
+                </a:solidFill>
                 <a:effectLst/>
                 <a:latin typeface="Consolas" panose="020B0609020204030204" pitchFamily="49" charset="0"/>
                 <a:ea typeface="Calibri" panose="020F0502020204030204" pitchFamily="34" charset="0"/>
@@ -6941,9 +6738,12 @@
             </a:r>
             <a:r>
               <a:rPr lang="en-GB" b="1">
+                <a:solidFill>
+                  <a:schemeClr val="tx1"/>
+                </a:solidFill>
                 <a:effectLst/>
                 <a:highlight>
-                  <a:srgbClr val="FFFF00"/>
+                  <a:srgbClr val="808000"/>
                 </a:highlight>
                 <a:latin typeface="Consolas" panose="020B0609020204030204" pitchFamily="49" charset="0"/>
                 <a:ea typeface="Calibri" panose="020F0502020204030204" pitchFamily="34" charset="0"/>
@@ -6953,6 +6753,9 @@
             </a:r>
             <a:r>
               <a:rPr lang="en-GB">
+                <a:solidFill>
+                  <a:schemeClr val="tx1"/>
+                </a:solidFill>
                 <a:effectLst/>
                 <a:latin typeface="Consolas" panose="020B0609020204030204" pitchFamily="49" charset="0"/>
                 <a:ea typeface="Calibri" panose="020F0502020204030204" pitchFamily="34" charset="0"/>
@@ -6973,13 +6776,13 @@
   <p:clrMapOvr>
     <a:masterClrMapping/>
   </p:clrMapOvr>
-  <mc:AlternateContent xmlns:mc="http://schemas.openxmlformats.org/markup-compatibility/2006">
-    <mc:Choice xmlns:p159="http://schemas.microsoft.com/office/powerpoint/2015/09/main" Requires="p159">
+  <mc:AlternateContent xmlns:mc="http://schemas.openxmlformats.org/markup-compatibility/2006" xmlns:p159="http://schemas.microsoft.com/office/powerpoint/2015/09/main">
+    <mc:Choice Requires="p159">
       <p:transition xmlns:p14="http://schemas.microsoft.com/office/powerpoint/2010/main" spd="slow" p14:dur="2000">
         <p159:morph option="byObject"/>
       </p:transition>
     </mc:Choice>
-    <mc:Fallback>
+    <mc:Fallback xmlns="">
       <p:transition spd="slow">
         <p:fade/>
       </p:transition>
@@ -7029,7 +6832,7 @@
         </p:nvSpPr>
         <p:spPr>
           <a:xfrm>
-            <a:off x="6096000" y="239713"/>
+            <a:off x="6424613" y="239713"/>
             <a:ext cx="5767387" cy="349250"/>
           </a:xfrm>
         </p:spPr>
@@ -7044,7 +6847,8 @@
               <a:rPr lang="ro-RO" sz="1600" noProof="1">
                 <a:solidFill>
                   <a:schemeClr val="bg1">
-                    <a:lumMod val="75000"/>
+                    <a:lumMod val="50000"/>
+                    <a:lumOff val="50000"/>
                   </a:schemeClr>
                 </a:solidFill>
               </a:rPr>
@@ -7071,7 +6875,7 @@
         </p:nvSpPr>
         <p:spPr>
           <a:xfrm>
-            <a:off x="6096000" y="588963"/>
+            <a:off x="6424613" y="588963"/>
             <a:ext cx="5767387" cy="347662"/>
           </a:xfrm>
         </p:spPr>
@@ -7088,7 +6892,8 @@
               <a:rPr lang="ro-RO" sz="1000" noProof="1">
                 <a:solidFill>
                   <a:schemeClr val="bg1">
-                    <a:lumMod val="75000"/>
+                    <a:lumMod val="50000"/>
+                    <a:lumOff val="50000"/>
                   </a:schemeClr>
                 </a:solidFill>
               </a:rPr>
@@ -7098,7 +6903,8 @@
               <a:rPr lang="ro-RO" sz="1000" noProof="1">
                 <a:solidFill>
                   <a:schemeClr val="bg1">
-                    <a:lumMod val="75000"/>
+                    <a:lumMod val="50000"/>
+                    <a:lumOff val="50000"/>
                   </a:schemeClr>
                 </a:solidFill>
               </a:rPr>
@@ -7107,7 +6913,8 @@
               <a:rPr lang="ro-RO" sz="1000" noProof="1">
                 <a:solidFill>
                   <a:schemeClr val="bg1">
-                    <a:lumMod val="75000"/>
+                    <a:lumMod val="50000"/>
+                    <a:lumOff val="50000"/>
                   </a:schemeClr>
                 </a:solidFill>
               </a:rPr>
@@ -7263,13 +7070,13 @@
   <p:clrMapOvr>
     <a:masterClrMapping/>
   </p:clrMapOvr>
-  <mc:AlternateContent xmlns:mc="http://schemas.openxmlformats.org/markup-compatibility/2006">
-    <mc:Choice xmlns:p159="http://schemas.microsoft.com/office/powerpoint/2015/09/main" Requires="p159">
+  <mc:AlternateContent xmlns:mc="http://schemas.openxmlformats.org/markup-compatibility/2006" xmlns:p159="http://schemas.microsoft.com/office/powerpoint/2015/09/main">
+    <mc:Choice Requires="p159">
       <p:transition xmlns:p14="http://schemas.microsoft.com/office/powerpoint/2010/main" spd="slow" p14:dur="2000">
         <p159:morph option="byObject"/>
       </p:transition>
     </mc:Choice>
-    <mc:Fallback>
+    <mc:Fallback xmlns="">
       <p:transition spd="slow">
         <p:fade/>
       </p:transition>
@@ -7319,7 +7126,7 @@
         </p:nvSpPr>
         <p:spPr>
           <a:xfrm>
-            <a:off x="6096000" y="239713"/>
+            <a:off x="6424613" y="239713"/>
             <a:ext cx="5767387" cy="349250"/>
           </a:xfrm>
         </p:spPr>
@@ -7334,7 +7141,8 @@
               <a:rPr lang="ro-RO" sz="1600" noProof="1">
                 <a:solidFill>
                   <a:schemeClr val="bg1">
-                    <a:lumMod val="75000"/>
+                    <a:lumMod val="50000"/>
+                    <a:lumOff val="50000"/>
                   </a:schemeClr>
                 </a:solidFill>
               </a:rPr>
@@ -7361,7 +7169,7 @@
         </p:nvSpPr>
         <p:spPr>
           <a:xfrm>
-            <a:off x="6096000" y="588963"/>
+            <a:off x="6424613" y="588963"/>
             <a:ext cx="5767387" cy="347662"/>
           </a:xfrm>
         </p:spPr>
@@ -7378,7 +7186,8 @@
               <a:rPr lang="ro-RO" sz="1000" noProof="1">
                 <a:solidFill>
                   <a:schemeClr val="bg1">
-                    <a:lumMod val="75000"/>
+                    <a:lumMod val="50000"/>
+                    <a:lumOff val="50000"/>
                   </a:schemeClr>
                 </a:solidFill>
               </a:rPr>
@@ -7388,7 +7197,8 @@
               <a:rPr lang="ro-RO" sz="1000" noProof="1">
                 <a:solidFill>
                   <a:schemeClr val="bg1">
-                    <a:lumMod val="75000"/>
+                    <a:lumMod val="50000"/>
+                    <a:lumOff val="50000"/>
                   </a:schemeClr>
                 </a:solidFill>
               </a:rPr>
@@ -7397,7 +7207,8 @@
               <a:rPr lang="ro-RO" sz="1000" noProof="1">
                 <a:solidFill>
                   <a:schemeClr val="bg1">
-                    <a:lumMod val="75000"/>
+                    <a:lumMod val="50000"/>
+                    <a:lumOff val="50000"/>
                   </a:schemeClr>
                 </a:solidFill>
               </a:rPr>
@@ -7488,6 +7299,7 @@
                 <a:solidFill>
                   <a:schemeClr val="bg1">
                     <a:lumMod val="50000"/>
+                    <a:lumOff val="50000"/>
                   </a:schemeClr>
                 </a:solidFill>
               </a:rPr>
@@ -7586,6 +7398,7 @@
                 <a:solidFill>
                   <a:schemeClr val="bg1">
                     <a:lumMod val="50000"/>
+                    <a:lumOff val="50000"/>
                   </a:schemeClr>
                 </a:solidFill>
               </a:rPr>
@@ -7801,13 +7614,13 @@
   <p:clrMapOvr>
     <a:masterClrMapping/>
   </p:clrMapOvr>
-  <mc:AlternateContent xmlns:mc="http://schemas.openxmlformats.org/markup-compatibility/2006">
-    <mc:Choice xmlns:p159="http://schemas.microsoft.com/office/powerpoint/2015/09/main" Requires="p159">
+  <mc:AlternateContent xmlns:mc="http://schemas.openxmlformats.org/markup-compatibility/2006" xmlns:p159="http://schemas.microsoft.com/office/powerpoint/2015/09/main">
+    <mc:Choice Requires="p159">
       <p:transition xmlns:p14="http://schemas.microsoft.com/office/powerpoint/2010/main" spd="slow" p14:dur="2000">
         <p159:morph option="byObject"/>
       </p:transition>
     </mc:Choice>
-    <mc:Fallback>
+    <mc:Fallback xmlns="">
       <p:transition spd="slow">
         <p:fade/>
       </p:transition>
@@ -7819,7 +7632,7 @@
 <file path=ppt/theme/theme1.xml><?xml version="1.0" encoding="utf-8"?>
 <a:theme xmlns:a="http://schemas.openxmlformats.org/drawingml/2006/main" name="Office Theme">
   <a:themeElements>
-    <a:clrScheme name="Office">
+    <a:clrScheme name="Office Theme">
       <a:dk1>
         <a:sysClr val="windowText" lastClr="000000"/>
       </a:dk1>
@@ -7851,13 +7664,13 @@
         <a:srgbClr val="4EA72E"/>
       </a:accent6>
       <a:hlink>
-        <a:srgbClr val="467886"/>
+        <a:srgbClr val="538D9D"/>
       </a:hlink>
       <a:folHlink>
-        <a:srgbClr val="96607D"/>
+        <a:srgbClr val="A5738E"/>
       </a:folHlink>
     </a:clrScheme>
-    <a:fontScheme name="Office">
+    <a:fontScheme name="Office Theme">
       <a:majorFont>
         <a:latin typeface="Aptos Display" panose="02110004020202020204"/>
         <a:ea typeface=""/>
@@ -7963,7 +7776,7 @@
         <a:font script="Tfng" typeface="Ebrima"/>
       </a:minorFont>
     </a:fontScheme>
-    <a:fmtScheme name="Office">
+    <a:fmtScheme name="Office Theme">
       <a:fillStyleLst>
         <a:solidFill>
           <a:schemeClr val="phClr"/>
@@ -8125,7 +7938,7 @@
   <a:extraClrSchemeLst/>
   <a:extLst>
     <a:ext uri="{05A4C25C-085E-4340-85A3-A5531E510DB2}">
-      <thm15:themeFamily xmlns:thm15="http://schemas.microsoft.com/office/thememl/2012/main" name="Office Theme" id="{2E142A2C-CD16-42D6-873A-C26D2A0506FA}" vid="{1BDDFF52-6CD6-40A5-AB3C-68EB2F1E4D0A}"/>
+      <thm15:themeFamily xmlns:thm15="http://schemas.microsoft.com/office/thememl/2012/main" name="Office Theme" id="{2E142A2C-CD16-42D6-873A-C26D2A0506FA}" vid="{3A418E6B-C5F0-4B95-8D77-61E3EF3B5DF5}"/>
     </a:ext>
   </a:extLst>
 </a:theme>

--- a/ppt.pptx
+++ b/ppt.pptx
@@ -2,7 +2,7 @@
 <file path=ppt/presentation.xml><?xml version="1.0" encoding="utf-8"?>
 <p:presentation xmlns:a="http://schemas.openxmlformats.org/drawingml/2006/main" xmlns:r="http://schemas.openxmlformats.org/officeDocument/2006/relationships" xmlns:p="http://schemas.openxmlformats.org/presentationml/2006/main" saveSubsetFonts="1">
   <p:sldMasterIdLst>
-    <p:sldMasterId id="2147483660" r:id="rId1"/>
+    <p:sldMasterId id="2147483648" r:id="rId1"/>
   </p:sldMasterIdLst>
   <p:notesMasterIdLst>
     <p:notesMasterId r:id="rId12"/>
@@ -25,7 +25,7 @@
     <a:defPPr>
       <a:defRPr lang="en-US"/>
     </a:defPPr>
-    <a:lvl1pPr marL="0" algn="l" defTabSz="457200" rtl="0" eaLnBrk="1" latinLnBrk="0" hangingPunct="1">
+    <a:lvl1pPr marL="0" algn="l" defTabSz="914400" rtl="0" eaLnBrk="1" latinLnBrk="0" hangingPunct="1">
       <a:defRPr sz="1800" kern="1200">
         <a:solidFill>
           <a:schemeClr val="tx1"/>
@@ -35,7 +35,7 @@
         <a:cs typeface="+mn-cs"/>
       </a:defRPr>
     </a:lvl1pPr>
-    <a:lvl2pPr marL="457200" algn="l" defTabSz="457200" rtl="0" eaLnBrk="1" latinLnBrk="0" hangingPunct="1">
+    <a:lvl2pPr marL="457200" algn="l" defTabSz="914400" rtl="0" eaLnBrk="1" latinLnBrk="0" hangingPunct="1">
       <a:defRPr sz="1800" kern="1200">
         <a:solidFill>
           <a:schemeClr val="tx1"/>
@@ -45,7 +45,7 @@
         <a:cs typeface="+mn-cs"/>
       </a:defRPr>
     </a:lvl2pPr>
-    <a:lvl3pPr marL="914400" algn="l" defTabSz="457200" rtl="0" eaLnBrk="1" latinLnBrk="0" hangingPunct="1">
+    <a:lvl3pPr marL="914400" algn="l" defTabSz="914400" rtl="0" eaLnBrk="1" latinLnBrk="0" hangingPunct="1">
       <a:defRPr sz="1800" kern="1200">
         <a:solidFill>
           <a:schemeClr val="tx1"/>
@@ -55,7 +55,7 @@
         <a:cs typeface="+mn-cs"/>
       </a:defRPr>
     </a:lvl3pPr>
-    <a:lvl4pPr marL="1371600" algn="l" defTabSz="457200" rtl="0" eaLnBrk="1" latinLnBrk="0" hangingPunct="1">
+    <a:lvl4pPr marL="1371600" algn="l" defTabSz="914400" rtl="0" eaLnBrk="1" latinLnBrk="0" hangingPunct="1">
       <a:defRPr sz="1800" kern="1200">
         <a:solidFill>
           <a:schemeClr val="tx1"/>
@@ -65,7 +65,7 @@
         <a:cs typeface="+mn-cs"/>
       </a:defRPr>
     </a:lvl4pPr>
-    <a:lvl5pPr marL="1828800" algn="l" defTabSz="457200" rtl="0" eaLnBrk="1" latinLnBrk="0" hangingPunct="1">
+    <a:lvl5pPr marL="1828800" algn="l" defTabSz="914400" rtl="0" eaLnBrk="1" latinLnBrk="0" hangingPunct="1">
       <a:defRPr sz="1800" kern="1200">
         <a:solidFill>
           <a:schemeClr val="tx1"/>
@@ -75,7 +75,7 @@
         <a:cs typeface="+mn-cs"/>
       </a:defRPr>
     </a:lvl5pPr>
-    <a:lvl6pPr marL="2286000" algn="l" defTabSz="457200" rtl="0" eaLnBrk="1" latinLnBrk="0" hangingPunct="1">
+    <a:lvl6pPr marL="2286000" algn="l" defTabSz="914400" rtl="0" eaLnBrk="1" latinLnBrk="0" hangingPunct="1">
       <a:defRPr sz="1800" kern="1200">
         <a:solidFill>
           <a:schemeClr val="tx1"/>
@@ -85,7 +85,7 @@
         <a:cs typeface="+mn-cs"/>
       </a:defRPr>
     </a:lvl6pPr>
-    <a:lvl7pPr marL="2743200" algn="l" defTabSz="457200" rtl="0" eaLnBrk="1" latinLnBrk="0" hangingPunct="1">
+    <a:lvl7pPr marL="2743200" algn="l" defTabSz="914400" rtl="0" eaLnBrk="1" latinLnBrk="0" hangingPunct="1">
       <a:defRPr sz="1800" kern="1200">
         <a:solidFill>
           <a:schemeClr val="tx1"/>
@@ -95,7 +95,7 @@
         <a:cs typeface="+mn-cs"/>
       </a:defRPr>
     </a:lvl7pPr>
-    <a:lvl8pPr marL="3200400" algn="l" defTabSz="457200" rtl="0" eaLnBrk="1" latinLnBrk="0" hangingPunct="1">
+    <a:lvl8pPr marL="3200400" algn="l" defTabSz="914400" rtl="0" eaLnBrk="1" latinLnBrk="0" hangingPunct="1">
       <a:defRPr sz="1800" kern="1200">
         <a:solidFill>
           <a:schemeClr val="tx1"/>
@@ -105,7 +105,7 @@
         <a:cs typeface="+mn-cs"/>
       </a:defRPr>
     </a:lvl8pPr>
-    <a:lvl9pPr marL="3657600" algn="l" defTabSz="457200" rtl="0" eaLnBrk="1" latinLnBrk="0" hangingPunct="1">
+    <a:lvl9pPr marL="3657600" algn="l" defTabSz="914400" rtl="0" eaLnBrk="1" latinLnBrk="0" hangingPunct="1">
       <a:defRPr sz="1800" kern="1200">
         <a:solidFill>
           <a:schemeClr val="tx1"/>
@@ -116,14 +116,6 @@
       </a:defRPr>
     </a:lvl9pPr>
   </p:defaultTextStyle>
-  <p:extLst>
-    <p:ext uri="{EFAFB233-063F-42B5-8137-9DF3F51BA10A}">
-      <p15:sldGuideLst xmlns:p15="http://schemas.microsoft.com/office/powerpoint/2012/main"/>
-    </p:ext>
-    <p:ext uri="{2D200454-40CA-4A62-9FC3-DE9A4176ACB9}">
-      <p15:notesGuideLst xmlns:p15="http://schemas.microsoft.com/office/powerpoint/2012/main"/>
-    </p:ext>
-  </p:extLst>
 </p:presentation>
 </file>
 
@@ -209,7 +201,7 @@
           <a:p>
             <a:fld id="{FD8E86A0-1019-4C26-B681-F0B34216D187}" type="datetimeFigureOut">
               <a:rPr lang="en-GB" smtClean="0"/>
-              <a:t>15/01/2026</a:t>
+              <a:t>07/01/2026</a:t>
             </a:fld>
             <a:endParaRPr lang="en-GB"/>
           </a:p>
@@ -771,7 +763,13 @@
       </p:grpSpPr>
       <p:sp>
         <p:nvSpPr>
-          <p:cNvPr id="2" name="Title 1"/>
+          <p:cNvPr id="2" name="Title 1">
+            <a:extLst>
+              <a:ext uri="{FF2B5EF4-FFF2-40B4-BE49-F238E27FC236}">
+                <a16:creationId xmlns:a16="http://schemas.microsoft.com/office/drawing/2014/main" id="{5ADC6AF6-FACB-1C43-3697-335B5CD46E41}"/>
+              </a:ext>
+            </a:extLst>
+          </p:cNvPr>
           <p:cNvSpPr>
             <a:spLocks noGrp="1"/>
           </p:cNvSpPr>
@@ -797,13 +795,18 @@
               <a:rPr lang="en-GB"/>
               <a:t>Click to edit Master title style</a:t>
             </a:r>
-            <a:endParaRPr lang="en-US" dirty="0"/>
-          </a:p>
-        </p:txBody>
-      </p:sp>
-      <p:sp>
-        <p:nvSpPr>
-          <p:cNvPr id="3" name="Subtitle 2"/>
+          </a:p>
+        </p:txBody>
+      </p:sp>
+      <p:sp>
+        <p:nvSpPr>
+          <p:cNvPr id="3" name="Subtitle 2">
+            <a:extLst>
+              <a:ext uri="{FF2B5EF4-FFF2-40B4-BE49-F238E27FC236}">
+                <a16:creationId xmlns:a16="http://schemas.microsoft.com/office/drawing/2014/main" id="{BC1B1EB7-ABF9-8413-1E56-C653E8F8AD7D}"/>
+              </a:ext>
+            </a:extLst>
+          </p:cNvPr>
           <p:cNvSpPr>
             <a:spLocks noGrp="1"/>
           </p:cNvSpPr>
@@ -862,13 +865,18 @@
               <a:rPr lang="en-GB"/>
               <a:t>Click to edit Master subtitle style</a:t>
             </a:r>
-            <a:endParaRPr lang="en-US" dirty="0"/>
-          </a:p>
-        </p:txBody>
-      </p:sp>
-      <p:sp>
-        <p:nvSpPr>
-          <p:cNvPr id="4" name="Date Placeholder 3"/>
+          </a:p>
+        </p:txBody>
+      </p:sp>
+      <p:sp>
+        <p:nvSpPr>
+          <p:cNvPr id="4" name="Date Placeholder 3">
+            <a:extLst>
+              <a:ext uri="{FF2B5EF4-FFF2-40B4-BE49-F238E27FC236}">
+                <a16:creationId xmlns:a16="http://schemas.microsoft.com/office/drawing/2014/main" id="{4D859823-A2E7-0024-3C8D-51B640253371}"/>
+              </a:ext>
+            </a:extLst>
+          </p:cNvPr>
           <p:cNvSpPr>
             <a:spLocks noGrp="1"/>
           </p:cNvSpPr>
@@ -883,7 +891,7 @@
           <a:p>
             <a:fld id="{EE6EA10A-9417-43D9-A9C3-B057EA8B1B48}" type="datetimeFigureOut">
               <a:rPr lang="en-GB" smtClean="0"/>
-              <a:t>15/01/2026</a:t>
+              <a:t>07/01/2026</a:t>
             </a:fld>
             <a:endParaRPr lang="en-GB"/>
           </a:p>
@@ -891,7 +899,13 @@
       </p:sp>
       <p:sp>
         <p:nvSpPr>
-          <p:cNvPr id="5" name="Footer Placeholder 4"/>
+          <p:cNvPr id="5" name="Footer Placeholder 4">
+            <a:extLst>
+              <a:ext uri="{FF2B5EF4-FFF2-40B4-BE49-F238E27FC236}">
+                <a16:creationId xmlns:a16="http://schemas.microsoft.com/office/drawing/2014/main" id="{4BC9E198-8B46-FF0F-A86B-012CF7EAA5F7}"/>
+              </a:ext>
+            </a:extLst>
+          </p:cNvPr>
           <p:cNvSpPr>
             <a:spLocks noGrp="1"/>
           </p:cNvSpPr>
@@ -910,7 +924,13 @@
       </p:sp>
       <p:sp>
         <p:nvSpPr>
-          <p:cNvPr id="6" name="Slide Number Placeholder 5"/>
+          <p:cNvPr id="6" name="Slide Number Placeholder 5">
+            <a:extLst>
+              <a:ext uri="{FF2B5EF4-FFF2-40B4-BE49-F238E27FC236}">
+                <a16:creationId xmlns:a16="http://schemas.microsoft.com/office/drawing/2014/main" id="{0985273F-348E-A3CE-8610-A63BEE987A1F}"/>
+              </a:ext>
+            </a:extLst>
+          </p:cNvPr>
           <p:cNvSpPr>
             <a:spLocks noGrp="1"/>
           </p:cNvSpPr>
@@ -934,7 +954,7 @@
     </p:spTree>
     <p:extLst>
       <p:ext uri="{BB962C8B-B14F-4D97-AF65-F5344CB8AC3E}">
-        <p14:creationId xmlns:p14="http://schemas.microsoft.com/office/powerpoint/2010/main" val="2170101353"/>
+        <p14:creationId xmlns:p14="http://schemas.microsoft.com/office/powerpoint/2010/main" val="921656031"/>
       </p:ext>
     </p:extLst>
   </p:cSld>
@@ -963,7 +983,13 @@
       </p:grpSpPr>
       <p:sp>
         <p:nvSpPr>
-          <p:cNvPr id="2" name="Title 1"/>
+          <p:cNvPr id="2" name="Title 1">
+            <a:extLst>
+              <a:ext uri="{FF2B5EF4-FFF2-40B4-BE49-F238E27FC236}">
+                <a16:creationId xmlns:a16="http://schemas.microsoft.com/office/drawing/2014/main" id="{B8DD886E-2BB9-5D50-7C2E-8B792C8F25F5}"/>
+              </a:ext>
+            </a:extLst>
+          </p:cNvPr>
           <p:cNvSpPr>
             <a:spLocks noGrp="1"/>
           </p:cNvSpPr>
@@ -980,13 +1006,18 @@
               <a:rPr lang="en-GB"/>
               <a:t>Click to edit Master title style</a:t>
             </a:r>
-            <a:endParaRPr lang="en-US" dirty="0"/>
-          </a:p>
-        </p:txBody>
-      </p:sp>
-      <p:sp>
-        <p:nvSpPr>
-          <p:cNvPr id="3" name="Vertical Text Placeholder 2"/>
+          </a:p>
+        </p:txBody>
+      </p:sp>
+      <p:sp>
+        <p:nvSpPr>
+          <p:cNvPr id="3" name="Vertical Text Placeholder 2">
+            <a:extLst>
+              <a:ext uri="{FF2B5EF4-FFF2-40B4-BE49-F238E27FC236}">
+                <a16:creationId xmlns:a16="http://schemas.microsoft.com/office/drawing/2014/main" id="{68C87CDA-B206-A199-C2F0-E5E754B4A6A1}"/>
+              </a:ext>
+            </a:extLst>
+          </p:cNvPr>
           <p:cNvSpPr>
             <a:spLocks noGrp="1"/>
           </p:cNvSpPr>
@@ -1032,13 +1063,18 @@
               <a:rPr lang="en-GB"/>
               <a:t>Fifth level</a:t>
             </a:r>
-            <a:endParaRPr lang="en-US" dirty="0"/>
-          </a:p>
-        </p:txBody>
-      </p:sp>
-      <p:sp>
-        <p:nvSpPr>
-          <p:cNvPr id="4" name="Date Placeholder 3"/>
+          </a:p>
+        </p:txBody>
+      </p:sp>
+      <p:sp>
+        <p:nvSpPr>
+          <p:cNvPr id="4" name="Date Placeholder 3">
+            <a:extLst>
+              <a:ext uri="{FF2B5EF4-FFF2-40B4-BE49-F238E27FC236}">
+                <a16:creationId xmlns:a16="http://schemas.microsoft.com/office/drawing/2014/main" id="{E799B8F1-0043-2A18-3952-E16A0B75AE0A}"/>
+              </a:ext>
+            </a:extLst>
+          </p:cNvPr>
           <p:cNvSpPr>
             <a:spLocks noGrp="1"/>
           </p:cNvSpPr>
@@ -1053,7 +1089,7 @@
           <a:p>
             <a:fld id="{EE6EA10A-9417-43D9-A9C3-B057EA8B1B48}" type="datetimeFigureOut">
               <a:rPr lang="en-GB" smtClean="0"/>
-              <a:t>15/01/2026</a:t>
+              <a:t>07/01/2026</a:t>
             </a:fld>
             <a:endParaRPr lang="en-GB"/>
           </a:p>
@@ -1061,7 +1097,13 @@
       </p:sp>
       <p:sp>
         <p:nvSpPr>
-          <p:cNvPr id="5" name="Footer Placeholder 4"/>
+          <p:cNvPr id="5" name="Footer Placeholder 4">
+            <a:extLst>
+              <a:ext uri="{FF2B5EF4-FFF2-40B4-BE49-F238E27FC236}">
+                <a16:creationId xmlns:a16="http://schemas.microsoft.com/office/drawing/2014/main" id="{7A1CA57A-2A26-F8D4-239C-BF6F8E1A95F4}"/>
+              </a:ext>
+            </a:extLst>
+          </p:cNvPr>
           <p:cNvSpPr>
             <a:spLocks noGrp="1"/>
           </p:cNvSpPr>
@@ -1080,7 +1122,13 @@
       </p:sp>
       <p:sp>
         <p:nvSpPr>
-          <p:cNvPr id="6" name="Slide Number Placeholder 5"/>
+          <p:cNvPr id="6" name="Slide Number Placeholder 5">
+            <a:extLst>
+              <a:ext uri="{FF2B5EF4-FFF2-40B4-BE49-F238E27FC236}">
+                <a16:creationId xmlns:a16="http://schemas.microsoft.com/office/drawing/2014/main" id="{3909F1F4-5E66-8AF1-77CD-F3977B37EAEB}"/>
+              </a:ext>
+            </a:extLst>
+          </p:cNvPr>
           <p:cNvSpPr>
             <a:spLocks noGrp="1"/>
           </p:cNvSpPr>
@@ -1104,7 +1152,7 @@
     </p:spTree>
     <p:extLst>
       <p:ext uri="{BB962C8B-B14F-4D97-AF65-F5344CB8AC3E}">
-        <p14:creationId xmlns:p14="http://schemas.microsoft.com/office/powerpoint/2010/main" val="1042903277"/>
+        <p14:creationId xmlns:p14="http://schemas.microsoft.com/office/powerpoint/2010/main" val="2824126370"/>
       </p:ext>
     </p:extLst>
   </p:cSld>
@@ -1133,7 +1181,13 @@
       </p:grpSpPr>
       <p:sp>
         <p:nvSpPr>
-          <p:cNvPr id="2" name="Vertical Title 1"/>
+          <p:cNvPr id="2" name="Vertical Title 1">
+            <a:extLst>
+              <a:ext uri="{FF2B5EF4-FFF2-40B4-BE49-F238E27FC236}">
+                <a16:creationId xmlns:a16="http://schemas.microsoft.com/office/drawing/2014/main" id="{51D32FCE-5ED4-37E7-02A4-031F44C1F227}"/>
+              </a:ext>
+            </a:extLst>
+          </p:cNvPr>
           <p:cNvSpPr>
             <a:spLocks noGrp="1"/>
           </p:cNvSpPr>
@@ -1155,13 +1209,18 @@
               <a:rPr lang="en-GB"/>
               <a:t>Click to edit Master title style</a:t>
             </a:r>
-            <a:endParaRPr lang="en-US" dirty="0"/>
-          </a:p>
-        </p:txBody>
-      </p:sp>
-      <p:sp>
-        <p:nvSpPr>
-          <p:cNvPr id="3" name="Vertical Text Placeholder 2"/>
+          </a:p>
+        </p:txBody>
+      </p:sp>
+      <p:sp>
+        <p:nvSpPr>
+          <p:cNvPr id="3" name="Vertical Text Placeholder 2">
+            <a:extLst>
+              <a:ext uri="{FF2B5EF4-FFF2-40B4-BE49-F238E27FC236}">
+                <a16:creationId xmlns:a16="http://schemas.microsoft.com/office/drawing/2014/main" id="{52CAAE82-C4C9-D972-A008-3B1C85EED020}"/>
+              </a:ext>
+            </a:extLst>
+          </p:cNvPr>
           <p:cNvSpPr>
             <a:spLocks noGrp="1"/>
           </p:cNvSpPr>
@@ -1212,13 +1271,18 @@
               <a:rPr lang="en-GB"/>
               <a:t>Fifth level</a:t>
             </a:r>
-            <a:endParaRPr lang="en-US" dirty="0"/>
-          </a:p>
-        </p:txBody>
-      </p:sp>
-      <p:sp>
-        <p:nvSpPr>
-          <p:cNvPr id="4" name="Date Placeholder 3"/>
+          </a:p>
+        </p:txBody>
+      </p:sp>
+      <p:sp>
+        <p:nvSpPr>
+          <p:cNvPr id="4" name="Date Placeholder 3">
+            <a:extLst>
+              <a:ext uri="{FF2B5EF4-FFF2-40B4-BE49-F238E27FC236}">
+                <a16:creationId xmlns:a16="http://schemas.microsoft.com/office/drawing/2014/main" id="{E047684E-22F5-BDC0-7D4F-A8E53BD66393}"/>
+              </a:ext>
+            </a:extLst>
+          </p:cNvPr>
           <p:cNvSpPr>
             <a:spLocks noGrp="1"/>
           </p:cNvSpPr>
@@ -1233,7 +1297,7 @@
           <a:p>
             <a:fld id="{EE6EA10A-9417-43D9-A9C3-B057EA8B1B48}" type="datetimeFigureOut">
               <a:rPr lang="en-GB" smtClean="0"/>
-              <a:t>15/01/2026</a:t>
+              <a:t>07/01/2026</a:t>
             </a:fld>
             <a:endParaRPr lang="en-GB"/>
           </a:p>
@@ -1241,7 +1305,13 @@
       </p:sp>
       <p:sp>
         <p:nvSpPr>
-          <p:cNvPr id="5" name="Footer Placeholder 4"/>
+          <p:cNvPr id="5" name="Footer Placeholder 4">
+            <a:extLst>
+              <a:ext uri="{FF2B5EF4-FFF2-40B4-BE49-F238E27FC236}">
+                <a16:creationId xmlns:a16="http://schemas.microsoft.com/office/drawing/2014/main" id="{F4CBE914-7057-FECE-8B8E-144D5480448F}"/>
+              </a:ext>
+            </a:extLst>
+          </p:cNvPr>
           <p:cNvSpPr>
             <a:spLocks noGrp="1"/>
           </p:cNvSpPr>
@@ -1260,7 +1330,13 @@
       </p:sp>
       <p:sp>
         <p:nvSpPr>
-          <p:cNvPr id="6" name="Slide Number Placeholder 5"/>
+          <p:cNvPr id="6" name="Slide Number Placeholder 5">
+            <a:extLst>
+              <a:ext uri="{FF2B5EF4-FFF2-40B4-BE49-F238E27FC236}">
+                <a16:creationId xmlns:a16="http://schemas.microsoft.com/office/drawing/2014/main" id="{A7911BAC-B4C8-0305-360D-F04E45C20127}"/>
+              </a:ext>
+            </a:extLst>
+          </p:cNvPr>
           <p:cNvSpPr>
             <a:spLocks noGrp="1"/>
           </p:cNvSpPr>
@@ -1284,7 +1360,7 @@
     </p:spTree>
     <p:extLst>
       <p:ext uri="{BB962C8B-B14F-4D97-AF65-F5344CB8AC3E}">
-        <p14:creationId xmlns:p14="http://schemas.microsoft.com/office/powerpoint/2010/main" val="1084092276"/>
+        <p14:creationId xmlns:p14="http://schemas.microsoft.com/office/powerpoint/2010/main" val="3210944900"/>
       </p:ext>
     </p:extLst>
   </p:cSld>
@@ -1313,7 +1389,13 @@
       </p:grpSpPr>
       <p:sp>
         <p:nvSpPr>
-          <p:cNvPr id="2" name="Title 1"/>
+          <p:cNvPr id="2" name="Title 1">
+            <a:extLst>
+              <a:ext uri="{FF2B5EF4-FFF2-40B4-BE49-F238E27FC236}">
+                <a16:creationId xmlns:a16="http://schemas.microsoft.com/office/drawing/2014/main" id="{874F210C-CC6E-41B1-89F3-E206DA6E85AE}"/>
+              </a:ext>
+            </a:extLst>
+          </p:cNvPr>
           <p:cNvSpPr>
             <a:spLocks noGrp="1"/>
           </p:cNvSpPr>
@@ -1330,13 +1412,18 @@
               <a:rPr lang="en-GB"/>
               <a:t>Click to edit Master title style</a:t>
             </a:r>
-            <a:endParaRPr lang="en-US" dirty="0"/>
-          </a:p>
-        </p:txBody>
-      </p:sp>
-      <p:sp>
-        <p:nvSpPr>
-          <p:cNvPr id="3" name="Content Placeholder 2"/>
+          </a:p>
+        </p:txBody>
+      </p:sp>
+      <p:sp>
+        <p:nvSpPr>
+          <p:cNvPr id="3" name="Content Placeholder 2">
+            <a:extLst>
+              <a:ext uri="{FF2B5EF4-FFF2-40B4-BE49-F238E27FC236}">
+                <a16:creationId xmlns:a16="http://schemas.microsoft.com/office/drawing/2014/main" id="{DECF3D77-4B2A-A891-7573-99A4FA6DCB3E}"/>
+              </a:ext>
+            </a:extLst>
+          </p:cNvPr>
           <p:cNvSpPr>
             <a:spLocks noGrp="1"/>
           </p:cNvSpPr>
@@ -1382,13 +1469,18 @@
               <a:rPr lang="en-GB"/>
               <a:t>Fifth level</a:t>
             </a:r>
-            <a:endParaRPr lang="en-US" dirty="0"/>
-          </a:p>
-        </p:txBody>
-      </p:sp>
-      <p:sp>
-        <p:nvSpPr>
-          <p:cNvPr id="4" name="Date Placeholder 3"/>
+          </a:p>
+        </p:txBody>
+      </p:sp>
+      <p:sp>
+        <p:nvSpPr>
+          <p:cNvPr id="4" name="Date Placeholder 3">
+            <a:extLst>
+              <a:ext uri="{FF2B5EF4-FFF2-40B4-BE49-F238E27FC236}">
+                <a16:creationId xmlns:a16="http://schemas.microsoft.com/office/drawing/2014/main" id="{197E9E2C-F57E-2A0C-19DF-6BE8EB4E6E1E}"/>
+              </a:ext>
+            </a:extLst>
+          </p:cNvPr>
           <p:cNvSpPr>
             <a:spLocks noGrp="1"/>
           </p:cNvSpPr>
@@ -1403,7 +1495,7 @@
           <a:p>
             <a:fld id="{EE6EA10A-9417-43D9-A9C3-B057EA8B1B48}" type="datetimeFigureOut">
               <a:rPr lang="en-GB" smtClean="0"/>
-              <a:t>15/01/2026</a:t>
+              <a:t>07/01/2026</a:t>
             </a:fld>
             <a:endParaRPr lang="en-GB"/>
           </a:p>
@@ -1411,7 +1503,13 @@
       </p:sp>
       <p:sp>
         <p:nvSpPr>
-          <p:cNvPr id="5" name="Footer Placeholder 4"/>
+          <p:cNvPr id="5" name="Footer Placeholder 4">
+            <a:extLst>
+              <a:ext uri="{FF2B5EF4-FFF2-40B4-BE49-F238E27FC236}">
+                <a16:creationId xmlns:a16="http://schemas.microsoft.com/office/drawing/2014/main" id="{793A191F-2330-568E-6E57-ABF3EC0EA859}"/>
+              </a:ext>
+            </a:extLst>
+          </p:cNvPr>
           <p:cNvSpPr>
             <a:spLocks noGrp="1"/>
           </p:cNvSpPr>
@@ -1430,7 +1528,13 @@
       </p:sp>
       <p:sp>
         <p:nvSpPr>
-          <p:cNvPr id="6" name="Slide Number Placeholder 5"/>
+          <p:cNvPr id="6" name="Slide Number Placeholder 5">
+            <a:extLst>
+              <a:ext uri="{FF2B5EF4-FFF2-40B4-BE49-F238E27FC236}">
+                <a16:creationId xmlns:a16="http://schemas.microsoft.com/office/drawing/2014/main" id="{0348E3BE-0033-7269-AB32-931E962E861F}"/>
+              </a:ext>
+            </a:extLst>
+          </p:cNvPr>
           <p:cNvSpPr>
             <a:spLocks noGrp="1"/>
           </p:cNvSpPr>
@@ -1454,7 +1558,7 @@
     </p:spTree>
     <p:extLst>
       <p:ext uri="{BB962C8B-B14F-4D97-AF65-F5344CB8AC3E}">
-        <p14:creationId xmlns:p14="http://schemas.microsoft.com/office/powerpoint/2010/main" val="3186501093"/>
+        <p14:creationId xmlns:p14="http://schemas.microsoft.com/office/powerpoint/2010/main" val="830634103"/>
       </p:ext>
     </p:extLst>
   </p:cSld>
@@ -1483,7 +1587,13 @@
       </p:grpSpPr>
       <p:sp>
         <p:nvSpPr>
-          <p:cNvPr id="2" name="Title 1"/>
+          <p:cNvPr id="2" name="Title 1">
+            <a:extLst>
+              <a:ext uri="{FF2B5EF4-FFF2-40B4-BE49-F238E27FC236}">
+                <a16:creationId xmlns:a16="http://schemas.microsoft.com/office/drawing/2014/main" id="{711423F5-DBF7-91B2-1B2E-A60608F2D2B8}"/>
+              </a:ext>
+            </a:extLst>
+          </p:cNvPr>
           <p:cNvSpPr>
             <a:spLocks noGrp="1"/>
           </p:cNvSpPr>
@@ -1509,13 +1619,18 @@
               <a:rPr lang="en-GB"/>
               <a:t>Click to edit Master title style</a:t>
             </a:r>
-            <a:endParaRPr lang="en-US" dirty="0"/>
-          </a:p>
-        </p:txBody>
-      </p:sp>
-      <p:sp>
-        <p:nvSpPr>
-          <p:cNvPr id="3" name="Text Placeholder 2"/>
+          </a:p>
+        </p:txBody>
+      </p:sp>
+      <p:sp>
+        <p:nvSpPr>
+          <p:cNvPr id="3" name="Text Placeholder 2">
+            <a:extLst>
+              <a:ext uri="{FF2B5EF4-FFF2-40B4-BE49-F238E27FC236}">
+                <a16:creationId xmlns:a16="http://schemas.microsoft.com/office/drawing/2014/main" id="{A5164C74-E9F5-555B-E280-B4E4FCCF052C}"/>
+              </a:ext>
+            </a:extLst>
+          </p:cNvPr>
           <p:cNvSpPr>
             <a:spLocks noGrp="1"/>
           </p:cNvSpPr>
@@ -1537,7 +1652,7 @@
               <a:defRPr sz="2400">
                 <a:solidFill>
                   <a:schemeClr val="tx1">
-                    <a:shade val="82000"/>
+                    <a:tint val="82000"/>
                   </a:schemeClr>
                 </a:solidFill>
               </a:defRPr>
@@ -1547,7 +1662,7 @@
               <a:defRPr sz="2000">
                 <a:solidFill>
                   <a:schemeClr val="tx1">
-                    <a:shade val="82000"/>
+                    <a:tint val="82000"/>
                   </a:schemeClr>
                 </a:solidFill>
               </a:defRPr>
@@ -1557,7 +1672,7 @@
               <a:defRPr sz="1800">
                 <a:solidFill>
                   <a:schemeClr val="tx1">
-                    <a:shade val="82000"/>
+                    <a:tint val="82000"/>
                   </a:schemeClr>
                 </a:solidFill>
               </a:defRPr>
@@ -1567,7 +1682,7 @@
               <a:defRPr sz="1600">
                 <a:solidFill>
                   <a:schemeClr val="tx1">
-                    <a:shade val="82000"/>
+                    <a:tint val="82000"/>
                   </a:schemeClr>
                 </a:solidFill>
               </a:defRPr>
@@ -1577,7 +1692,7 @@
               <a:defRPr sz="1600">
                 <a:solidFill>
                   <a:schemeClr val="tx1">
-                    <a:shade val="82000"/>
+                    <a:tint val="82000"/>
                   </a:schemeClr>
                 </a:solidFill>
               </a:defRPr>
@@ -1587,7 +1702,7 @@
               <a:defRPr sz="1600">
                 <a:solidFill>
                   <a:schemeClr val="tx1">
-                    <a:shade val="82000"/>
+                    <a:tint val="82000"/>
                   </a:schemeClr>
                 </a:solidFill>
               </a:defRPr>
@@ -1597,7 +1712,7 @@
               <a:defRPr sz="1600">
                 <a:solidFill>
                   <a:schemeClr val="tx1">
-                    <a:shade val="82000"/>
+                    <a:tint val="82000"/>
                   </a:schemeClr>
                 </a:solidFill>
               </a:defRPr>
@@ -1607,7 +1722,7 @@
               <a:defRPr sz="1600">
                 <a:solidFill>
                   <a:schemeClr val="tx1">
-                    <a:shade val="82000"/>
+                    <a:tint val="82000"/>
                   </a:schemeClr>
                 </a:solidFill>
               </a:defRPr>
@@ -1617,7 +1732,7 @@
               <a:defRPr sz="1600">
                 <a:solidFill>
                   <a:schemeClr val="tx1">
-                    <a:shade val="82000"/>
+                    <a:tint val="82000"/>
                   </a:schemeClr>
                 </a:solidFill>
               </a:defRPr>
@@ -1634,7 +1749,13 @@
       </p:sp>
       <p:sp>
         <p:nvSpPr>
-          <p:cNvPr id="4" name="Date Placeholder 3"/>
+          <p:cNvPr id="4" name="Date Placeholder 3">
+            <a:extLst>
+              <a:ext uri="{FF2B5EF4-FFF2-40B4-BE49-F238E27FC236}">
+                <a16:creationId xmlns:a16="http://schemas.microsoft.com/office/drawing/2014/main" id="{9B919543-410C-0236-BB31-4FA2B4B2A3D9}"/>
+              </a:ext>
+            </a:extLst>
+          </p:cNvPr>
           <p:cNvSpPr>
             <a:spLocks noGrp="1"/>
           </p:cNvSpPr>
@@ -1649,7 +1770,7 @@
           <a:p>
             <a:fld id="{EE6EA10A-9417-43D9-A9C3-B057EA8B1B48}" type="datetimeFigureOut">
               <a:rPr lang="en-GB" smtClean="0"/>
-              <a:t>15/01/2026</a:t>
+              <a:t>07/01/2026</a:t>
             </a:fld>
             <a:endParaRPr lang="en-GB"/>
           </a:p>
@@ -1657,7 +1778,13 @@
       </p:sp>
       <p:sp>
         <p:nvSpPr>
-          <p:cNvPr id="5" name="Footer Placeholder 4"/>
+          <p:cNvPr id="5" name="Footer Placeholder 4">
+            <a:extLst>
+              <a:ext uri="{FF2B5EF4-FFF2-40B4-BE49-F238E27FC236}">
+                <a16:creationId xmlns:a16="http://schemas.microsoft.com/office/drawing/2014/main" id="{675F5B64-4614-002E-3102-488A32DB0BDB}"/>
+              </a:ext>
+            </a:extLst>
+          </p:cNvPr>
           <p:cNvSpPr>
             <a:spLocks noGrp="1"/>
           </p:cNvSpPr>
@@ -1676,7 +1803,13 @@
       </p:sp>
       <p:sp>
         <p:nvSpPr>
-          <p:cNvPr id="6" name="Slide Number Placeholder 5"/>
+          <p:cNvPr id="6" name="Slide Number Placeholder 5">
+            <a:extLst>
+              <a:ext uri="{FF2B5EF4-FFF2-40B4-BE49-F238E27FC236}">
+                <a16:creationId xmlns:a16="http://schemas.microsoft.com/office/drawing/2014/main" id="{10908B04-36BF-18DA-2FFA-1345E87D22DA}"/>
+              </a:ext>
+            </a:extLst>
+          </p:cNvPr>
           <p:cNvSpPr>
             <a:spLocks noGrp="1"/>
           </p:cNvSpPr>
@@ -1700,7 +1833,7 @@
     </p:spTree>
     <p:extLst>
       <p:ext uri="{BB962C8B-B14F-4D97-AF65-F5344CB8AC3E}">
-        <p14:creationId xmlns:p14="http://schemas.microsoft.com/office/powerpoint/2010/main" val="3014599065"/>
+        <p14:creationId xmlns:p14="http://schemas.microsoft.com/office/powerpoint/2010/main" val="2727943741"/>
       </p:ext>
     </p:extLst>
   </p:cSld>
@@ -1729,7 +1862,13 @@
       </p:grpSpPr>
       <p:sp>
         <p:nvSpPr>
-          <p:cNvPr id="2" name="Title 1"/>
+          <p:cNvPr id="2" name="Title 1">
+            <a:extLst>
+              <a:ext uri="{FF2B5EF4-FFF2-40B4-BE49-F238E27FC236}">
+                <a16:creationId xmlns:a16="http://schemas.microsoft.com/office/drawing/2014/main" id="{08BB6349-51A7-A85B-BEA5-2BA786BD4F44}"/>
+              </a:ext>
+            </a:extLst>
+          </p:cNvPr>
           <p:cNvSpPr>
             <a:spLocks noGrp="1"/>
           </p:cNvSpPr>
@@ -1746,13 +1885,18 @@
               <a:rPr lang="en-GB"/>
               <a:t>Click to edit Master title style</a:t>
             </a:r>
-            <a:endParaRPr lang="en-US" dirty="0"/>
-          </a:p>
-        </p:txBody>
-      </p:sp>
-      <p:sp>
-        <p:nvSpPr>
-          <p:cNvPr id="3" name="Content Placeholder 2"/>
+          </a:p>
+        </p:txBody>
+      </p:sp>
+      <p:sp>
+        <p:nvSpPr>
+          <p:cNvPr id="3" name="Content Placeholder 2">
+            <a:extLst>
+              <a:ext uri="{FF2B5EF4-FFF2-40B4-BE49-F238E27FC236}">
+                <a16:creationId xmlns:a16="http://schemas.microsoft.com/office/drawing/2014/main" id="{E257C456-BC0B-DA09-4B77-F8FC3DBB797F}"/>
+              </a:ext>
+            </a:extLst>
+          </p:cNvPr>
           <p:cNvSpPr>
             <a:spLocks noGrp="1"/>
           </p:cNvSpPr>
@@ -1803,13 +1947,18 @@
               <a:rPr lang="en-GB"/>
               <a:t>Fifth level</a:t>
             </a:r>
-            <a:endParaRPr lang="en-US" dirty="0"/>
-          </a:p>
-        </p:txBody>
-      </p:sp>
-      <p:sp>
-        <p:nvSpPr>
-          <p:cNvPr id="4" name="Content Placeholder 3"/>
+          </a:p>
+        </p:txBody>
+      </p:sp>
+      <p:sp>
+        <p:nvSpPr>
+          <p:cNvPr id="4" name="Content Placeholder 3">
+            <a:extLst>
+              <a:ext uri="{FF2B5EF4-FFF2-40B4-BE49-F238E27FC236}">
+                <a16:creationId xmlns:a16="http://schemas.microsoft.com/office/drawing/2014/main" id="{6A014CAD-D263-9417-77C1-5A7EFBB66B6B}"/>
+              </a:ext>
+            </a:extLst>
+          </p:cNvPr>
           <p:cNvSpPr>
             <a:spLocks noGrp="1"/>
           </p:cNvSpPr>
@@ -1860,13 +2009,18 @@
               <a:rPr lang="en-GB"/>
               <a:t>Fifth level</a:t>
             </a:r>
-            <a:endParaRPr lang="en-US" dirty="0"/>
-          </a:p>
-        </p:txBody>
-      </p:sp>
-      <p:sp>
-        <p:nvSpPr>
-          <p:cNvPr id="5" name="Date Placeholder 4"/>
+          </a:p>
+        </p:txBody>
+      </p:sp>
+      <p:sp>
+        <p:nvSpPr>
+          <p:cNvPr id="5" name="Date Placeholder 4">
+            <a:extLst>
+              <a:ext uri="{FF2B5EF4-FFF2-40B4-BE49-F238E27FC236}">
+                <a16:creationId xmlns:a16="http://schemas.microsoft.com/office/drawing/2014/main" id="{5ABA77AD-2D83-F8F7-82F7-E767070D3724}"/>
+              </a:ext>
+            </a:extLst>
+          </p:cNvPr>
           <p:cNvSpPr>
             <a:spLocks noGrp="1"/>
           </p:cNvSpPr>
@@ -1881,7 +2035,7 @@
           <a:p>
             <a:fld id="{EE6EA10A-9417-43D9-A9C3-B057EA8B1B48}" type="datetimeFigureOut">
               <a:rPr lang="en-GB" smtClean="0"/>
-              <a:t>15/01/2026</a:t>
+              <a:t>07/01/2026</a:t>
             </a:fld>
             <a:endParaRPr lang="en-GB"/>
           </a:p>
@@ -1889,7 +2043,13 @@
       </p:sp>
       <p:sp>
         <p:nvSpPr>
-          <p:cNvPr id="6" name="Footer Placeholder 5"/>
+          <p:cNvPr id="6" name="Footer Placeholder 5">
+            <a:extLst>
+              <a:ext uri="{FF2B5EF4-FFF2-40B4-BE49-F238E27FC236}">
+                <a16:creationId xmlns:a16="http://schemas.microsoft.com/office/drawing/2014/main" id="{D90B2CF6-9D17-B0D3-443D-3B80D4C06B8F}"/>
+              </a:ext>
+            </a:extLst>
+          </p:cNvPr>
           <p:cNvSpPr>
             <a:spLocks noGrp="1"/>
           </p:cNvSpPr>
@@ -1908,7 +2068,13 @@
       </p:sp>
       <p:sp>
         <p:nvSpPr>
-          <p:cNvPr id="7" name="Slide Number Placeholder 6"/>
+          <p:cNvPr id="7" name="Slide Number Placeholder 6">
+            <a:extLst>
+              <a:ext uri="{FF2B5EF4-FFF2-40B4-BE49-F238E27FC236}">
+                <a16:creationId xmlns:a16="http://schemas.microsoft.com/office/drawing/2014/main" id="{0DD55C6F-28B7-0A9D-EC22-BC54C74E7231}"/>
+              </a:ext>
+            </a:extLst>
+          </p:cNvPr>
           <p:cNvSpPr>
             <a:spLocks noGrp="1"/>
           </p:cNvSpPr>
@@ -1932,7 +2098,7 @@
     </p:spTree>
     <p:extLst>
       <p:ext uri="{BB962C8B-B14F-4D97-AF65-F5344CB8AC3E}">
-        <p14:creationId xmlns:p14="http://schemas.microsoft.com/office/powerpoint/2010/main" val="3900920441"/>
+        <p14:creationId xmlns:p14="http://schemas.microsoft.com/office/powerpoint/2010/main" val="2099623623"/>
       </p:ext>
     </p:extLst>
   </p:cSld>
@@ -1961,7 +2127,13 @@
       </p:grpSpPr>
       <p:sp>
         <p:nvSpPr>
-          <p:cNvPr id="2" name="Title 1"/>
+          <p:cNvPr id="2" name="Title 1">
+            <a:extLst>
+              <a:ext uri="{FF2B5EF4-FFF2-40B4-BE49-F238E27FC236}">
+                <a16:creationId xmlns:a16="http://schemas.microsoft.com/office/drawing/2014/main" id="{333A8C3D-83DD-8943-969E-912CD15042BA}"/>
+              </a:ext>
+            </a:extLst>
+          </p:cNvPr>
           <p:cNvSpPr>
             <a:spLocks noGrp="1"/>
           </p:cNvSpPr>
@@ -1983,13 +2155,18 @@
               <a:rPr lang="en-GB"/>
               <a:t>Click to edit Master title style</a:t>
             </a:r>
-            <a:endParaRPr lang="en-US" dirty="0"/>
-          </a:p>
-        </p:txBody>
-      </p:sp>
-      <p:sp>
-        <p:nvSpPr>
-          <p:cNvPr id="3" name="Text Placeholder 2"/>
+          </a:p>
+        </p:txBody>
+      </p:sp>
+      <p:sp>
+        <p:nvSpPr>
+          <p:cNvPr id="3" name="Text Placeholder 2">
+            <a:extLst>
+              <a:ext uri="{FF2B5EF4-FFF2-40B4-BE49-F238E27FC236}">
+                <a16:creationId xmlns:a16="http://schemas.microsoft.com/office/drawing/2014/main" id="{58EAE4E0-0739-1890-65C2-E255B4EFAF7C}"/>
+              </a:ext>
+            </a:extLst>
+          </p:cNvPr>
           <p:cNvSpPr>
             <a:spLocks noGrp="1"/>
           </p:cNvSpPr>
@@ -2054,7 +2231,13 @@
       </p:sp>
       <p:sp>
         <p:nvSpPr>
-          <p:cNvPr id="4" name="Content Placeholder 3"/>
+          <p:cNvPr id="4" name="Content Placeholder 3">
+            <a:extLst>
+              <a:ext uri="{FF2B5EF4-FFF2-40B4-BE49-F238E27FC236}">
+                <a16:creationId xmlns:a16="http://schemas.microsoft.com/office/drawing/2014/main" id="{4BBCFAC4-C146-8FAA-0426-087385D44428}"/>
+              </a:ext>
+            </a:extLst>
+          </p:cNvPr>
           <p:cNvSpPr>
             <a:spLocks noGrp="1"/>
           </p:cNvSpPr>
@@ -2105,13 +2288,18 @@
               <a:rPr lang="en-GB"/>
               <a:t>Fifth level</a:t>
             </a:r>
-            <a:endParaRPr lang="en-US" dirty="0"/>
-          </a:p>
-        </p:txBody>
-      </p:sp>
-      <p:sp>
-        <p:nvSpPr>
-          <p:cNvPr id="5" name="Text Placeholder 4"/>
+          </a:p>
+        </p:txBody>
+      </p:sp>
+      <p:sp>
+        <p:nvSpPr>
+          <p:cNvPr id="5" name="Text Placeholder 4">
+            <a:extLst>
+              <a:ext uri="{FF2B5EF4-FFF2-40B4-BE49-F238E27FC236}">
+                <a16:creationId xmlns:a16="http://schemas.microsoft.com/office/drawing/2014/main" id="{9DB8A710-017D-CD6E-23C4-EF21AC3FB7BF}"/>
+              </a:ext>
+            </a:extLst>
+          </p:cNvPr>
           <p:cNvSpPr>
             <a:spLocks noGrp="1"/>
           </p:cNvSpPr>
@@ -2176,7 +2364,13 @@
       </p:sp>
       <p:sp>
         <p:nvSpPr>
-          <p:cNvPr id="6" name="Content Placeholder 5"/>
+          <p:cNvPr id="6" name="Content Placeholder 5">
+            <a:extLst>
+              <a:ext uri="{FF2B5EF4-FFF2-40B4-BE49-F238E27FC236}">
+                <a16:creationId xmlns:a16="http://schemas.microsoft.com/office/drawing/2014/main" id="{175206F5-7080-6DC2-1701-284B39199F75}"/>
+              </a:ext>
+            </a:extLst>
+          </p:cNvPr>
           <p:cNvSpPr>
             <a:spLocks noGrp="1"/>
           </p:cNvSpPr>
@@ -2227,13 +2421,18 @@
               <a:rPr lang="en-GB"/>
               <a:t>Fifth level</a:t>
             </a:r>
-            <a:endParaRPr lang="en-US" dirty="0"/>
-          </a:p>
-        </p:txBody>
-      </p:sp>
-      <p:sp>
-        <p:nvSpPr>
-          <p:cNvPr id="7" name="Date Placeholder 6"/>
+          </a:p>
+        </p:txBody>
+      </p:sp>
+      <p:sp>
+        <p:nvSpPr>
+          <p:cNvPr id="7" name="Date Placeholder 6">
+            <a:extLst>
+              <a:ext uri="{FF2B5EF4-FFF2-40B4-BE49-F238E27FC236}">
+                <a16:creationId xmlns:a16="http://schemas.microsoft.com/office/drawing/2014/main" id="{B9F1805B-A4D7-57FE-7AE2-13090C937C5E}"/>
+              </a:ext>
+            </a:extLst>
+          </p:cNvPr>
           <p:cNvSpPr>
             <a:spLocks noGrp="1"/>
           </p:cNvSpPr>
@@ -2248,7 +2447,7 @@
           <a:p>
             <a:fld id="{EE6EA10A-9417-43D9-A9C3-B057EA8B1B48}" type="datetimeFigureOut">
               <a:rPr lang="en-GB" smtClean="0"/>
-              <a:t>15/01/2026</a:t>
+              <a:t>07/01/2026</a:t>
             </a:fld>
             <a:endParaRPr lang="en-GB"/>
           </a:p>
@@ -2256,7 +2455,13 @@
       </p:sp>
       <p:sp>
         <p:nvSpPr>
-          <p:cNvPr id="8" name="Footer Placeholder 7"/>
+          <p:cNvPr id="8" name="Footer Placeholder 7">
+            <a:extLst>
+              <a:ext uri="{FF2B5EF4-FFF2-40B4-BE49-F238E27FC236}">
+                <a16:creationId xmlns:a16="http://schemas.microsoft.com/office/drawing/2014/main" id="{85704C74-63FF-B094-1701-6AFA40053368}"/>
+              </a:ext>
+            </a:extLst>
+          </p:cNvPr>
           <p:cNvSpPr>
             <a:spLocks noGrp="1"/>
           </p:cNvSpPr>
@@ -2275,7 +2480,13 @@
       </p:sp>
       <p:sp>
         <p:nvSpPr>
-          <p:cNvPr id="9" name="Slide Number Placeholder 8"/>
+          <p:cNvPr id="9" name="Slide Number Placeholder 8">
+            <a:extLst>
+              <a:ext uri="{FF2B5EF4-FFF2-40B4-BE49-F238E27FC236}">
+                <a16:creationId xmlns:a16="http://schemas.microsoft.com/office/drawing/2014/main" id="{DD14FA7E-8E78-9267-ECE2-024A6F4143C2}"/>
+              </a:ext>
+            </a:extLst>
+          </p:cNvPr>
           <p:cNvSpPr>
             <a:spLocks noGrp="1"/>
           </p:cNvSpPr>
@@ -2299,7 +2510,7 @@
     </p:spTree>
     <p:extLst>
       <p:ext uri="{BB962C8B-B14F-4D97-AF65-F5344CB8AC3E}">
-        <p14:creationId xmlns:p14="http://schemas.microsoft.com/office/powerpoint/2010/main" val="2431941672"/>
+        <p14:creationId xmlns:p14="http://schemas.microsoft.com/office/powerpoint/2010/main" val="530938379"/>
       </p:ext>
     </p:extLst>
   </p:cSld>
@@ -2328,7 +2539,13 @@
       </p:grpSpPr>
       <p:sp>
         <p:nvSpPr>
-          <p:cNvPr id="2" name="Title 1"/>
+          <p:cNvPr id="2" name="Title 1">
+            <a:extLst>
+              <a:ext uri="{FF2B5EF4-FFF2-40B4-BE49-F238E27FC236}">
+                <a16:creationId xmlns:a16="http://schemas.microsoft.com/office/drawing/2014/main" id="{2E860B7B-7F97-67AC-DE51-FA1345757F86}"/>
+              </a:ext>
+            </a:extLst>
+          </p:cNvPr>
           <p:cNvSpPr>
             <a:spLocks noGrp="1"/>
           </p:cNvSpPr>
@@ -2345,13 +2562,18 @@
               <a:rPr lang="en-GB"/>
               <a:t>Click to edit Master title style</a:t>
             </a:r>
-            <a:endParaRPr lang="en-US" dirty="0"/>
-          </a:p>
-        </p:txBody>
-      </p:sp>
-      <p:sp>
-        <p:nvSpPr>
-          <p:cNvPr id="3" name="Date Placeholder 2"/>
+          </a:p>
+        </p:txBody>
+      </p:sp>
+      <p:sp>
+        <p:nvSpPr>
+          <p:cNvPr id="3" name="Date Placeholder 2">
+            <a:extLst>
+              <a:ext uri="{FF2B5EF4-FFF2-40B4-BE49-F238E27FC236}">
+                <a16:creationId xmlns:a16="http://schemas.microsoft.com/office/drawing/2014/main" id="{F772BE9A-8B13-6A4B-EDB4-9F684E18FF24}"/>
+              </a:ext>
+            </a:extLst>
+          </p:cNvPr>
           <p:cNvSpPr>
             <a:spLocks noGrp="1"/>
           </p:cNvSpPr>
@@ -2366,7 +2588,7 @@
           <a:p>
             <a:fld id="{EE6EA10A-9417-43D9-A9C3-B057EA8B1B48}" type="datetimeFigureOut">
               <a:rPr lang="en-GB" smtClean="0"/>
-              <a:t>15/01/2026</a:t>
+              <a:t>07/01/2026</a:t>
             </a:fld>
             <a:endParaRPr lang="en-GB"/>
           </a:p>
@@ -2374,7 +2596,13 @@
       </p:sp>
       <p:sp>
         <p:nvSpPr>
-          <p:cNvPr id="4" name="Footer Placeholder 3"/>
+          <p:cNvPr id="4" name="Footer Placeholder 3">
+            <a:extLst>
+              <a:ext uri="{FF2B5EF4-FFF2-40B4-BE49-F238E27FC236}">
+                <a16:creationId xmlns:a16="http://schemas.microsoft.com/office/drawing/2014/main" id="{1568F5A0-14A7-34ED-5438-E20592A8B3C7}"/>
+              </a:ext>
+            </a:extLst>
+          </p:cNvPr>
           <p:cNvSpPr>
             <a:spLocks noGrp="1"/>
           </p:cNvSpPr>
@@ -2393,7 +2621,13 @@
       </p:sp>
       <p:sp>
         <p:nvSpPr>
-          <p:cNvPr id="5" name="Slide Number Placeholder 4"/>
+          <p:cNvPr id="5" name="Slide Number Placeholder 4">
+            <a:extLst>
+              <a:ext uri="{FF2B5EF4-FFF2-40B4-BE49-F238E27FC236}">
+                <a16:creationId xmlns:a16="http://schemas.microsoft.com/office/drawing/2014/main" id="{FEEEDAE3-A5AB-7240-CF55-FA6F1941008D}"/>
+              </a:ext>
+            </a:extLst>
+          </p:cNvPr>
           <p:cNvSpPr>
             <a:spLocks noGrp="1"/>
           </p:cNvSpPr>
@@ -2417,7 +2651,7 @@
     </p:spTree>
     <p:extLst>
       <p:ext uri="{BB962C8B-B14F-4D97-AF65-F5344CB8AC3E}">
-        <p14:creationId xmlns:p14="http://schemas.microsoft.com/office/powerpoint/2010/main" val="3181176656"/>
+        <p14:creationId xmlns:p14="http://schemas.microsoft.com/office/powerpoint/2010/main" val="3105554838"/>
       </p:ext>
     </p:extLst>
   </p:cSld>
@@ -2446,7 +2680,13 @@
       </p:grpSpPr>
       <p:sp>
         <p:nvSpPr>
-          <p:cNvPr id="2" name="Date Placeholder 1"/>
+          <p:cNvPr id="2" name="Date Placeholder 1">
+            <a:extLst>
+              <a:ext uri="{FF2B5EF4-FFF2-40B4-BE49-F238E27FC236}">
+                <a16:creationId xmlns:a16="http://schemas.microsoft.com/office/drawing/2014/main" id="{DB38B8B5-19CE-A7F9-ABB0-C381B9F698C1}"/>
+              </a:ext>
+            </a:extLst>
+          </p:cNvPr>
           <p:cNvSpPr>
             <a:spLocks noGrp="1"/>
           </p:cNvSpPr>
@@ -2461,7 +2701,7 @@
           <a:p>
             <a:fld id="{EE6EA10A-9417-43D9-A9C3-B057EA8B1B48}" type="datetimeFigureOut">
               <a:rPr lang="en-GB" smtClean="0"/>
-              <a:t>15/01/2026</a:t>
+              <a:t>07/01/2026</a:t>
             </a:fld>
             <a:endParaRPr lang="en-GB"/>
           </a:p>
@@ -2469,7 +2709,13 @@
       </p:sp>
       <p:sp>
         <p:nvSpPr>
-          <p:cNvPr id="3" name="Footer Placeholder 2"/>
+          <p:cNvPr id="3" name="Footer Placeholder 2">
+            <a:extLst>
+              <a:ext uri="{FF2B5EF4-FFF2-40B4-BE49-F238E27FC236}">
+                <a16:creationId xmlns:a16="http://schemas.microsoft.com/office/drawing/2014/main" id="{204D60A7-EAD9-88C6-10FB-C4DC0032A32D}"/>
+              </a:ext>
+            </a:extLst>
+          </p:cNvPr>
           <p:cNvSpPr>
             <a:spLocks noGrp="1"/>
           </p:cNvSpPr>
@@ -2488,7 +2734,13 @@
       </p:sp>
       <p:sp>
         <p:nvSpPr>
-          <p:cNvPr id="4" name="Slide Number Placeholder 3"/>
+          <p:cNvPr id="4" name="Slide Number Placeholder 3">
+            <a:extLst>
+              <a:ext uri="{FF2B5EF4-FFF2-40B4-BE49-F238E27FC236}">
+                <a16:creationId xmlns:a16="http://schemas.microsoft.com/office/drawing/2014/main" id="{87C6DF7C-216D-D3ED-33F0-E246F2C8C14E}"/>
+              </a:ext>
+            </a:extLst>
+          </p:cNvPr>
           <p:cNvSpPr>
             <a:spLocks noGrp="1"/>
           </p:cNvSpPr>
@@ -2512,7 +2764,7 @@
     </p:spTree>
     <p:extLst>
       <p:ext uri="{BB962C8B-B14F-4D97-AF65-F5344CB8AC3E}">
-        <p14:creationId xmlns:p14="http://schemas.microsoft.com/office/powerpoint/2010/main" val="314933489"/>
+        <p14:creationId xmlns:p14="http://schemas.microsoft.com/office/powerpoint/2010/main" val="3248376730"/>
       </p:ext>
     </p:extLst>
   </p:cSld>
@@ -2541,7 +2793,13 @@
       </p:grpSpPr>
       <p:sp>
         <p:nvSpPr>
-          <p:cNvPr id="2" name="Title 1"/>
+          <p:cNvPr id="2" name="Title 1">
+            <a:extLst>
+              <a:ext uri="{FF2B5EF4-FFF2-40B4-BE49-F238E27FC236}">
+                <a16:creationId xmlns:a16="http://schemas.microsoft.com/office/drawing/2014/main" id="{8D5C1C93-87C9-264A-7437-141CF0413B6B}"/>
+              </a:ext>
+            </a:extLst>
+          </p:cNvPr>
           <p:cNvSpPr>
             <a:spLocks noGrp="1"/>
           </p:cNvSpPr>
@@ -2567,13 +2825,18 @@
               <a:rPr lang="en-GB"/>
               <a:t>Click to edit Master title style</a:t>
             </a:r>
-            <a:endParaRPr lang="en-US" dirty="0"/>
-          </a:p>
-        </p:txBody>
-      </p:sp>
-      <p:sp>
-        <p:nvSpPr>
-          <p:cNvPr id="3" name="Content Placeholder 2"/>
+          </a:p>
+        </p:txBody>
+      </p:sp>
+      <p:sp>
+        <p:nvSpPr>
+          <p:cNvPr id="3" name="Content Placeholder 2">
+            <a:extLst>
+              <a:ext uri="{FF2B5EF4-FFF2-40B4-BE49-F238E27FC236}">
+                <a16:creationId xmlns:a16="http://schemas.microsoft.com/office/drawing/2014/main" id="{12778817-2169-1A0B-181A-CE601BE2F682}"/>
+              </a:ext>
+            </a:extLst>
+          </p:cNvPr>
           <p:cNvSpPr>
             <a:spLocks noGrp="1"/>
           </p:cNvSpPr>
@@ -2652,13 +2915,18 @@
               <a:rPr lang="en-GB"/>
               <a:t>Fifth level</a:t>
             </a:r>
-            <a:endParaRPr lang="en-US" dirty="0"/>
-          </a:p>
-        </p:txBody>
-      </p:sp>
-      <p:sp>
-        <p:nvSpPr>
-          <p:cNvPr id="4" name="Text Placeholder 3"/>
+          </a:p>
+        </p:txBody>
+      </p:sp>
+      <p:sp>
+        <p:nvSpPr>
+          <p:cNvPr id="4" name="Text Placeholder 3">
+            <a:extLst>
+              <a:ext uri="{FF2B5EF4-FFF2-40B4-BE49-F238E27FC236}">
+                <a16:creationId xmlns:a16="http://schemas.microsoft.com/office/drawing/2014/main" id="{D346B10C-FBC1-4724-E719-EDFB747C4E09}"/>
+              </a:ext>
+            </a:extLst>
+          </p:cNvPr>
           <p:cNvSpPr>
             <a:spLocks noGrp="1"/>
           </p:cNvSpPr>
@@ -2723,7 +2991,13 @@
       </p:sp>
       <p:sp>
         <p:nvSpPr>
-          <p:cNvPr id="5" name="Date Placeholder 4"/>
+          <p:cNvPr id="5" name="Date Placeholder 4">
+            <a:extLst>
+              <a:ext uri="{FF2B5EF4-FFF2-40B4-BE49-F238E27FC236}">
+                <a16:creationId xmlns:a16="http://schemas.microsoft.com/office/drawing/2014/main" id="{FFF1CAA5-9B2F-4DA1-33C1-19CFA00C6A76}"/>
+              </a:ext>
+            </a:extLst>
+          </p:cNvPr>
           <p:cNvSpPr>
             <a:spLocks noGrp="1"/>
           </p:cNvSpPr>
@@ -2738,7 +3012,7 @@
           <a:p>
             <a:fld id="{EE6EA10A-9417-43D9-A9C3-B057EA8B1B48}" type="datetimeFigureOut">
               <a:rPr lang="en-GB" smtClean="0"/>
-              <a:t>15/01/2026</a:t>
+              <a:t>07/01/2026</a:t>
             </a:fld>
             <a:endParaRPr lang="en-GB"/>
           </a:p>
@@ -2746,7 +3020,13 @@
       </p:sp>
       <p:sp>
         <p:nvSpPr>
-          <p:cNvPr id="6" name="Footer Placeholder 5"/>
+          <p:cNvPr id="6" name="Footer Placeholder 5">
+            <a:extLst>
+              <a:ext uri="{FF2B5EF4-FFF2-40B4-BE49-F238E27FC236}">
+                <a16:creationId xmlns:a16="http://schemas.microsoft.com/office/drawing/2014/main" id="{F0E44D82-BDF3-936A-6B12-EA4290725921}"/>
+              </a:ext>
+            </a:extLst>
+          </p:cNvPr>
           <p:cNvSpPr>
             <a:spLocks noGrp="1"/>
           </p:cNvSpPr>
@@ -2765,7 +3045,13 @@
       </p:sp>
       <p:sp>
         <p:nvSpPr>
-          <p:cNvPr id="7" name="Slide Number Placeholder 6"/>
+          <p:cNvPr id="7" name="Slide Number Placeholder 6">
+            <a:extLst>
+              <a:ext uri="{FF2B5EF4-FFF2-40B4-BE49-F238E27FC236}">
+                <a16:creationId xmlns:a16="http://schemas.microsoft.com/office/drawing/2014/main" id="{BFB8858F-0EAB-A973-47B1-2838FDE338EE}"/>
+              </a:ext>
+            </a:extLst>
+          </p:cNvPr>
           <p:cNvSpPr>
             <a:spLocks noGrp="1"/>
           </p:cNvSpPr>
@@ -2789,7 +3075,7 @@
     </p:spTree>
     <p:extLst>
       <p:ext uri="{BB962C8B-B14F-4D97-AF65-F5344CB8AC3E}">
-        <p14:creationId xmlns:p14="http://schemas.microsoft.com/office/powerpoint/2010/main" val="3357540043"/>
+        <p14:creationId xmlns:p14="http://schemas.microsoft.com/office/powerpoint/2010/main" val="3404771111"/>
       </p:ext>
     </p:extLst>
   </p:cSld>
@@ -2818,7 +3104,13 @@
       </p:grpSpPr>
       <p:sp>
         <p:nvSpPr>
-          <p:cNvPr id="2" name="Title 1"/>
+          <p:cNvPr id="2" name="Title 1">
+            <a:extLst>
+              <a:ext uri="{FF2B5EF4-FFF2-40B4-BE49-F238E27FC236}">
+                <a16:creationId xmlns:a16="http://schemas.microsoft.com/office/drawing/2014/main" id="{B924D687-428D-3E56-9D92-3C886D155BEF}"/>
+              </a:ext>
+            </a:extLst>
+          </p:cNvPr>
           <p:cNvSpPr>
             <a:spLocks noGrp="1"/>
           </p:cNvSpPr>
@@ -2844,15 +3136,20 @@
               <a:rPr lang="en-GB"/>
               <a:t>Click to edit Master title style</a:t>
             </a:r>
-            <a:endParaRPr lang="en-US" dirty="0"/>
-          </a:p>
-        </p:txBody>
-      </p:sp>
-      <p:sp>
-        <p:nvSpPr>
-          <p:cNvPr id="3" name="Picture Placeholder 2"/>
-          <p:cNvSpPr>
-            <a:spLocks noGrp="1" noChangeAspect="1"/>
+          </a:p>
+        </p:txBody>
+      </p:sp>
+      <p:sp>
+        <p:nvSpPr>
+          <p:cNvPr id="3" name="Picture Placeholder 2">
+            <a:extLst>
+              <a:ext uri="{FF2B5EF4-FFF2-40B4-BE49-F238E27FC236}">
+                <a16:creationId xmlns:a16="http://schemas.microsoft.com/office/drawing/2014/main" id="{B3F0FDB2-3E52-25EA-65F1-AC967F197E41}"/>
+              </a:ext>
+            </a:extLst>
+          </p:cNvPr>
+          <p:cNvSpPr>
+            <a:spLocks noGrp="1"/>
           </p:cNvSpPr>
           <p:nvPr>
             <p:ph type="pic" idx="1"/>
@@ -2865,7 +3162,7 @@
           </a:xfrm>
         </p:spPr>
         <p:txBody>
-          <a:bodyPr anchor="t"/>
+          <a:bodyPr/>
           <a:lstStyle>
             <a:lvl1pPr marL="0" indent="0">
               <a:buNone/>
@@ -2905,17 +3202,19 @@
             </a:lvl9pPr>
           </a:lstStyle>
           <a:p>
-            <a:r>
-              <a:rPr lang="en-GB"/>
-              <a:t>Click icon to add picture</a:t>
-            </a:r>
-            <a:endParaRPr lang="en-US" dirty="0"/>
-          </a:p>
-        </p:txBody>
-      </p:sp>
-      <p:sp>
-        <p:nvSpPr>
-          <p:cNvPr id="4" name="Text Placeholder 3"/>
+            <a:endParaRPr lang="en-GB"/>
+          </a:p>
+        </p:txBody>
+      </p:sp>
+      <p:sp>
+        <p:nvSpPr>
+          <p:cNvPr id="4" name="Text Placeholder 3">
+            <a:extLst>
+              <a:ext uri="{FF2B5EF4-FFF2-40B4-BE49-F238E27FC236}">
+                <a16:creationId xmlns:a16="http://schemas.microsoft.com/office/drawing/2014/main" id="{C7989DEF-5E09-CD1E-69BF-891FB7EEB385}"/>
+              </a:ext>
+            </a:extLst>
+          </p:cNvPr>
           <p:cNvSpPr>
             <a:spLocks noGrp="1"/>
           </p:cNvSpPr>
@@ -2980,7 +3279,13 @@
       </p:sp>
       <p:sp>
         <p:nvSpPr>
-          <p:cNvPr id="5" name="Date Placeholder 4"/>
+          <p:cNvPr id="5" name="Date Placeholder 4">
+            <a:extLst>
+              <a:ext uri="{FF2B5EF4-FFF2-40B4-BE49-F238E27FC236}">
+                <a16:creationId xmlns:a16="http://schemas.microsoft.com/office/drawing/2014/main" id="{5C3E6D59-CAEB-6BFA-D6DD-3262C15B3ACD}"/>
+              </a:ext>
+            </a:extLst>
+          </p:cNvPr>
           <p:cNvSpPr>
             <a:spLocks noGrp="1"/>
           </p:cNvSpPr>
@@ -2995,7 +3300,7 @@
           <a:p>
             <a:fld id="{EE6EA10A-9417-43D9-A9C3-B057EA8B1B48}" type="datetimeFigureOut">
               <a:rPr lang="en-GB" smtClean="0"/>
-              <a:t>15/01/2026</a:t>
+              <a:t>07/01/2026</a:t>
             </a:fld>
             <a:endParaRPr lang="en-GB"/>
           </a:p>
@@ -3003,7 +3308,13 @@
       </p:sp>
       <p:sp>
         <p:nvSpPr>
-          <p:cNvPr id="6" name="Footer Placeholder 5"/>
+          <p:cNvPr id="6" name="Footer Placeholder 5">
+            <a:extLst>
+              <a:ext uri="{FF2B5EF4-FFF2-40B4-BE49-F238E27FC236}">
+                <a16:creationId xmlns:a16="http://schemas.microsoft.com/office/drawing/2014/main" id="{9C8F3EE6-FDE8-983B-DD27-2A8CF4B67028}"/>
+              </a:ext>
+            </a:extLst>
+          </p:cNvPr>
           <p:cNvSpPr>
             <a:spLocks noGrp="1"/>
           </p:cNvSpPr>
@@ -3022,7 +3333,13 @@
       </p:sp>
       <p:sp>
         <p:nvSpPr>
-          <p:cNvPr id="7" name="Slide Number Placeholder 6"/>
+          <p:cNvPr id="7" name="Slide Number Placeholder 6">
+            <a:extLst>
+              <a:ext uri="{FF2B5EF4-FFF2-40B4-BE49-F238E27FC236}">
+                <a16:creationId xmlns:a16="http://schemas.microsoft.com/office/drawing/2014/main" id="{11396999-1E20-296E-9DF9-24BE49F052FF}"/>
+              </a:ext>
+            </a:extLst>
+          </p:cNvPr>
           <p:cNvSpPr>
             <a:spLocks noGrp="1"/>
           </p:cNvSpPr>
@@ -3046,7 +3363,7 @@
     </p:spTree>
     <p:extLst>
       <p:ext uri="{BB962C8B-B14F-4D97-AF65-F5344CB8AC3E}">
-        <p14:creationId xmlns:p14="http://schemas.microsoft.com/office/powerpoint/2010/main" val="418163722"/>
+        <p14:creationId xmlns:p14="http://schemas.microsoft.com/office/powerpoint/2010/main" val="301320626"/>
       </p:ext>
     </p:extLst>
   </p:cSld>
@@ -3080,7 +3397,13 @@
       </p:grpSpPr>
       <p:sp>
         <p:nvSpPr>
-          <p:cNvPr id="2" name="Title Placeholder 1"/>
+          <p:cNvPr id="2" name="Title Placeholder 1">
+            <a:extLst>
+              <a:ext uri="{FF2B5EF4-FFF2-40B4-BE49-F238E27FC236}">
+                <a16:creationId xmlns:a16="http://schemas.microsoft.com/office/drawing/2014/main" id="{679B5353-C298-CE71-D80B-DA3A3B7F67CF}"/>
+              </a:ext>
+            </a:extLst>
+          </p:cNvPr>
           <p:cNvSpPr>
             <a:spLocks noGrp="1"/>
           </p:cNvSpPr>
@@ -3107,13 +3430,18 @@
               <a:rPr lang="en-GB"/>
               <a:t>Click to edit Master title style</a:t>
             </a:r>
-            <a:endParaRPr lang="en-US" dirty="0"/>
-          </a:p>
-        </p:txBody>
-      </p:sp>
-      <p:sp>
-        <p:nvSpPr>
-          <p:cNvPr id="3" name="Text Placeholder 2"/>
+          </a:p>
+        </p:txBody>
+      </p:sp>
+      <p:sp>
+        <p:nvSpPr>
+          <p:cNvPr id="3" name="Text Placeholder 2">
+            <a:extLst>
+              <a:ext uri="{FF2B5EF4-FFF2-40B4-BE49-F238E27FC236}">
+                <a16:creationId xmlns:a16="http://schemas.microsoft.com/office/drawing/2014/main" id="{BA383658-066D-903D-F254-6DE97F7B06F1}"/>
+              </a:ext>
+            </a:extLst>
+          </p:cNvPr>
           <p:cNvSpPr>
             <a:spLocks noGrp="1"/>
           </p:cNvSpPr>
@@ -3169,13 +3497,18 @@
               <a:rPr lang="en-GB"/>
               <a:t>Fifth level</a:t>
             </a:r>
-            <a:endParaRPr lang="en-US" dirty="0"/>
-          </a:p>
-        </p:txBody>
-      </p:sp>
-      <p:sp>
-        <p:nvSpPr>
-          <p:cNvPr id="4" name="Date Placeholder 3"/>
+          </a:p>
+        </p:txBody>
+      </p:sp>
+      <p:sp>
+        <p:nvSpPr>
+          <p:cNvPr id="4" name="Date Placeholder 3">
+            <a:extLst>
+              <a:ext uri="{FF2B5EF4-FFF2-40B4-BE49-F238E27FC236}">
+                <a16:creationId xmlns:a16="http://schemas.microsoft.com/office/drawing/2014/main" id="{2E8D7766-E2DD-1E17-B92B-E3F941172BD6}"/>
+              </a:ext>
+            </a:extLst>
+          </p:cNvPr>
           <p:cNvSpPr>
             <a:spLocks noGrp="1"/>
           </p:cNvSpPr>
@@ -3199,7 +3532,7 @@
               <a:defRPr sz="1200">
                 <a:solidFill>
                   <a:schemeClr val="tx1">
-                    <a:shade val="82000"/>
+                    <a:tint val="82000"/>
                   </a:schemeClr>
                 </a:solidFill>
               </a:defRPr>
@@ -3208,7 +3541,7 @@
           <a:p>
             <a:fld id="{EE6EA10A-9417-43D9-A9C3-B057EA8B1B48}" type="datetimeFigureOut">
               <a:rPr lang="en-GB" smtClean="0"/>
-              <a:t>15/01/2026</a:t>
+              <a:t>07/01/2026</a:t>
             </a:fld>
             <a:endParaRPr lang="en-GB"/>
           </a:p>
@@ -3216,7 +3549,13 @@
       </p:sp>
       <p:sp>
         <p:nvSpPr>
-          <p:cNvPr id="5" name="Footer Placeholder 4"/>
+          <p:cNvPr id="5" name="Footer Placeholder 4">
+            <a:extLst>
+              <a:ext uri="{FF2B5EF4-FFF2-40B4-BE49-F238E27FC236}">
+                <a16:creationId xmlns:a16="http://schemas.microsoft.com/office/drawing/2014/main" id="{24888799-3974-89E8-91D0-252FB062C335}"/>
+              </a:ext>
+            </a:extLst>
+          </p:cNvPr>
           <p:cNvSpPr>
             <a:spLocks noGrp="1"/>
           </p:cNvSpPr>
@@ -3240,7 +3579,7 @@
               <a:defRPr sz="1200">
                 <a:solidFill>
                   <a:schemeClr val="tx1">
-                    <a:shade val="82000"/>
+                    <a:tint val="82000"/>
                   </a:schemeClr>
                 </a:solidFill>
               </a:defRPr>
@@ -3253,7 +3592,13 @@
       </p:sp>
       <p:sp>
         <p:nvSpPr>
-          <p:cNvPr id="6" name="Slide Number Placeholder 5"/>
+          <p:cNvPr id="6" name="Slide Number Placeholder 5">
+            <a:extLst>
+              <a:ext uri="{FF2B5EF4-FFF2-40B4-BE49-F238E27FC236}">
+                <a16:creationId xmlns:a16="http://schemas.microsoft.com/office/drawing/2014/main" id="{83E7658E-A37E-13F3-F60E-B4411BD71FD2}"/>
+              </a:ext>
+            </a:extLst>
+          </p:cNvPr>
           <p:cNvSpPr>
             <a:spLocks noGrp="1"/>
           </p:cNvSpPr>
@@ -3277,7 +3622,7 @@
               <a:defRPr sz="1200">
                 <a:solidFill>
                   <a:schemeClr val="tx1">
-                    <a:shade val="82000"/>
+                    <a:tint val="82000"/>
                   </a:schemeClr>
                 </a:solidFill>
               </a:defRPr>
@@ -3295,23 +3640,23 @@
     </p:spTree>
     <p:extLst>
       <p:ext uri="{BB962C8B-B14F-4D97-AF65-F5344CB8AC3E}">
-        <p14:creationId xmlns:p14="http://schemas.microsoft.com/office/powerpoint/2010/main" val="1284759746"/>
+        <p14:creationId xmlns:p14="http://schemas.microsoft.com/office/powerpoint/2010/main" val="2071153287"/>
       </p:ext>
     </p:extLst>
   </p:cSld>
-  <p:clrMap bg1="dk1" tx1="lt1" bg2="dk2" tx2="lt2" accent1="accent1" accent2="accent2" accent3="accent3" accent4="accent4" accent5="accent5" accent6="accent6" hlink="hlink" folHlink="folHlink"/>
+  <p:clrMap bg1="lt1" tx1="dk1" bg2="lt2" tx2="dk2" accent1="accent1" accent2="accent2" accent3="accent3" accent4="accent4" accent5="accent5" accent6="accent6" hlink="hlink" folHlink="folHlink"/>
   <p:sldLayoutIdLst>
-    <p:sldLayoutId id="2147483661" r:id="rId1"/>
-    <p:sldLayoutId id="2147483662" r:id="rId2"/>
-    <p:sldLayoutId id="2147483663" r:id="rId3"/>
-    <p:sldLayoutId id="2147483664" r:id="rId4"/>
-    <p:sldLayoutId id="2147483665" r:id="rId5"/>
-    <p:sldLayoutId id="2147483666" r:id="rId6"/>
-    <p:sldLayoutId id="2147483667" r:id="rId7"/>
-    <p:sldLayoutId id="2147483668" r:id="rId8"/>
-    <p:sldLayoutId id="2147483669" r:id="rId9"/>
-    <p:sldLayoutId id="2147483670" r:id="rId10"/>
-    <p:sldLayoutId id="2147483671" r:id="rId11"/>
+    <p:sldLayoutId id="2147483649" r:id="rId1"/>
+    <p:sldLayoutId id="2147483650" r:id="rId2"/>
+    <p:sldLayoutId id="2147483651" r:id="rId3"/>
+    <p:sldLayoutId id="2147483652" r:id="rId4"/>
+    <p:sldLayoutId id="2147483653" r:id="rId5"/>
+    <p:sldLayoutId id="2147483654" r:id="rId6"/>
+    <p:sldLayoutId id="2147483655" r:id="rId7"/>
+    <p:sldLayoutId id="2147483656" r:id="rId8"/>
+    <p:sldLayoutId id="2147483657" r:id="rId9"/>
+    <p:sldLayoutId id="2147483658" r:id="rId10"/>
+    <p:sldLayoutId id="2147483659" r:id="rId11"/>
   </p:sldLayoutIdLst>
   <p:txStyles>
     <p:titleStyle>
@@ -3762,9 +4107,7 @@
         </p:nvSpPr>
         <p:spPr/>
         <p:txBody>
-          <a:bodyPr>
-            <a:normAutofit fontScale="92500" lnSpcReduction="10000"/>
-          </a:bodyPr>
+          <a:bodyPr/>
           <a:lstStyle/>
           <a:p>
             <a:r>
@@ -3777,34 +4120,6 @@
             <a:r>
               <a:rPr lang="ro-RO" noProof="1"/>
               <a:t>Universitatea de Știinte Exacte “Aurel Vlaicu” Arad</a:t>
-            </a:r>
-            <a:endParaRPr lang="en-GB" noProof="1"/>
-          </a:p>
-          <a:p>
-            <a:endParaRPr lang="en-GB" noProof="1"/>
-          </a:p>
-          <a:p>
-            <a:r>
-              <a:rPr lang="en-GB" sz="1500" noProof="1">
-                <a:solidFill>
-                  <a:schemeClr val="bg1">
-                    <a:lumMod val="75000"/>
-                    <a:lumOff val="25000"/>
-                  </a:schemeClr>
-                </a:solidFill>
-              </a:rPr>
-              <a:t>Cod surs</a:t>
-            </a:r>
-            <a:r>
-              <a:rPr lang="ro-RO" sz="1500" noProof="1">
-                <a:solidFill>
-                  <a:schemeClr val="bg1">
-                    <a:lumMod val="75000"/>
-                    <a:lumOff val="25000"/>
-                  </a:schemeClr>
-                </a:solidFill>
-              </a:rPr>
-              <a:t>ă: https://github.com/averageMelons/javaPrezentUI</a:t>
             </a:r>
           </a:p>
         </p:txBody>
@@ -3819,13 +4134,13 @@
   <p:clrMapOvr>
     <a:masterClrMapping/>
   </p:clrMapOvr>
-  <mc:AlternateContent xmlns:mc="http://schemas.openxmlformats.org/markup-compatibility/2006" xmlns:p159="http://schemas.microsoft.com/office/powerpoint/2015/09/main">
-    <mc:Choice Requires="p159">
+  <mc:AlternateContent xmlns:mc="http://schemas.openxmlformats.org/markup-compatibility/2006">
+    <mc:Choice xmlns:p159="http://schemas.microsoft.com/office/powerpoint/2015/09/main" Requires="p159">
       <p:transition xmlns:p14="http://schemas.microsoft.com/office/powerpoint/2010/main" spd="slow" p14:dur="2000">
         <p159:morph option="byObject"/>
       </p:transition>
     </mc:Choice>
-    <mc:Fallback xmlns="">
+    <mc:Fallback>
       <p:transition spd="slow">
         <p:fade/>
       </p:transition>
@@ -3875,7 +4190,7 @@
         </p:nvSpPr>
         <p:spPr>
           <a:xfrm>
-            <a:off x="6424613" y="239713"/>
+            <a:off x="6096000" y="239713"/>
             <a:ext cx="5767387" cy="349250"/>
           </a:xfrm>
         </p:spPr>
@@ -3890,8 +4205,7 @@
               <a:rPr lang="ro-RO" sz="1600" noProof="1">
                 <a:solidFill>
                   <a:schemeClr val="bg1">
-                    <a:lumMod val="50000"/>
-                    <a:lumOff val="50000"/>
+                    <a:lumMod val="75000"/>
                   </a:schemeClr>
                 </a:solidFill>
               </a:rPr>
@@ -3918,7 +4232,7 @@
         </p:nvSpPr>
         <p:spPr>
           <a:xfrm>
-            <a:off x="6424613" y="588963"/>
+            <a:off x="6096000" y="588963"/>
             <a:ext cx="5767387" cy="347662"/>
           </a:xfrm>
         </p:spPr>
@@ -3935,8 +4249,7 @@
               <a:rPr lang="ro-RO" sz="1000" noProof="1">
                 <a:solidFill>
                   <a:schemeClr val="bg1">
-                    <a:lumMod val="50000"/>
-                    <a:lumOff val="50000"/>
+                    <a:lumMod val="75000"/>
                   </a:schemeClr>
                 </a:solidFill>
               </a:rPr>
@@ -3946,8 +4259,7 @@
               <a:rPr lang="ro-RO" sz="1000" noProof="1">
                 <a:solidFill>
                   <a:schemeClr val="bg1">
-                    <a:lumMod val="50000"/>
-                    <a:lumOff val="50000"/>
+                    <a:lumMod val="75000"/>
                   </a:schemeClr>
                 </a:solidFill>
               </a:rPr>
@@ -3956,8 +4268,7 @@
               <a:rPr lang="ro-RO" sz="1000" noProof="1">
                 <a:solidFill>
                   <a:schemeClr val="bg1">
-                    <a:lumMod val="50000"/>
-                    <a:lumOff val="50000"/>
+                    <a:lumMod val="75000"/>
                   </a:schemeClr>
                 </a:solidFill>
               </a:rPr>
@@ -4188,13 +4499,13 @@
   <p:clrMapOvr>
     <a:masterClrMapping/>
   </p:clrMapOvr>
-  <mc:AlternateContent xmlns:mc="http://schemas.openxmlformats.org/markup-compatibility/2006" xmlns:p159="http://schemas.microsoft.com/office/powerpoint/2015/09/main">
-    <mc:Choice Requires="p159">
+  <mc:AlternateContent xmlns:mc="http://schemas.openxmlformats.org/markup-compatibility/2006">
+    <mc:Choice xmlns:p159="http://schemas.microsoft.com/office/powerpoint/2015/09/main" Requires="p159">
       <p:transition xmlns:p14="http://schemas.microsoft.com/office/powerpoint/2010/main" spd="slow" p14:dur="2000">
         <p159:morph option="byObject"/>
       </p:transition>
     </mc:Choice>
-    <mc:Fallback xmlns="">
+    <mc:Fallback>
       <p:transition spd="slow">
         <p:fade/>
       </p:transition>
@@ -4244,7 +4555,7 @@
         </p:nvSpPr>
         <p:spPr>
           <a:xfrm>
-            <a:off x="6424613" y="239713"/>
+            <a:off x="6096000" y="239713"/>
             <a:ext cx="5767387" cy="349250"/>
           </a:xfrm>
         </p:spPr>
@@ -4259,8 +4570,7 @@
               <a:rPr lang="ro-RO" sz="1600" noProof="1">
                 <a:solidFill>
                   <a:schemeClr val="bg1">
-                    <a:lumMod val="50000"/>
-                    <a:lumOff val="50000"/>
+                    <a:lumMod val="75000"/>
                   </a:schemeClr>
                 </a:solidFill>
               </a:rPr>
@@ -4287,7 +4597,7 @@
         </p:nvSpPr>
         <p:spPr>
           <a:xfrm>
-            <a:off x="6424613" y="588963"/>
+            <a:off x="6096000" y="588963"/>
             <a:ext cx="5767387" cy="347662"/>
           </a:xfrm>
         </p:spPr>
@@ -4304,8 +4614,7 @@
               <a:rPr lang="ro-RO" sz="1000" noProof="1">
                 <a:solidFill>
                   <a:schemeClr val="bg1">
-                    <a:lumMod val="50000"/>
-                    <a:lumOff val="50000"/>
+                    <a:lumMod val="75000"/>
                   </a:schemeClr>
                 </a:solidFill>
               </a:rPr>
@@ -4315,8 +4624,7 @@
               <a:rPr lang="ro-RO" sz="1000" noProof="1">
                 <a:solidFill>
                   <a:schemeClr val="bg1">
-                    <a:lumMod val="50000"/>
-                    <a:lumOff val="50000"/>
+                    <a:lumMod val="75000"/>
                   </a:schemeClr>
                 </a:solidFill>
               </a:rPr>
@@ -4325,8 +4633,7 @@
               <a:rPr lang="ro-RO" sz="1000" noProof="1">
                 <a:solidFill>
                   <a:schemeClr val="bg1">
-                    <a:lumMod val="50000"/>
-                    <a:lumOff val="50000"/>
+                    <a:lumMod val="75000"/>
                   </a:schemeClr>
                 </a:solidFill>
               </a:rPr>
@@ -4603,13 +4910,13 @@
   <p:clrMapOvr>
     <a:masterClrMapping/>
   </p:clrMapOvr>
-  <mc:AlternateContent xmlns:mc="http://schemas.openxmlformats.org/markup-compatibility/2006" xmlns:p159="http://schemas.microsoft.com/office/powerpoint/2015/09/main">
-    <mc:Choice Requires="p159">
+  <mc:AlternateContent xmlns:mc="http://schemas.openxmlformats.org/markup-compatibility/2006">
+    <mc:Choice xmlns:p159="http://schemas.microsoft.com/office/powerpoint/2015/09/main" Requires="p159">
       <p:transition xmlns:p14="http://schemas.microsoft.com/office/powerpoint/2010/main" spd="slow" p14:dur="2000">
         <p159:morph option="byObject"/>
       </p:transition>
     </mc:Choice>
-    <mc:Fallback xmlns="">
+    <mc:Fallback>
       <p:transition spd="slow">
         <p:fade/>
       </p:transition>
@@ -4659,7 +4966,7 @@
         </p:nvSpPr>
         <p:spPr>
           <a:xfrm>
-            <a:off x="6424613" y="239713"/>
+            <a:off x="6096000" y="239713"/>
             <a:ext cx="5767387" cy="349250"/>
           </a:xfrm>
         </p:spPr>
@@ -4674,8 +4981,7 @@
               <a:rPr lang="ro-RO" sz="1600" noProof="1">
                 <a:solidFill>
                   <a:schemeClr val="bg1">
-                    <a:lumMod val="50000"/>
-                    <a:lumOff val="50000"/>
+                    <a:lumMod val="75000"/>
                   </a:schemeClr>
                 </a:solidFill>
               </a:rPr>
@@ -4702,7 +5008,7 @@
         </p:nvSpPr>
         <p:spPr>
           <a:xfrm>
-            <a:off x="6424613" y="588963"/>
+            <a:off x="6096000" y="588963"/>
             <a:ext cx="5767387" cy="347662"/>
           </a:xfrm>
         </p:spPr>
@@ -4719,8 +5025,7 @@
               <a:rPr lang="ro-RO" sz="1000" noProof="1">
                 <a:solidFill>
                   <a:schemeClr val="bg1">
-                    <a:lumMod val="50000"/>
-                    <a:lumOff val="50000"/>
+                    <a:lumMod val="75000"/>
                   </a:schemeClr>
                 </a:solidFill>
               </a:rPr>
@@ -4730,8 +5035,7 @@
               <a:rPr lang="ro-RO" sz="1000" noProof="1">
                 <a:solidFill>
                   <a:schemeClr val="bg1">
-                    <a:lumMod val="50000"/>
-                    <a:lumOff val="50000"/>
+                    <a:lumMod val="75000"/>
                   </a:schemeClr>
                 </a:solidFill>
               </a:rPr>
@@ -4740,8 +5044,7 @@
               <a:rPr lang="ro-RO" sz="1000" noProof="1">
                 <a:solidFill>
                   <a:schemeClr val="bg1">
-                    <a:lumMod val="50000"/>
-                    <a:lumOff val="50000"/>
+                    <a:lumMod val="75000"/>
                   </a:schemeClr>
                 </a:solidFill>
               </a:rPr>
@@ -4864,7 +5167,6 @@
           <a:prstGeom prst="rect">
             <a:avLst/>
           </a:prstGeom>
-          <a:noFill/>
           <a:ln cap="flat" cmpd="sng">
             <a:noFill/>
             <a:prstDash val="sysDot"/>
@@ -4902,20 +5204,41 @@
             </a:pPr>
             <a:r>
               <a:rPr lang="en-US" sz="1800">
+                <a:effectLst/>
+                <a:latin typeface="Consolas" panose="020B0609020204030204" pitchFamily="49" charset="0"/>
+                <a:ea typeface="Calibri" panose="020F0502020204030204" pitchFamily="34" charset="0"/>
+                <a:cs typeface="Times New Roman" panose="02020603050405020304" pitchFamily="18" charset="0"/>
+              </a:rPr>
+              <a:t>public class Person {</a:t>
+            </a:r>
+            <a:br>
+              <a:rPr lang="en-US" sz="1800">
+                <a:effectLst/>
+                <a:latin typeface="Consolas" panose="020B0609020204030204" pitchFamily="49" charset="0"/>
+                <a:ea typeface="Calibri" panose="020F0502020204030204" pitchFamily="34" charset="0"/>
+                <a:cs typeface="Times New Roman" panose="02020603050405020304" pitchFamily="18" charset="0"/>
+              </a:rPr>
+            </a:br>
+            <a:r>
+              <a:rPr lang="en-US" sz="1800">
                 <a:solidFill>
-                  <a:schemeClr val="tx1"/>
+                  <a:schemeClr val="bg1">
+                    <a:lumMod val="50000"/>
+                  </a:schemeClr>
                 </a:solidFill>
                 <a:effectLst/>
                 <a:latin typeface="Consolas" panose="020B0609020204030204" pitchFamily="49" charset="0"/>
                 <a:ea typeface="Calibri" panose="020F0502020204030204" pitchFamily="34" charset="0"/>
                 <a:cs typeface="Times New Roman" panose="02020603050405020304" pitchFamily="18" charset="0"/>
               </a:rPr>
-              <a:t>public class Person {</a:t>
+              <a:t>    private SimpleStringProperty name;</a:t>
             </a:r>
             <a:br>
               <a:rPr lang="en-US" sz="1800">
                 <a:solidFill>
-                  <a:schemeClr val="tx1"/>
+                  <a:schemeClr val="bg1">
+                    <a:lumMod val="50000"/>
+                  </a:schemeClr>
                 </a:solidFill>
                 <a:effectLst/>
                 <a:latin typeface="Consolas" panose="020B0609020204030204" pitchFamily="49" charset="0"/>
@@ -4926,104 +5249,115 @@
             <a:r>
               <a:rPr lang="en-US" sz="1800">
                 <a:solidFill>
-                  <a:schemeClr val="tx1"/>
+                  <a:schemeClr val="bg1">
+                    <a:lumMod val="50000"/>
+                  </a:schemeClr>
                 </a:solidFill>
                 <a:effectLst/>
                 <a:latin typeface="Consolas" panose="020B0609020204030204" pitchFamily="49" charset="0"/>
                 <a:ea typeface="Calibri" panose="020F0502020204030204" pitchFamily="34" charset="0"/>
                 <a:cs typeface="Times New Roman" panose="02020603050405020304" pitchFamily="18" charset="0"/>
               </a:rPr>
-              <a:t>    private SimpleStringProperty name;</a:t>
+              <a:t>    private SimpleStringProperty materie;</a:t>
             </a:r>
             <a:br>
               <a:rPr lang="en-US" sz="1800">
-                <a:solidFill>
-                  <a:schemeClr val="tx1"/>
-                </a:solidFill>
                 <a:effectLst/>
                 <a:latin typeface="Consolas" panose="020B0609020204030204" pitchFamily="49" charset="0"/>
                 <a:ea typeface="Calibri" panose="020F0502020204030204" pitchFamily="34" charset="0"/>
                 <a:cs typeface="Times New Roman" panose="02020603050405020304" pitchFamily="18" charset="0"/>
               </a:rPr>
             </a:br>
-            <a:r>
+            <a:br>
               <a:rPr lang="en-US" sz="1800">
-                <a:solidFill>
-                  <a:schemeClr val="tx1"/>
-                </a:solidFill>
                 <a:effectLst/>
                 <a:latin typeface="Consolas" panose="020B0609020204030204" pitchFamily="49" charset="0"/>
                 <a:ea typeface="Calibri" panose="020F0502020204030204" pitchFamily="34" charset="0"/>
                 <a:cs typeface="Times New Roman" panose="02020603050405020304" pitchFamily="18" charset="0"/>
               </a:rPr>
-              <a:t>    private SimpleStringProperty materie;</a:t>
-            </a:r>
-            <a:br>
+            </a:br>
+            <a:r>
               <a:rPr lang="en-US" sz="1800">
-                <a:solidFill>
-                  <a:schemeClr val="tx1"/>
-                </a:solidFill>
                 <a:effectLst/>
                 <a:latin typeface="Consolas" panose="020B0609020204030204" pitchFamily="49" charset="0"/>
                 <a:ea typeface="Calibri" panose="020F0502020204030204" pitchFamily="34" charset="0"/>
                 <a:cs typeface="Times New Roman" panose="02020603050405020304" pitchFamily="18" charset="0"/>
               </a:rPr>
-            </a:br>
-            <a:br>
+              <a:t>    public String </a:t>
+            </a:r>
+            <a:r>
+              <a:rPr lang="en-US" sz="1800" b="1">
+                <a:effectLst/>
+                <a:highlight>
+                  <a:srgbClr val="FFFF00"/>
+                </a:highlight>
+                <a:latin typeface="Consolas" panose="020B0609020204030204" pitchFamily="49" charset="0"/>
+                <a:ea typeface="Calibri" panose="020F0502020204030204" pitchFamily="34" charset="0"/>
+                <a:cs typeface="Times New Roman" panose="02020603050405020304" pitchFamily="18" charset="0"/>
+              </a:rPr>
+              <a:t>getName() </a:t>
+            </a:r>
+            <a:r>
               <a:rPr lang="en-US" sz="1800">
-                <a:solidFill>
-                  <a:schemeClr val="tx1"/>
-                </a:solidFill>
                 <a:effectLst/>
                 <a:latin typeface="Consolas" panose="020B0609020204030204" pitchFamily="49" charset="0"/>
                 <a:ea typeface="Calibri" panose="020F0502020204030204" pitchFamily="34" charset="0"/>
                 <a:cs typeface="Times New Roman" panose="02020603050405020304" pitchFamily="18" charset="0"/>
               </a:rPr>
-            </a:br>
-            <a:r>
+              <a:t>{ return name.get(); }</a:t>
+            </a:r>
+            <a:br>
               <a:rPr lang="en-US" sz="1800">
-                <a:solidFill>
-                  <a:schemeClr val="tx1"/>
-                </a:solidFill>
                 <a:effectLst/>
                 <a:latin typeface="Consolas" panose="020B0609020204030204" pitchFamily="49" charset="0"/>
                 <a:ea typeface="Calibri" panose="020F0502020204030204" pitchFamily="34" charset="0"/>
                 <a:cs typeface="Times New Roman" panose="02020603050405020304" pitchFamily="18" charset="0"/>
               </a:rPr>
-              <a:t>    public String </a:t>
+            </a:br>
+            <a:r>
+              <a:rPr lang="en-US" sz="1800">
+                <a:effectLst/>
+                <a:latin typeface="Consolas" panose="020B0609020204030204" pitchFamily="49" charset="0"/>
+                <a:ea typeface="Calibri" panose="020F0502020204030204" pitchFamily="34" charset="0"/>
+                <a:cs typeface="Times New Roman" panose="02020603050405020304" pitchFamily="18" charset="0"/>
+              </a:rPr>
+              <a:t>    public SimpleStringProperty </a:t>
             </a:r>
             <a:r>
               <a:rPr lang="en-US" sz="1800" b="1">
-                <a:solidFill>
-                  <a:schemeClr val="tx1"/>
-                </a:solidFill>
                 <a:effectLst/>
                 <a:highlight>
-                  <a:srgbClr val="808000"/>
+                  <a:srgbClr val="FFFF00"/>
                 </a:highlight>
                 <a:latin typeface="Consolas" panose="020B0609020204030204" pitchFamily="49" charset="0"/>
                 <a:ea typeface="Calibri" panose="020F0502020204030204" pitchFamily="34" charset="0"/>
                 <a:cs typeface="Times New Roman" panose="02020603050405020304" pitchFamily="18" charset="0"/>
               </a:rPr>
-              <a:t>getName() </a:t>
+              <a:t>nameProperty()</a:t>
             </a:r>
             <a:r>
               <a:rPr lang="en-US" sz="1800">
-                <a:solidFill>
-                  <a:schemeClr val="tx1"/>
-                </a:solidFill>
+                <a:effectLst/>
+                <a:highlight>
+                  <a:srgbClr val="FFFF00"/>
+                </a:highlight>
+                <a:latin typeface="Consolas" panose="020B0609020204030204" pitchFamily="49" charset="0"/>
+                <a:ea typeface="Calibri" panose="020F0502020204030204" pitchFamily="34" charset="0"/>
+                <a:cs typeface="Times New Roman" panose="02020603050405020304" pitchFamily="18" charset="0"/>
+              </a:rPr>
+              <a:t> </a:t>
+            </a:r>
+            <a:r>
+              <a:rPr lang="en-US" sz="1800">
                 <a:effectLst/>
                 <a:latin typeface="Consolas" panose="020B0609020204030204" pitchFamily="49" charset="0"/>
                 <a:ea typeface="Calibri" panose="020F0502020204030204" pitchFamily="34" charset="0"/>
                 <a:cs typeface="Times New Roman" panose="02020603050405020304" pitchFamily="18" charset="0"/>
               </a:rPr>
-              <a:t>{ return name.get(); }</a:t>
+              <a:t>{ return name; }</a:t>
             </a:r>
             <a:br>
               <a:rPr lang="en-US" sz="1800">
-                <a:solidFill>
-                  <a:schemeClr val="tx1"/>
-                </a:solidFill>
                 <a:effectLst/>
                 <a:latin typeface="Consolas" panose="020B0609020204030204" pitchFamily="49" charset="0"/>
                 <a:ea typeface="Calibri" panose="020F0502020204030204" pitchFamily="34" charset="0"/>
@@ -5032,85 +5366,14 @@
             </a:br>
             <a:r>
               <a:rPr lang="en-US" sz="1800">
-                <a:solidFill>
-                  <a:schemeClr val="tx1"/>
-                </a:solidFill>
                 <a:effectLst/>
                 <a:latin typeface="Consolas" panose="020B0609020204030204" pitchFamily="49" charset="0"/>
                 <a:ea typeface="Calibri" panose="020F0502020204030204" pitchFamily="34" charset="0"/>
                 <a:cs typeface="Times New Roman" panose="02020603050405020304" pitchFamily="18" charset="0"/>
               </a:rPr>
-              <a:t>    public SimpleStringProperty </a:t>
-            </a:r>
-            <a:r>
-              <a:rPr lang="en-US" sz="1800" b="1">
-                <a:solidFill>
-                  <a:schemeClr val="tx1"/>
-                </a:solidFill>
-                <a:effectLst/>
-                <a:highlight>
-                  <a:srgbClr val="808000"/>
-                </a:highlight>
-                <a:latin typeface="Consolas" panose="020B0609020204030204" pitchFamily="49" charset="0"/>
-                <a:ea typeface="Calibri" panose="020F0502020204030204" pitchFamily="34" charset="0"/>
-                <a:cs typeface="Times New Roman" panose="02020603050405020304" pitchFamily="18" charset="0"/>
-              </a:rPr>
-              <a:t>nameProperty()</a:t>
-            </a:r>
-            <a:r>
-              <a:rPr lang="en-US" sz="1800">
-                <a:solidFill>
-                  <a:schemeClr val="tx1"/>
-                </a:solidFill>
-                <a:effectLst/>
-                <a:highlight>
-                  <a:srgbClr val="808000"/>
-                </a:highlight>
-                <a:latin typeface="Consolas" panose="020B0609020204030204" pitchFamily="49" charset="0"/>
-                <a:ea typeface="Calibri" panose="020F0502020204030204" pitchFamily="34" charset="0"/>
-                <a:cs typeface="Times New Roman" panose="02020603050405020304" pitchFamily="18" charset="0"/>
-              </a:rPr>
-              <a:t> </a:t>
-            </a:r>
-            <a:r>
-              <a:rPr lang="en-US" sz="1800">
-                <a:solidFill>
-                  <a:schemeClr val="tx1"/>
-                </a:solidFill>
-                <a:effectLst/>
-                <a:latin typeface="Consolas" panose="020B0609020204030204" pitchFamily="49" charset="0"/>
-                <a:ea typeface="Calibri" panose="020F0502020204030204" pitchFamily="34" charset="0"/>
-                <a:cs typeface="Times New Roman" panose="02020603050405020304" pitchFamily="18" charset="0"/>
-              </a:rPr>
-              <a:t>{ return name; }</a:t>
-            </a:r>
-            <a:br>
-              <a:rPr lang="en-US" sz="1800">
-                <a:solidFill>
-                  <a:schemeClr val="tx1"/>
-                </a:solidFill>
-                <a:effectLst/>
-                <a:latin typeface="Consolas" panose="020B0609020204030204" pitchFamily="49" charset="0"/>
-                <a:ea typeface="Calibri" panose="020F0502020204030204" pitchFamily="34" charset="0"/>
-                <a:cs typeface="Times New Roman" panose="02020603050405020304" pitchFamily="18" charset="0"/>
-              </a:rPr>
-            </a:br>
-            <a:r>
-              <a:rPr lang="en-US" sz="1800">
-                <a:solidFill>
-                  <a:schemeClr val="tx1"/>
-                </a:solidFill>
-                <a:effectLst/>
-                <a:latin typeface="Consolas" panose="020B0609020204030204" pitchFamily="49" charset="0"/>
-                <a:ea typeface="Calibri" panose="020F0502020204030204" pitchFamily="34" charset="0"/>
-                <a:cs typeface="Times New Roman" panose="02020603050405020304" pitchFamily="18" charset="0"/>
-              </a:rPr>
               <a:t>}</a:t>
             </a:r>
             <a:endParaRPr lang="en-GB" sz="2800">
-              <a:solidFill>
-                <a:schemeClr val="tx1"/>
-              </a:solidFill>
               <a:effectLst/>
               <a:latin typeface="Calibri" panose="020F0502020204030204" pitchFamily="34" charset="0"/>
               <a:ea typeface="Calibri" panose="020F0502020204030204" pitchFamily="34" charset="0"/>
@@ -5129,13 +5392,13 @@
   <p:clrMapOvr>
     <a:masterClrMapping/>
   </p:clrMapOvr>
-  <mc:AlternateContent xmlns:mc="http://schemas.openxmlformats.org/markup-compatibility/2006" xmlns:p159="http://schemas.microsoft.com/office/powerpoint/2015/09/main">
-    <mc:Choice Requires="p159">
+  <mc:AlternateContent xmlns:mc="http://schemas.openxmlformats.org/markup-compatibility/2006">
+    <mc:Choice xmlns:p159="http://schemas.microsoft.com/office/powerpoint/2015/09/main" Requires="p159">
       <p:transition xmlns:p14="http://schemas.microsoft.com/office/powerpoint/2010/main" spd="slow" p14:dur="2000">
         <p159:morph option="byObject"/>
       </p:transition>
     </mc:Choice>
-    <mc:Fallback xmlns="">
+    <mc:Fallback>
       <p:transition spd="slow">
         <p:fade/>
       </p:transition>
@@ -5185,7 +5448,7 @@
         </p:nvSpPr>
         <p:spPr>
           <a:xfrm>
-            <a:off x="6424613" y="239713"/>
+            <a:off x="6096000" y="239713"/>
             <a:ext cx="5767387" cy="349250"/>
           </a:xfrm>
         </p:spPr>
@@ -5200,8 +5463,7 @@
               <a:rPr lang="ro-RO" sz="1600" noProof="1">
                 <a:solidFill>
                   <a:schemeClr val="bg1">
-                    <a:lumMod val="50000"/>
-                    <a:lumOff val="50000"/>
+                    <a:lumMod val="75000"/>
                   </a:schemeClr>
                 </a:solidFill>
               </a:rPr>
@@ -5228,7 +5490,7 @@
         </p:nvSpPr>
         <p:spPr>
           <a:xfrm>
-            <a:off x="6424613" y="588963"/>
+            <a:off x="6096000" y="588963"/>
             <a:ext cx="5767387" cy="347662"/>
           </a:xfrm>
         </p:spPr>
@@ -5245,8 +5507,7 @@
               <a:rPr lang="ro-RO" sz="1000" noProof="1">
                 <a:solidFill>
                   <a:schemeClr val="bg1">
-                    <a:lumMod val="50000"/>
-                    <a:lumOff val="50000"/>
+                    <a:lumMod val="75000"/>
                   </a:schemeClr>
                 </a:solidFill>
               </a:rPr>
@@ -5256,8 +5517,7 @@
               <a:rPr lang="ro-RO" sz="1000" noProof="1">
                 <a:solidFill>
                   <a:schemeClr val="bg1">
-                    <a:lumMod val="50000"/>
-                    <a:lumOff val="50000"/>
+                    <a:lumMod val="75000"/>
                   </a:schemeClr>
                 </a:solidFill>
               </a:rPr>
@@ -5266,8 +5526,7 @@
               <a:rPr lang="ro-RO" sz="1000" noProof="1">
                 <a:solidFill>
                   <a:schemeClr val="bg1">
-                    <a:lumMod val="50000"/>
-                    <a:lumOff val="50000"/>
+                    <a:lumMod val="75000"/>
                   </a:schemeClr>
                 </a:solidFill>
               </a:rPr>
@@ -5434,7 +5693,6 @@
           <a:prstGeom prst="rect">
             <a:avLst/>
           </a:prstGeom>
-          <a:noFill/>
           <a:ln cap="flat" cmpd="sng">
             <a:noFill/>
             <a:prstDash val="sysDot"/>
@@ -5472,9 +5730,6 @@
             </a:pPr>
             <a:r>
               <a:rPr lang="en-GB">
-                <a:solidFill>
-                  <a:schemeClr val="tx1"/>
-                </a:solidFill>
                 <a:effectLst/>
                 <a:latin typeface="Consolas" panose="020B0609020204030204" pitchFamily="49" charset="0"/>
                 <a:ea typeface="Calibri" panose="020F0502020204030204" pitchFamily="34" charset="0"/>
@@ -5484,12 +5739,9 @@
             </a:r>
             <a:r>
               <a:rPr lang="en-GB" b="1">
-                <a:solidFill>
-                  <a:schemeClr val="tx1"/>
-                </a:solidFill>
                 <a:effectLst/>
                 <a:highlight>
-                  <a:srgbClr val="808000"/>
+                  <a:srgbClr val="FFFF00"/>
                 </a:highlight>
                 <a:latin typeface="Consolas" panose="020B0609020204030204" pitchFamily="49" charset="0"/>
                 <a:ea typeface="Calibri" panose="020F0502020204030204" pitchFamily="34" charset="0"/>
@@ -5499,9 +5751,6 @@
             </a:r>
             <a:r>
               <a:rPr lang="en-GB">
-                <a:solidFill>
-                  <a:schemeClr val="tx1"/>
-                </a:solidFill>
                 <a:effectLst/>
                 <a:latin typeface="Consolas" panose="020B0609020204030204" pitchFamily="49" charset="0"/>
                 <a:ea typeface="Calibri" panose="020F0502020204030204" pitchFamily="34" charset="0"/>
@@ -5522,9 +5771,6 @@
             </a:pPr>
             <a:r>
               <a:rPr lang="en-GB">
-                <a:solidFill>
-                  <a:schemeClr val="tx1"/>
-                </a:solidFill>
                 <a:effectLst/>
                 <a:latin typeface="Consolas" panose="020B0609020204030204" pitchFamily="49" charset="0"/>
                 <a:ea typeface="Calibri" panose="020F0502020204030204" pitchFamily="34" charset="0"/>
@@ -5534,12 +5780,9 @@
             </a:r>
             <a:r>
               <a:rPr lang="en-GB" b="1">
-                <a:solidFill>
-                  <a:schemeClr val="tx1"/>
-                </a:solidFill>
                 <a:effectLst/>
                 <a:highlight>
-                  <a:srgbClr val="808000"/>
+                  <a:srgbClr val="FFFF00"/>
                 </a:highlight>
                 <a:latin typeface="Consolas" panose="020B0609020204030204" pitchFamily="49" charset="0"/>
                 <a:ea typeface="Calibri" panose="020F0502020204030204" pitchFamily="34" charset="0"/>
@@ -5560,9 +5803,6 @@
             </a:pPr>
             <a:r>
               <a:rPr lang="en-GB">
-                <a:solidFill>
-                  <a:schemeClr val="tx1"/>
-                </a:solidFill>
                 <a:effectLst/>
                 <a:latin typeface="Consolas" panose="020B0609020204030204" pitchFamily="49" charset="0"/>
                 <a:ea typeface="Calibri" panose="020F0502020204030204" pitchFamily="34" charset="0"/>
@@ -5584,7 +5824,9 @@
             <a:r>
               <a:rPr lang="en-GB">
                 <a:solidFill>
-                  <a:schemeClr val="tx1"/>
+                  <a:schemeClr val="bg1">
+                    <a:lumMod val="65000"/>
+                  </a:schemeClr>
                 </a:solidFill>
                 <a:effectLst/>
                 <a:latin typeface="Consolas" panose="020B0609020204030204" pitchFamily="49" charset="0"/>
@@ -5596,7 +5838,9 @@
             <a:r>
               <a:rPr lang="en-GB" b="1">
                 <a:solidFill>
-                  <a:schemeClr val="tx1"/>
+                  <a:schemeClr val="bg1">
+                    <a:lumMod val="50000"/>
+                  </a:schemeClr>
                 </a:solidFill>
                 <a:effectLst/>
                 <a:latin typeface="Consolas" panose="020B0609020204030204" pitchFamily="49" charset="0"/>
@@ -5619,7 +5863,9 @@
             <a:r>
               <a:rPr lang="en-GB">
                 <a:solidFill>
-                  <a:schemeClr val="tx1"/>
+                  <a:schemeClr val="bg1">
+                    <a:lumMod val="65000"/>
+                  </a:schemeClr>
                 </a:solidFill>
                 <a:effectLst/>
                 <a:latin typeface="Consolas" panose="020B0609020204030204" pitchFamily="49" charset="0"/>
@@ -5631,7 +5877,9 @@
             <a:r>
               <a:rPr lang="en-GB" b="1">
                 <a:solidFill>
-                  <a:schemeClr val="tx1"/>
+                  <a:schemeClr val="bg1">
+                    <a:lumMod val="50000"/>
+                  </a:schemeClr>
                 </a:solidFill>
                 <a:effectLst/>
                 <a:latin typeface="Consolas" panose="020B0609020204030204" pitchFamily="49" charset="0"/>
@@ -5643,7 +5891,9 @@
             <a:r>
               <a:rPr lang="en-GB">
                 <a:solidFill>
-                  <a:schemeClr val="tx1"/>
+                  <a:schemeClr val="bg1">
+                    <a:lumMod val="65000"/>
+                  </a:schemeClr>
                 </a:solidFill>
                 <a:effectLst/>
                 <a:latin typeface="Consolas" panose="020B0609020204030204" pitchFamily="49" charset="0"/>
@@ -5666,7 +5916,9 @@
             <a:r>
               <a:rPr lang="en-GB">
                 <a:solidFill>
-                  <a:schemeClr val="tx1"/>
+                  <a:schemeClr val="bg1">
+                    <a:lumMod val="65000"/>
+                  </a:schemeClr>
                 </a:solidFill>
                 <a:effectLst/>
                 <a:latin typeface="Consolas" panose="020B0609020204030204" pitchFamily="49" charset="0"/>
@@ -5689,7 +5941,9 @@
             <a:r>
               <a:rPr lang="en-GB">
                 <a:solidFill>
-                  <a:schemeClr val="tx1"/>
+                  <a:schemeClr val="bg1">
+                    <a:lumMod val="65000"/>
+                  </a:schemeClr>
                 </a:solidFill>
                 <a:effectLst/>
                 <a:latin typeface="Consolas" panose="020B0609020204030204" pitchFamily="49" charset="0"/>
@@ -5711,9 +5965,6 @@
             </a:pPr>
             <a:r>
               <a:rPr lang="en-GB">
-                <a:solidFill>
-                  <a:schemeClr val="tx1"/>
-                </a:solidFill>
                 <a:effectLst/>
                 <a:latin typeface="Consolas" panose="020B0609020204030204" pitchFamily="49" charset="0"/>
                 <a:ea typeface="Calibri" panose="020F0502020204030204" pitchFamily="34" charset="0"/>
@@ -5734,9 +5985,6 @@
             </a:pPr>
             <a:r>
               <a:rPr lang="en-GB">
-                <a:solidFill>
-                  <a:schemeClr val="tx1"/>
-                </a:solidFill>
                 <a:effectLst/>
                 <a:latin typeface="Consolas" panose="020B0609020204030204" pitchFamily="49" charset="0"/>
                 <a:ea typeface="Calibri" panose="020F0502020204030204" pitchFamily="34" charset="0"/>
@@ -5757,13 +6005,13 @@
   <p:clrMapOvr>
     <a:masterClrMapping/>
   </p:clrMapOvr>
-  <mc:AlternateContent xmlns:mc="http://schemas.openxmlformats.org/markup-compatibility/2006" xmlns:p159="http://schemas.microsoft.com/office/powerpoint/2015/09/main">
-    <mc:Choice Requires="p159">
+  <mc:AlternateContent xmlns:mc="http://schemas.openxmlformats.org/markup-compatibility/2006">
+    <mc:Choice xmlns:p159="http://schemas.microsoft.com/office/powerpoint/2015/09/main" Requires="p159">
       <p:transition xmlns:p14="http://schemas.microsoft.com/office/powerpoint/2010/main" spd="slow" p14:dur="2000">
         <p159:morph option="byObject"/>
       </p:transition>
     </mc:Choice>
-    <mc:Fallback xmlns="">
+    <mc:Fallback>
       <p:transition spd="slow">
         <p:fade/>
       </p:transition>
@@ -5813,7 +6061,7 @@
         </p:nvSpPr>
         <p:spPr>
           <a:xfrm>
-            <a:off x="6424613" y="239713"/>
+            <a:off x="6096000" y="239713"/>
             <a:ext cx="5767387" cy="349250"/>
           </a:xfrm>
         </p:spPr>
@@ -5828,8 +6076,7 @@
               <a:rPr lang="ro-RO" sz="1600" noProof="1">
                 <a:solidFill>
                   <a:schemeClr val="bg1">
-                    <a:lumMod val="50000"/>
-                    <a:lumOff val="50000"/>
+                    <a:lumMod val="75000"/>
                   </a:schemeClr>
                 </a:solidFill>
               </a:rPr>
@@ -5856,7 +6103,7 @@
         </p:nvSpPr>
         <p:spPr>
           <a:xfrm>
-            <a:off x="6424613" y="588963"/>
+            <a:off x="6096000" y="588963"/>
             <a:ext cx="5767387" cy="347662"/>
           </a:xfrm>
         </p:spPr>
@@ -5873,8 +6120,7 @@
               <a:rPr lang="ro-RO" sz="1000" noProof="1">
                 <a:solidFill>
                   <a:schemeClr val="bg1">
-                    <a:lumMod val="50000"/>
-                    <a:lumOff val="50000"/>
+                    <a:lumMod val="75000"/>
                   </a:schemeClr>
                 </a:solidFill>
               </a:rPr>
@@ -5884,8 +6130,7 @@
               <a:rPr lang="ro-RO" sz="1000" noProof="1">
                 <a:solidFill>
                   <a:schemeClr val="bg1">
-                    <a:lumMod val="50000"/>
-                    <a:lumOff val="50000"/>
+                    <a:lumMod val="75000"/>
                   </a:schemeClr>
                 </a:solidFill>
               </a:rPr>
@@ -5894,8 +6139,7 @@
               <a:rPr lang="ro-RO" sz="1000" noProof="1">
                 <a:solidFill>
                   <a:schemeClr val="bg1">
-                    <a:lumMod val="50000"/>
-                    <a:lumOff val="50000"/>
+                    <a:lumMod val="75000"/>
                   </a:schemeClr>
                 </a:solidFill>
               </a:rPr>
@@ -6028,7 +6272,6 @@
           <a:prstGeom prst="rect">
             <a:avLst/>
           </a:prstGeom>
-          <a:noFill/>
           <a:ln cap="flat" cmpd="sng">
             <a:noFill/>
             <a:prstDash val="lgDash"/>
@@ -6066,9 +6309,6 @@
             </a:pPr>
             <a:r>
               <a:rPr lang="en-GB">
-                <a:solidFill>
-                  <a:schemeClr val="tx1"/>
-                </a:solidFill>
                 <a:effectLst/>
                 <a:latin typeface="Consolas" panose="020B0609020204030204" pitchFamily="49" charset="0"/>
                 <a:ea typeface="Calibri" panose="020F0502020204030204" pitchFamily="34" charset="0"/>
@@ -6078,12 +6318,9 @@
             </a:r>
             <a:r>
               <a:rPr lang="en-GB" b="1">
-                <a:solidFill>
-                  <a:schemeClr val="tx1"/>
-                </a:solidFill>
                 <a:effectLst/>
                 <a:highlight>
-                  <a:srgbClr val="808000"/>
+                  <a:srgbClr val="FFFF00"/>
                 </a:highlight>
                 <a:latin typeface="Consolas" panose="020B0609020204030204" pitchFamily="49" charset="0"/>
                 <a:ea typeface="Calibri" panose="020F0502020204030204" pitchFamily="34" charset="0"/>
@@ -6093,9 +6330,6 @@
             </a:r>
             <a:r>
               <a:rPr lang="en-GB">
-                <a:solidFill>
-                  <a:schemeClr val="tx1"/>
-                </a:solidFill>
                 <a:effectLst/>
                 <a:latin typeface="Consolas" panose="020B0609020204030204" pitchFamily="49" charset="0"/>
                 <a:ea typeface="Calibri" panose="020F0502020204030204" pitchFamily="34" charset="0"/>
@@ -6116,9 +6350,6 @@
             </a:pPr>
             <a:r>
               <a:rPr lang="en-GB">
-                <a:solidFill>
-                  <a:schemeClr val="tx1"/>
-                </a:solidFill>
                 <a:effectLst/>
                 <a:latin typeface="Consolas" panose="020B0609020204030204" pitchFamily="49" charset="0"/>
                 <a:ea typeface="Calibri" panose="020F0502020204030204" pitchFamily="34" charset="0"/>
@@ -6139,15 +6370,26 @@
             </a:pPr>
             <a:r>
               <a:rPr lang="en-GB">
+                <a:effectLst/>
+                <a:latin typeface="Consolas" panose="020B0609020204030204" pitchFamily="49" charset="0"/>
+                <a:ea typeface="Calibri" panose="020F0502020204030204" pitchFamily="34" charset="0"/>
+                <a:cs typeface="Times New Roman" panose="02020603050405020304" pitchFamily="18" charset="0"/>
+              </a:rPr>
+              <a:t>    </a:t>
+            </a:r>
+            <a:r>
+              <a:rPr lang="en-GB">
                 <a:solidFill>
-                  <a:schemeClr val="tx1"/>
+                  <a:schemeClr val="bg1">
+                    <a:lumMod val="65000"/>
+                  </a:schemeClr>
                 </a:solidFill>
                 <a:effectLst/>
                 <a:latin typeface="Consolas" panose="020B0609020204030204" pitchFamily="49" charset="0"/>
                 <a:ea typeface="Calibri" panose="020F0502020204030204" pitchFamily="34" charset="0"/>
                 <a:cs typeface="Times New Roman" panose="02020603050405020304" pitchFamily="18" charset="0"/>
               </a:rPr>
-              <a:t>    ...</a:t>
+              <a:t>...</a:t>
             </a:r>
           </a:p>
           <a:p>
@@ -6162,9 +6404,6 @@
             </a:pPr>
             <a:r>
               <a:rPr lang="en-GB">
-                <a:solidFill>
-                  <a:schemeClr val="tx1"/>
-                </a:solidFill>
                 <a:effectLst/>
                 <a:latin typeface="Consolas" panose="020B0609020204030204" pitchFamily="49" charset="0"/>
                 <a:ea typeface="Calibri" panose="020F0502020204030204" pitchFamily="34" charset="0"/>
@@ -6186,7 +6425,9 @@
             <a:r>
               <a:rPr lang="en-GB">
                 <a:solidFill>
-                  <a:schemeClr val="tx1"/>
+                  <a:schemeClr val="bg1">
+                    <a:lumMod val="65000"/>
+                  </a:schemeClr>
                 </a:solidFill>
                 <a:effectLst/>
                 <a:latin typeface="Consolas" panose="020B0609020204030204" pitchFamily="49" charset="0"/>
@@ -6208,9 +6449,6 @@
             </a:pPr>
             <a:r>
               <a:rPr lang="en-GB">
-                <a:solidFill>
-                  <a:schemeClr val="tx1"/>
-                </a:solidFill>
                 <a:effectLst/>
                 <a:latin typeface="Consolas" panose="020B0609020204030204" pitchFamily="49" charset="0"/>
                 <a:ea typeface="Calibri" panose="020F0502020204030204" pitchFamily="34" charset="0"/>
@@ -6220,12 +6458,9 @@
             </a:r>
             <a:r>
               <a:rPr lang="en-GB" b="1">
-                <a:solidFill>
-                  <a:schemeClr val="tx1"/>
-                </a:solidFill>
                 <a:effectLst/>
                 <a:highlight>
-                  <a:srgbClr val="808000"/>
+                  <a:srgbClr val="FFFF00"/>
                 </a:highlight>
                 <a:latin typeface="Consolas" panose="020B0609020204030204" pitchFamily="49" charset="0"/>
                 <a:ea typeface="Calibri" panose="020F0502020204030204" pitchFamily="34" charset="0"/>
@@ -6246,13 +6481,13 @@
   <p:clrMapOvr>
     <a:masterClrMapping/>
   </p:clrMapOvr>
-  <mc:AlternateContent xmlns:mc="http://schemas.openxmlformats.org/markup-compatibility/2006" xmlns:p159="http://schemas.microsoft.com/office/powerpoint/2015/09/main">
-    <mc:Choice Requires="p159">
+  <mc:AlternateContent xmlns:mc="http://schemas.openxmlformats.org/markup-compatibility/2006">
+    <mc:Choice xmlns:p159="http://schemas.microsoft.com/office/powerpoint/2015/09/main" Requires="p159">
       <p:transition xmlns:p14="http://schemas.microsoft.com/office/powerpoint/2010/main" spd="slow" p14:dur="2000">
         <p159:morph option="byObject"/>
       </p:transition>
     </mc:Choice>
-    <mc:Fallback xmlns="">
+    <mc:Fallback>
       <p:transition spd="slow">
         <p:fade/>
       </p:transition>
@@ -6302,7 +6537,7 @@
         </p:nvSpPr>
         <p:spPr>
           <a:xfrm>
-            <a:off x="6424613" y="239713"/>
+            <a:off x="6096000" y="239713"/>
             <a:ext cx="5767387" cy="349250"/>
           </a:xfrm>
         </p:spPr>
@@ -6317,8 +6552,7 @@
               <a:rPr lang="ro-RO" sz="1600" noProof="1">
                 <a:solidFill>
                   <a:schemeClr val="bg1">
-                    <a:lumMod val="50000"/>
-                    <a:lumOff val="50000"/>
+                    <a:lumMod val="75000"/>
                   </a:schemeClr>
                 </a:solidFill>
               </a:rPr>
@@ -6345,7 +6579,7 @@
         </p:nvSpPr>
         <p:spPr>
           <a:xfrm>
-            <a:off x="6424613" y="588963"/>
+            <a:off x="6096000" y="588963"/>
             <a:ext cx="5767387" cy="347662"/>
           </a:xfrm>
         </p:spPr>
@@ -6362,8 +6596,7 @@
               <a:rPr lang="ro-RO" sz="1000" noProof="1">
                 <a:solidFill>
                   <a:schemeClr val="bg1">
-                    <a:lumMod val="50000"/>
-                    <a:lumOff val="50000"/>
+                    <a:lumMod val="75000"/>
                   </a:schemeClr>
                 </a:solidFill>
               </a:rPr>
@@ -6373,8 +6606,7 @@
               <a:rPr lang="ro-RO" sz="1000" noProof="1">
                 <a:solidFill>
                   <a:schemeClr val="bg1">
-                    <a:lumMod val="50000"/>
-                    <a:lumOff val="50000"/>
+                    <a:lumMod val="75000"/>
                   </a:schemeClr>
                 </a:solidFill>
               </a:rPr>
@@ -6383,8 +6615,7 @@
               <a:rPr lang="ro-RO" sz="1000" noProof="1">
                 <a:solidFill>
                   <a:schemeClr val="bg1">
-                    <a:lumMod val="50000"/>
-                    <a:lumOff val="50000"/>
+                    <a:lumMod val="75000"/>
                   </a:schemeClr>
                 </a:solidFill>
               </a:rPr>
@@ -6531,7 +6762,6 @@
           <a:prstGeom prst="rect">
             <a:avLst/>
           </a:prstGeom>
-          <a:noFill/>
           <a:ln cap="flat" cmpd="sng">
             <a:noFill/>
             <a:prstDash val="lgDash"/>
@@ -6569,12 +6799,9 @@
             </a:pPr>
             <a:r>
               <a:rPr lang="en-GB" b="1">
-                <a:solidFill>
-                  <a:schemeClr val="tx1"/>
-                </a:solidFill>
                 <a:effectLst/>
                 <a:highlight>
-                  <a:srgbClr val="808000"/>
+                  <a:srgbClr val="FFFF00"/>
                 </a:highlight>
                 <a:latin typeface="Consolas" panose="020B0609020204030204" pitchFamily="49" charset="0"/>
                 <a:ea typeface="Calibri" panose="020F0502020204030204" pitchFamily="34" charset="0"/>
@@ -6584,9 +6811,6 @@
             </a:r>
             <a:r>
               <a:rPr lang="en-GB">
-                <a:solidFill>
-                  <a:schemeClr val="tx1"/>
-                </a:solidFill>
                 <a:effectLst/>
                 <a:latin typeface="Consolas" panose="020B0609020204030204" pitchFamily="49" charset="0"/>
                 <a:ea typeface="Calibri" panose="020F0502020204030204" pitchFamily="34" charset="0"/>
@@ -6607,9 +6831,6 @@
             </a:pPr>
             <a:r>
               <a:rPr lang="en-GB">
-                <a:solidFill>
-                  <a:schemeClr val="tx1"/>
-                </a:solidFill>
                 <a:effectLst/>
                 <a:latin typeface="Consolas" panose="020B0609020204030204" pitchFamily="49" charset="0"/>
                 <a:ea typeface="Calibri" panose="020F0502020204030204" pitchFamily="34" charset="0"/>
@@ -6630,9 +6851,6 @@
             </a:pPr>
             <a:r>
               <a:rPr lang="en-GB">
-                <a:solidFill>
-                  <a:schemeClr val="tx1"/>
-                </a:solidFill>
                 <a:effectLst/>
                 <a:latin typeface="Consolas" panose="020B0609020204030204" pitchFamily="49" charset="0"/>
                 <a:ea typeface="Calibri" panose="020F0502020204030204" pitchFamily="34" charset="0"/>
@@ -6653,9 +6871,6 @@
             </a:pPr>
             <a:r>
               <a:rPr lang="en-GB">
-                <a:solidFill>
-                  <a:schemeClr val="tx1"/>
-                </a:solidFill>
                 <a:effectLst/>
                 <a:latin typeface="Consolas" panose="020B0609020204030204" pitchFamily="49" charset="0"/>
                 <a:ea typeface="Calibri" panose="020F0502020204030204" pitchFamily="34" charset="0"/>
@@ -6676,9 +6891,6 @@
             </a:pPr>
             <a:r>
               <a:rPr lang="en-GB">
-                <a:solidFill>
-                  <a:schemeClr val="tx1"/>
-                </a:solidFill>
                 <a:effectLst/>
                 <a:latin typeface="Consolas" panose="020B0609020204030204" pitchFamily="49" charset="0"/>
                 <a:ea typeface="Calibri" panose="020F0502020204030204" pitchFamily="34" charset="0"/>
@@ -6699,9 +6911,6 @@
             </a:pPr>
             <a:r>
               <a:rPr lang="en-GB">
-                <a:solidFill>
-                  <a:schemeClr val="tx1"/>
-                </a:solidFill>
                 <a:effectLst/>
                 <a:latin typeface="Consolas" panose="020B0609020204030204" pitchFamily="49" charset="0"/>
                 <a:ea typeface="Calibri" panose="020F0502020204030204" pitchFamily="34" charset="0"/>
@@ -6711,12 +6920,9 @@
             </a:r>
             <a:r>
               <a:rPr lang="en-GB" b="1">
-                <a:solidFill>
-                  <a:schemeClr val="tx1"/>
-                </a:solidFill>
                 <a:effectLst/>
                 <a:highlight>
-                  <a:srgbClr val="808000"/>
+                  <a:srgbClr val="FFFF00"/>
                 </a:highlight>
                 <a:latin typeface="Consolas" panose="020B0609020204030204" pitchFamily="49" charset="0"/>
                 <a:ea typeface="Calibri" panose="020F0502020204030204" pitchFamily="34" charset="0"/>
@@ -6726,9 +6932,6 @@
             </a:r>
             <a:r>
               <a:rPr lang="en-GB">
-                <a:solidFill>
-                  <a:schemeClr val="tx1"/>
-                </a:solidFill>
                 <a:effectLst/>
                 <a:latin typeface="Consolas" panose="020B0609020204030204" pitchFamily="49" charset="0"/>
                 <a:ea typeface="Calibri" panose="020F0502020204030204" pitchFamily="34" charset="0"/>
@@ -6738,12 +6941,9 @@
             </a:r>
             <a:r>
               <a:rPr lang="en-GB" b="1">
-                <a:solidFill>
-                  <a:schemeClr val="tx1"/>
-                </a:solidFill>
                 <a:effectLst/>
                 <a:highlight>
-                  <a:srgbClr val="808000"/>
+                  <a:srgbClr val="FFFF00"/>
                 </a:highlight>
                 <a:latin typeface="Consolas" panose="020B0609020204030204" pitchFamily="49" charset="0"/>
                 <a:ea typeface="Calibri" panose="020F0502020204030204" pitchFamily="34" charset="0"/>
@@ -6753,9 +6953,6 @@
             </a:r>
             <a:r>
               <a:rPr lang="en-GB">
-                <a:solidFill>
-                  <a:schemeClr val="tx1"/>
-                </a:solidFill>
                 <a:effectLst/>
                 <a:latin typeface="Consolas" panose="020B0609020204030204" pitchFamily="49" charset="0"/>
                 <a:ea typeface="Calibri" panose="020F0502020204030204" pitchFamily="34" charset="0"/>
@@ -6776,13 +6973,13 @@
   <p:clrMapOvr>
     <a:masterClrMapping/>
   </p:clrMapOvr>
-  <mc:AlternateContent xmlns:mc="http://schemas.openxmlformats.org/markup-compatibility/2006" xmlns:p159="http://schemas.microsoft.com/office/powerpoint/2015/09/main">
-    <mc:Choice Requires="p159">
+  <mc:AlternateContent xmlns:mc="http://schemas.openxmlformats.org/markup-compatibility/2006">
+    <mc:Choice xmlns:p159="http://schemas.microsoft.com/office/powerpoint/2015/09/main" Requires="p159">
       <p:transition xmlns:p14="http://schemas.microsoft.com/office/powerpoint/2010/main" spd="slow" p14:dur="2000">
         <p159:morph option="byObject"/>
       </p:transition>
     </mc:Choice>
-    <mc:Fallback xmlns="">
+    <mc:Fallback>
       <p:transition spd="slow">
         <p:fade/>
       </p:transition>
@@ -6832,7 +7029,7 @@
         </p:nvSpPr>
         <p:spPr>
           <a:xfrm>
-            <a:off x="6424613" y="239713"/>
+            <a:off x="6096000" y="239713"/>
             <a:ext cx="5767387" cy="349250"/>
           </a:xfrm>
         </p:spPr>
@@ -6847,8 +7044,7 @@
               <a:rPr lang="ro-RO" sz="1600" noProof="1">
                 <a:solidFill>
                   <a:schemeClr val="bg1">
-                    <a:lumMod val="50000"/>
-                    <a:lumOff val="50000"/>
+                    <a:lumMod val="75000"/>
                   </a:schemeClr>
                 </a:solidFill>
               </a:rPr>
@@ -6875,7 +7071,7 @@
         </p:nvSpPr>
         <p:spPr>
           <a:xfrm>
-            <a:off x="6424613" y="588963"/>
+            <a:off x="6096000" y="588963"/>
             <a:ext cx="5767387" cy="347662"/>
           </a:xfrm>
         </p:spPr>
@@ -6892,8 +7088,7 @@
               <a:rPr lang="ro-RO" sz="1000" noProof="1">
                 <a:solidFill>
                   <a:schemeClr val="bg1">
-                    <a:lumMod val="50000"/>
-                    <a:lumOff val="50000"/>
+                    <a:lumMod val="75000"/>
                   </a:schemeClr>
                 </a:solidFill>
               </a:rPr>
@@ -6903,8 +7098,7 @@
               <a:rPr lang="ro-RO" sz="1000" noProof="1">
                 <a:solidFill>
                   <a:schemeClr val="bg1">
-                    <a:lumMod val="50000"/>
-                    <a:lumOff val="50000"/>
+                    <a:lumMod val="75000"/>
                   </a:schemeClr>
                 </a:solidFill>
               </a:rPr>
@@ -6913,8 +7107,7 @@
               <a:rPr lang="ro-RO" sz="1000" noProof="1">
                 <a:solidFill>
                   <a:schemeClr val="bg1">
-                    <a:lumMod val="50000"/>
-                    <a:lumOff val="50000"/>
+                    <a:lumMod val="75000"/>
                   </a:schemeClr>
                 </a:solidFill>
               </a:rPr>
@@ -7070,13 +7263,13 @@
   <p:clrMapOvr>
     <a:masterClrMapping/>
   </p:clrMapOvr>
-  <mc:AlternateContent xmlns:mc="http://schemas.openxmlformats.org/markup-compatibility/2006" xmlns:p159="http://schemas.microsoft.com/office/powerpoint/2015/09/main">
-    <mc:Choice Requires="p159">
+  <mc:AlternateContent xmlns:mc="http://schemas.openxmlformats.org/markup-compatibility/2006">
+    <mc:Choice xmlns:p159="http://schemas.microsoft.com/office/powerpoint/2015/09/main" Requires="p159">
       <p:transition xmlns:p14="http://schemas.microsoft.com/office/powerpoint/2010/main" spd="slow" p14:dur="2000">
         <p159:morph option="byObject"/>
       </p:transition>
     </mc:Choice>
-    <mc:Fallback xmlns="">
+    <mc:Fallback>
       <p:transition spd="slow">
         <p:fade/>
       </p:transition>
@@ -7126,7 +7319,7 @@
         </p:nvSpPr>
         <p:spPr>
           <a:xfrm>
-            <a:off x="6424613" y="239713"/>
+            <a:off x="6096000" y="239713"/>
             <a:ext cx="5767387" cy="349250"/>
           </a:xfrm>
         </p:spPr>
@@ -7141,8 +7334,7 @@
               <a:rPr lang="ro-RO" sz="1600" noProof="1">
                 <a:solidFill>
                   <a:schemeClr val="bg1">
-                    <a:lumMod val="50000"/>
-                    <a:lumOff val="50000"/>
+                    <a:lumMod val="75000"/>
                   </a:schemeClr>
                 </a:solidFill>
               </a:rPr>
@@ -7169,7 +7361,7 @@
         </p:nvSpPr>
         <p:spPr>
           <a:xfrm>
-            <a:off x="6424613" y="588963"/>
+            <a:off x="6096000" y="588963"/>
             <a:ext cx="5767387" cy="347662"/>
           </a:xfrm>
         </p:spPr>
@@ -7186,8 +7378,7 @@
               <a:rPr lang="ro-RO" sz="1000" noProof="1">
                 <a:solidFill>
                   <a:schemeClr val="bg1">
-                    <a:lumMod val="50000"/>
-                    <a:lumOff val="50000"/>
+                    <a:lumMod val="75000"/>
                   </a:schemeClr>
                 </a:solidFill>
               </a:rPr>
@@ -7197,8 +7388,7 @@
               <a:rPr lang="ro-RO" sz="1000" noProof="1">
                 <a:solidFill>
                   <a:schemeClr val="bg1">
-                    <a:lumMod val="50000"/>
-                    <a:lumOff val="50000"/>
+                    <a:lumMod val="75000"/>
                   </a:schemeClr>
                 </a:solidFill>
               </a:rPr>
@@ -7207,8 +7397,7 @@
               <a:rPr lang="ro-RO" sz="1000" noProof="1">
                 <a:solidFill>
                   <a:schemeClr val="bg1">
-                    <a:lumMod val="50000"/>
-                    <a:lumOff val="50000"/>
+                    <a:lumMod val="75000"/>
                   </a:schemeClr>
                 </a:solidFill>
               </a:rPr>
@@ -7299,7 +7488,6 @@
                 <a:solidFill>
                   <a:schemeClr val="bg1">
                     <a:lumMod val="50000"/>
-                    <a:lumOff val="50000"/>
                   </a:schemeClr>
                 </a:solidFill>
               </a:rPr>
@@ -7398,7 +7586,6 @@
                 <a:solidFill>
                   <a:schemeClr val="bg1">
                     <a:lumMod val="50000"/>
-                    <a:lumOff val="50000"/>
                   </a:schemeClr>
                 </a:solidFill>
               </a:rPr>
@@ -7614,13 +7801,13 @@
   <p:clrMapOvr>
     <a:masterClrMapping/>
   </p:clrMapOvr>
-  <mc:AlternateContent xmlns:mc="http://schemas.openxmlformats.org/markup-compatibility/2006" xmlns:p159="http://schemas.microsoft.com/office/powerpoint/2015/09/main">
-    <mc:Choice Requires="p159">
+  <mc:AlternateContent xmlns:mc="http://schemas.openxmlformats.org/markup-compatibility/2006">
+    <mc:Choice xmlns:p159="http://schemas.microsoft.com/office/powerpoint/2015/09/main" Requires="p159">
       <p:transition xmlns:p14="http://schemas.microsoft.com/office/powerpoint/2010/main" spd="slow" p14:dur="2000">
         <p159:morph option="byObject"/>
       </p:transition>
     </mc:Choice>
-    <mc:Fallback xmlns="">
+    <mc:Fallback>
       <p:transition spd="slow">
         <p:fade/>
       </p:transition>
@@ -7632,7 +7819,7 @@
 <file path=ppt/theme/theme1.xml><?xml version="1.0" encoding="utf-8"?>
 <a:theme xmlns:a="http://schemas.openxmlformats.org/drawingml/2006/main" name="Office Theme">
   <a:themeElements>
-    <a:clrScheme name="Office Theme">
+    <a:clrScheme name="Office">
       <a:dk1>
         <a:sysClr val="windowText" lastClr="000000"/>
       </a:dk1>
@@ -7664,13 +7851,13 @@
         <a:srgbClr val="4EA72E"/>
       </a:accent6>
       <a:hlink>
-        <a:srgbClr val="538D9D"/>
+        <a:srgbClr val="467886"/>
       </a:hlink>
       <a:folHlink>
-        <a:srgbClr val="A5738E"/>
+        <a:srgbClr val="96607D"/>
       </a:folHlink>
     </a:clrScheme>
-    <a:fontScheme name="Office Theme">
+    <a:fontScheme name="Office">
       <a:majorFont>
         <a:latin typeface="Aptos Display" panose="02110004020202020204"/>
         <a:ea typeface=""/>
@@ -7776,7 +7963,7 @@
         <a:font script="Tfng" typeface="Ebrima"/>
       </a:minorFont>
     </a:fontScheme>
-    <a:fmtScheme name="Office Theme">
+    <a:fmtScheme name="Office">
       <a:fillStyleLst>
         <a:solidFill>
           <a:schemeClr val="phClr"/>
@@ -7938,7 +8125,7 @@
   <a:extraClrSchemeLst/>
   <a:extLst>
     <a:ext uri="{05A4C25C-085E-4340-85A3-A5531E510DB2}">
-      <thm15:themeFamily xmlns:thm15="http://schemas.microsoft.com/office/thememl/2012/main" name="Office Theme" id="{2E142A2C-CD16-42D6-873A-C26D2A0506FA}" vid="{3A418E6B-C5F0-4B95-8D77-61E3EF3B5DF5}"/>
+      <thm15:themeFamily xmlns:thm15="http://schemas.microsoft.com/office/thememl/2012/main" name="Office Theme" id="{2E142A2C-CD16-42D6-873A-C26D2A0506FA}" vid="{1BDDFF52-6CD6-40A5-AB3C-68EB2F1E4D0A}"/>
     </a:ext>
   </a:extLst>
 </a:theme>

--- a/ppt.pptx
+++ b/ppt.pptx
@@ -116,6 +116,14 @@
       </a:defRPr>
     </a:lvl9pPr>
   </p:defaultTextStyle>
+  <p:extLst>
+    <p:ext uri="{EFAFB233-063F-42B5-8137-9DF3F51BA10A}">
+      <p15:sldGuideLst xmlns:p15="http://schemas.microsoft.com/office/powerpoint/2012/main"/>
+    </p:ext>
+    <p:ext uri="{2D200454-40CA-4A62-9FC3-DE9A4176ACB9}">
+      <p15:notesGuideLst xmlns:p15="http://schemas.microsoft.com/office/powerpoint/2012/main"/>
+    </p:ext>
+  </p:extLst>
 </p:presentation>
 </file>
 
@@ -201,7 +209,7 @@
           <a:p>
             <a:fld id="{FD8E86A0-1019-4C26-B681-F0B34216D187}" type="datetimeFigureOut">
               <a:rPr lang="en-GB" smtClean="0"/>
-              <a:t>07/01/2026</a:t>
+              <a:t>15/01/2026</a:t>
             </a:fld>
             <a:endParaRPr lang="en-GB"/>
           </a:p>
@@ -891,7 +899,7 @@
           <a:p>
             <a:fld id="{EE6EA10A-9417-43D9-A9C3-B057EA8B1B48}" type="datetimeFigureOut">
               <a:rPr lang="en-GB" smtClean="0"/>
-              <a:t>07/01/2026</a:t>
+              <a:t>15/01/2026</a:t>
             </a:fld>
             <a:endParaRPr lang="en-GB"/>
           </a:p>
@@ -1089,7 +1097,7 @@
           <a:p>
             <a:fld id="{EE6EA10A-9417-43D9-A9C3-B057EA8B1B48}" type="datetimeFigureOut">
               <a:rPr lang="en-GB" smtClean="0"/>
-              <a:t>07/01/2026</a:t>
+              <a:t>15/01/2026</a:t>
             </a:fld>
             <a:endParaRPr lang="en-GB"/>
           </a:p>
@@ -1297,7 +1305,7 @@
           <a:p>
             <a:fld id="{EE6EA10A-9417-43D9-A9C3-B057EA8B1B48}" type="datetimeFigureOut">
               <a:rPr lang="en-GB" smtClean="0"/>
-              <a:t>07/01/2026</a:t>
+              <a:t>15/01/2026</a:t>
             </a:fld>
             <a:endParaRPr lang="en-GB"/>
           </a:p>
@@ -1495,7 +1503,7 @@
           <a:p>
             <a:fld id="{EE6EA10A-9417-43D9-A9C3-B057EA8B1B48}" type="datetimeFigureOut">
               <a:rPr lang="en-GB" smtClean="0"/>
-              <a:t>07/01/2026</a:t>
+              <a:t>15/01/2026</a:t>
             </a:fld>
             <a:endParaRPr lang="en-GB"/>
           </a:p>
@@ -1770,7 +1778,7 @@
           <a:p>
             <a:fld id="{EE6EA10A-9417-43D9-A9C3-B057EA8B1B48}" type="datetimeFigureOut">
               <a:rPr lang="en-GB" smtClean="0"/>
-              <a:t>07/01/2026</a:t>
+              <a:t>15/01/2026</a:t>
             </a:fld>
             <a:endParaRPr lang="en-GB"/>
           </a:p>
@@ -2035,7 +2043,7 @@
           <a:p>
             <a:fld id="{EE6EA10A-9417-43D9-A9C3-B057EA8B1B48}" type="datetimeFigureOut">
               <a:rPr lang="en-GB" smtClean="0"/>
-              <a:t>07/01/2026</a:t>
+              <a:t>15/01/2026</a:t>
             </a:fld>
             <a:endParaRPr lang="en-GB"/>
           </a:p>
@@ -2447,7 +2455,7 @@
           <a:p>
             <a:fld id="{EE6EA10A-9417-43D9-A9C3-B057EA8B1B48}" type="datetimeFigureOut">
               <a:rPr lang="en-GB" smtClean="0"/>
-              <a:t>07/01/2026</a:t>
+              <a:t>15/01/2026</a:t>
             </a:fld>
             <a:endParaRPr lang="en-GB"/>
           </a:p>
@@ -2588,7 +2596,7 @@
           <a:p>
             <a:fld id="{EE6EA10A-9417-43D9-A9C3-B057EA8B1B48}" type="datetimeFigureOut">
               <a:rPr lang="en-GB" smtClean="0"/>
-              <a:t>07/01/2026</a:t>
+              <a:t>15/01/2026</a:t>
             </a:fld>
             <a:endParaRPr lang="en-GB"/>
           </a:p>
@@ -2701,7 +2709,7 @@
           <a:p>
             <a:fld id="{EE6EA10A-9417-43D9-A9C3-B057EA8B1B48}" type="datetimeFigureOut">
               <a:rPr lang="en-GB" smtClean="0"/>
-              <a:t>07/01/2026</a:t>
+              <a:t>15/01/2026</a:t>
             </a:fld>
             <a:endParaRPr lang="en-GB"/>
           </a:p>
@@ -3012,7 +3020,7 @@
           <a:p>
             <a:fld id="{EE6EA10A-9417-43D9-A9C3-B057EA8B1B48}" type="datetimeFigureOut">
               <a:rPr lang="en-GB" smtClean="0"/>
-              <a:t>07/01/2026</a:t>
+              <a:t>15/01/2026</a:t>
             </a:fld>
             <a:endParaRPr lang="en-GB"/>
           </a:p>
@@ -3300,7 +3308,7 @@
           <a:p>
             <a:fld id="{EE6EA10A-9417-43D9-A9C3-B057EA8B1B48}" type="datetimeFigureOut">
               <a:rPr lang="en-GB" smtClean="0"/>
-              <a:t>07/01/2026</a:t>
+              <a:t>15/01/2026</a:t>
             </a:fld>
             <a:endParaRPr lang="en-GB"/>
           </a:p>
@@ -3541,7 +3549,7 @@
           <a:p>
             <a:fld id="{EE6EA10A-9417-43D9-A9C3-B057EA8B1B48}" type="datetimeFigureOut">
               <a:rPr lang="en-GB" smtClean="0"/>
-              <a:t>07/01/2026</a:t>
+              <a:t>15/01/2026</a:t>
             </a:fld>
             <a:endParaRPr lang="en-GB"/>
           </a:p>
@@ -4107,7 +4115,9 @@
         </p:nvSpPr>
         <p:spPr/>
         <p:txBody>
-          <a:bodyPr/>
+          <a:bodyPr>
+            <a:normAutofit lnSpcReduction="10000"/>
+          </a:bodyPr>
           <a:lstStyle/>
           <a:p>
             <a:r>
@@ -4121,6 +4131,55 @@
               <a:rPr lang="ro-RO" noProof="1"/>
               <a:t>Universitatea de Știinte Exacte “Aurel Vlaicu” Arad</a:t>
             </a:r>
+            <a:endParaRPr lang="en-GB" noProof="1"/>
+          </a:p>
+          <a:p>
+            <a:endParaRPr lang="en-GB" sz="1400" noProof="1">
+              <a:solidFill>
+                <a:schemeClr val="bg1">
+                  <a:lumMod val="75000"/>
+                </a:schemeClr>
+              </a:solidFill>
+            </a:endParaRPr>
+          </a:p>
+          <a:p>
+            <a:r>
+              <a:rPr lang="en-GB" sz="1400" noProof="1">
+                <a:solidFill>
+                  <a:schemeClr val="bg1">
+                    <a:lumMod val="75000"/>
+                  </a:schemeClr>
+                </a:solidFill>
+              </a:rPr>
+              <a:t>Cod surs</a:t>
+            </a:r>
+            <a:r>
+              <a:rPr lang="ro-RO" sz="1400" noProof="1">
+                <a:solidFill>
+                  <a:schemeClr val="bg1">
+                    <a:lumMod val="75000"/>
+                  </a:schemeClr>
+                </a:solidFill>
+              </a:rPr>
+              <a:t>ă</a:t>
+            </a:r>
+            <a:r>
+              <a:rPr lang="en-GB" sz="1400" noProof="1">
+                <a:solidFill>
+                  <a:schemeClr val="bg1">
+                    <a:lumMod val="75000"/>
+                  </a:schemeClr>
+                </a:solidFill>
+              </a:rPr>
+              <a:t>: https://github.com/averageMelons/javaPrezentUI</a:t>
+            </a:r>
+            <a:endParaRPr lang="ro-RO" sz="1400" noProof="1">
+              <a:solidFill>
+                <a:schemeClr val="bg1">
+                  <a:lumMod val="75000"/>
+                </a:schemeClr>
+              </a:solidFill>
+            </a:endParaRPr>
           </a:p>
         </p:txBody>
       </p:sp>
@@ -4134,13 +4193,13 @@
   <p:clrMapOvr>
     <a:masterClrMapping/>
   </p:clrMapOvr>
-  <mc:AlternateContent xmlns:mc="http://schemas.openxmlformats.org/markup-compatibility/2006">
-    <mc:Choice xmlns:p159="http://schemas.microsoft.com/office/powerpoint/2015/09/main" Requires="p159">
+  <mc:AlternateContent xmlns:mc="http://schemas.openxmlformats.org/markup-compatibility/2006" xmlns:p159="http://schemas.microsoft.com/office/powerpoint/2015/09/main">
+    <mc:Choice Requires="p159">
       <p:transition xmlns:p14="http://schemas.microsoft.com/office/powerpoint/2010/main" spd="slow" p14:dur="2000">
         <p159:morph option="byObject"/>
       </p:transition>
     </mc:Choice>
-    <mc:Fallback>
+    <mc:Fallback xmlns="">
       <p:transition spd="slow">
         <p:fade/>
       </p:transition>
@@ -4499,13 +4558,13 @@
   <p:clrMapOvr>
     <a:masterClrMapping/>
   </p:clrMapOvr>
-  <mc:AlternateContent xmlns:mc="http://schemas.openxmlformats.org/markup-compatibility/2006">
-    <mc:Choice xmlns:p159="http://schemas.microsoft.com/office/powerpoint/2015/09/main" Requires="p159">
+  <mc:AlternateContent xmlns:mc="http://schemas.openxmlformats.org/markup-compatibility/2006" xmlns:p159="http://schemas.microsoft.com/office/powerpoint/2015/09/main">
+    <mc:Choice Requires="p159">
       <p:transition xmlns:p14="http://schemas.microsoft.com/office/powerpoint/2010/main" spd="slow" p14:dur="2000">
         <p159:morph option="byObject"/>
       </p:transition>
     </mc:Choice>
-    <mc:Fallback>
+    <mc:Fallback xmlns="">
       <p:transition spd="slow">
         <p:fade/>
       </p:transition>
@@ -4910,13 +4969,13 @@
   <p:clrMapOvr>
     <a:masterClrMapping/>
   </p:clrMapOvr>
-  <mc:AlternateContent xmlns:mc="http://schemas.openxmlformats.org/markup-compatibility/2006">
-    <mc:Choice xmlns:p159="http://schemas.microsoft.com/office/powerpoint/2015/09/main" Requires="p159">
+  <mc:AlternateContent xmlns:mc="http://schemas.openxmlformats.org/markup-compatibility/2006" xmlns:p159="http://schemas.microsoft.com/office/powerpoint/2015/09/main">
+    <mc:Choice Requires="p159">
       <p:transition xmlns:p14="http://schemas.microsoft.com/office/powerpoint/2010/main" spd="slow" p14:dur="2000">
         <p159:morph option="byObject"/>
       </p:transition>
     </mc:Choice>
-    <mc:Fallback>
+    <mc:Fallback xmlns="">
       <p:transition spd="slow">
         <p:fade/>
       </p:transition>
@@ -5392,13 +5451,13 @@
   <p:clrMapOvr>
     <a:masterClrMapping/>
   </p:clrMapOvr>
-  <mc:AlternateContent xmlns:mc="http://schemas.openxmlformats.org/markup-compatibility/2006">
-    <mc:Choice xmlns:p159="http://schemas.microsoft.com/office/powerpoint/2015/09/main" Requires="p159">
+  <mc:AlternateContent xmlns:mc="http://schemas.openxmlformats.org/markup-compatibility/2006" xmlns:p159="http://schemas.microsoft.com/office/powerpoint/2015/09/main">
+    <mc:Choice Requires="p159">
       <p:transition xmlns:p14="http://schemas.microsoft.com/office/powerpoint/2010/main" spd="slow" p14:dur="2000">
         <p159:morph option="byObject"/>
       </p:transition>
     </mc:Choice>
-    <mc:Fallback>
+    <mc:Fallback xmlns="">
       <p:transition spd="slow">
         <p:fade/>
       </p:transition>
@@ -6005,13 +6064,13 @@
   <p:clrMapOvr>
     <a:masterClrMapping/>
   </p:clrMapOvr>
-  <mc:AlternateContent xmlns:mc="http://schemas.openxmlformats.org/markup-compatibility/2006">
-    <mc:Choice xmlns:p159="http://schemas.microsoft.com/office/powerpoint/2015/09/main" Requires="p159">
+  <mc:AlternateContent xmlns:mc="http://schemas.openxmlformats.org/markup-compatibility/2006" xmlns:p159="http://schemas.microsoft.com/office/powerpoint/2015/09/main">
+    <mc:Choice Requires="p159">
       <p:transition xmlns:p14="http://schemas.microsoft.com/office/powerpoint/2010/main" spd="slow" p14:dur="2000">
         <p159:morph option="byObject"/>
       </p:transition>
     </mc:Choice>
-    <mc:Fallback>
+    <mc:Fallback xmlns="">
       <p:transition spd="slow">
         <p:fade/>
       </p:transition>
@@ -6481,13 +6540,13 @@
   <p:clrMapOvr>
     <a:masterClrMapping/>
   </p:clrMapOvr>
-  <mc:AlternateContent xmlns:mc="http://schemas.openxmlformats.org/markup-compatibility/2006">
-    <mc:Choice xmlns:p159="http://schemas.microsoft.com/office/powerpoint/2015/09/main" Requires="p159">
+  <mc:AlternateContent xmlns:mc="http://schemas.openxmlformats.org/markup-compatibility/2006" xmlns:p159="http://schemas.microsoft.com/office/powerpoint/2015/09/main">
+    <mc:Choice Requires="p159">
       <p:transition xmlns:p14="http://schemas.microsoft.com/office/powerpoint/2010/main" spd="slow" p14:dur="2000">
         <p159:morph option="byObject"/>
       </p:transition>
     </mc:Choice>
-    <mc:Fallback>
+    <mc:Fallback xmlns="">
       <p:transition spd="slow">
         <p:fade/>
       </p:transition>
@@ -6973,13 +7032,13 @@
   <p:clrMapOvr>
     <a:masterClrMapping/>
   </p:clrMapOvr>
-  <mc:AlternateContent xmlns:mc="http://schemas.openxmlformats.org/markup-compatibility/2006">
-    <mc:Choice xmlns:p159="http://schemas.microsoft.com/office/powerpoint/2015/09/main" Requires="p159">
+  <mc:AlternateContent xmlns:mc="http://schemas.openxmlformats.org/markup-compatibility/2006" xmlns:p159="http://schemas.microsoft.com/office/powerpoint/2015/09/main">
+    <mc:Choice Requires="p159">
       <p:transition xmlns:p14="http://schemas.microsoft.com/office/powerpoint/2010/main" spd="slow" p14:dur="2000">
         <p159:morph option="byObject"/>
       </p:transition>
     </mc:Choice>
-    <mc:Fallback>
+    <mc:Fallback xmlns="">
       <p:transition spd="slow">
         <p:fade/>
       </p:transition>
@@ -7173,7 +7232,7 @@
         <p:spPr>
           <a:xfrm>
             <a:off x="328613" y="6305163"/>
-            <a:ext cx="11534774" cy="369332"/>
+            <a:ext cx="11534774" cy="553998"/>
           </a:xfrm>
           <a:prstGeom prst="rect">
             <a:avLst/>
@@ -7220,6 +7279,46 @@
               <a:t>.</a:t>
             </a:r>
             <a:endParaRPr lang="en-GB"/>
+          </a:p>
+          <a:p>
+            <a:pPr algn="ctr"/>
+            <a:r>
+              <a:rPr lang="ro-RO" sz="1200">
+                <a:solidFill>
+                  <a:schemeClr val="bg1">
+                    <a:lumMod val="75000"/>
+                  </a:schemeClr>
+                </a:solidFill>
+              </a:rPr>
+              <a:t>(</a:t>
+            </a:r>
+            <a:r>
+              <a:rPr lang="en-GB" sz="1200">
+                <a:solidFill>
+                  <a:schemeClr val="bg1">
+                    <a:lumMod val="75000"/>
+                  </a:schemeClr>
+                </a:solidFill>
+              </a:rPr>
+              <a:t>Diagrama realiza</a:t>
+            </a:r>
+            <a:r>
+              <a:rPr lang="ro-RO" sz="1200">
+                <a:solidFill>
+                  <a:schemeClr val="bg1">
+                    <a:lumMod val="75000"/>
+                  </a:schemeClr>
+                </a:solidFill>
+              </a:rPr>
+              <a:t>tă cu Umbrello)</a:t>
+            </a:r>
+            <a:endParaRPr lang="en-GB" sz="1200">
+              <a:solidFill>
+                <a:schemeClr val="bg1">
+                  <a:lumMod val="75000"/>
+                </a:schemeClr>
+              </a:solidFill>
+            </a:endParaRPr>
           </a:p>
         </p:txBody>
       </p:sp>
@@ -7263,13 +7362,13 @@
   <p:clrMapOvr>
     <a:masterClrMapping/>
   </p:clrMapOvr>
-  <mc:AlternateContent xmlns:mc="http://schemas.openxmlformats.org/markup-compatibility/2006">
-    <mc:Choice xmlns:p159="http://schemas.microsoft.com/office/powerpoint/2015/09/main" Requires="p159">
+  <mc:AlternateContent xmlns:mc="http://schemas.openxmlformats.org/markup-compatibility/2006" xmlns:p159="http://schemas.microsoft.com/office/powerpoint/2015/09/main">
+    <mc:Choice Requires="p159">
       <p:transition xmlns:p14="http://schemas.microsoft.com/office/powerpoint/2010/main" spd="slow" p14:dur="2000">
         <p159:morph option="byObject"/>
       </p:transition>
     </mc:Choice>
-    <mc:Fallback>
+    <mc:Fallback xmlns="">
       <p:transition spd="slow">
         <p:fade/>
       </p:transition>
@@ -7801,13 +7900,13 @@
   <p:clrMapOvr>
     <a:masterClrMapping/>
   </p:clrMapOvr>
-  <mc:AlternateContent xmlns:mc="http://schemas.openxmlformats.org/markup-compatibility/2006">
-    <mc:Choice xmlns:p159="http://schemas.microsoft.com/office/powerpoint/2015/09/main" Requires="p159">
+  <mc:AlternateContent xmlns:mc="http://schemas.openxmlformats.org/markup-compatibility/2006" xmlns:p159="http://schemas.microsoft.com/office/powerpoint/2015/09/main">
+    <mc:Choice Requires="p159">
       <p:transition xmlns:p14="http://schemas.microsoft.com/office/powerpoint/2010/main" spd="slow" p14:dur="2000">
         <p159:morph option="byObject"/>
       </p:transition>
     </mc:Choice>
-    <mc:Fallback>
+    <mc:Fallback xmlns="">
       <p:transition spd="slow">
         <p:fade/>
       </p:transition>
